--- a/workspace/Model2_MVC.pptx
+++ b/workspace/Model2_MVC.pptx
@@ -10,6 +10,7 @@
     <p:sldId id="259" r:id="rId4"/>
     <p:sldId id="258" r:id="rId5"/>
     <p:sldId id="260" r:id="rId6"/>
+    <p:sldId id="261" r:id="rId7"/>
   </p:sldIdLst>
   <p:sldSz cx="12192000" cy="6858000"/>
   <p:notesSz cx="6858000" cy="9144000"/>
@@ -247,7 +248,7 @@
           <a:p>
             <a:fld id="{3DCF8E7F-ECA4-4F79-8BD4-9D90B257F24F}" type="datetimeFigureOut">
               <a:rPr lang="ko-KR" altLang="en-US" smtClean="0"/>
-              <a:t>2021-07-26</a:t>
+              <a:t>2021-07-29</a:t>
             </a:fld>
             <a:endParaRPr lang="ko-KR" altLang="en-US"/>
           </a:p>
@@ -417,7 +418,7 @@
           <a:p>
             <a:fld id="{3DCF8E7F-ECA4-4F79-8BD4-9D90B257F24F}" type="datetimeFigureOut">
               <a:rPr lang="ko-KR" altLang="en-US" smtClean="0"/>
-              <a:t>2021-07-26</a:t>
+              <a:t>2021-07-29</a:t>
             </a:fld>
             <a:endParaRPr lang="ko-KR" altLang="en-US"/>
           </a:p>
@@ -597,7 +598,7 @@
           <a:p>
             <a:fld id="{3DCF8E7F-ECA4-4F79-8BD4-9D90B257F24F}" type="datetimeFigureOut">
               <a:rPr lang="ko-KR" altLang="en-US" smtClean="0"/>
-              <a:t>2021-07-26</a:t>
+              <a:t>2021-07-29</a:t>
             </a:fld>
             <a:endParaRPr lang="ko-KR" altLang="en-US"/>
           </a:p>
@@ -767,7 +768,7 @@
           <a:p>
             <a:fld id="{3DCF8E7F-ECA4-4F79-8BD4-9D90B257F24F}" type="datetimeFigureOut">
               <a:rPr lang="ko-KR" altLang="en-US" smtClean="0"/>
-              <a:t>2021-07-26</a:t>
+              <a:t>2021-07-29</a:t>
             </a:fld>
             <a:endParaRPr lang="ko-KR" altLang="en-US"/>
           </a:p>
@@ -1013,7 +1014,7 @@
           <a:p>
             <a:fld id="{3DCF8E7F-ECA4-4F79-8BD4-9D90B257F24F}" type="datetimeFigureOut">
               <a:rPr lang="ko-KR" altLang="en-US" smtClean="0"/>
-              <a:t>2021-07-26</a:t>
+              <a:t>2021-07-29</a:t>
             </a:fld>
             <a:endParaRPr lang="ko-KR" altLang="en-US"/>
           </a:p>
@@ -1245,7 +1246,7 @@
           <a:p>
             <a:fld id="{3DCF8E7F-ECA4-4F79-8BD4-9D90B257F24F}" type="datetimeFigureOut">
               <a:rPr lang="ko-KR" altLang="en-US" smtClean="0"/>
-              <a:t>2021-07-26</a:t>
+              <a:t>2021-07-29</a:t>
             </a:fld>
             <a:endParaRPr lang="ko-KR" altLang="en-US"/>
           </a:p>
@@ -1612,7 +1613,7 @@
           <a:p>
             <a:fld id="{3DCF8E7F-ECA4-4F79-8BD4-9D90B257F24F}" type="datetimeFigureOut">
               <a:rPr lang="ko-KR" altLang="en-US" smtClean="0"/>
-              <a:t>2021-07-26</a:t>
+              <a:t>2021-07-29</a:t>
             </a:fld>
             <a:endParaRPr lang="ko-KR" altLang="en-US"/>
           </a:p>
@@ -1730,7 +1731,7 @@
           <a:p>
             <a:fld id="{3DCF8E7F-ECA4-4F79-8BD4-9D90B257F24F}" type="datetimeFigureOut">
               <a:rPr lang="ko-KR" altLang="en-US" smtClean="0"/>
-              <a:t>2021-07-26</a:t>
+              <a:t>2021-07-29</a:t>
             </a:fld>
             <a:endParaRPr lang="ko-KR" altLang="en-US"/>
           </a:p>
@@ -1825,7 +1826,7 @@
           <a:p>
             <a:fld id="{3DCF8E7F-ECA4-4F79-8BD4-9D90B257F24F}" type="datetimeFigureOut">
               <a:rPr lang="ko-KR" altLang="en-US" smtClean="0"/>
-              <a:t>2021-07-26</a:t>
+              <a:t>2021-07-29</a:t>
             </a:fld>
             <a:endParaRPr lang="ko-KR" altLang="en-US"/>
           </a:p>
@@ -2102,7 +2103,7 @@
           <a:p>
             <a:fld id="{3DCF8E7F-ECA4-4F79-8BD4-9D90B257F24F}" type="datetimeFigureOut">
               <a:rPr lang="ko-KR" altLang="en-US" smtClean="0"/>
-              <a:t>2021-07-26</a:t>
+              <a:t>2021-07-29</a:t>
             </a:fld>
             <a:endParaRPr lang="ko-KR" altLang="en-US"/>
           </a:p>
@@ -2355,7 +2356,7 @@
           <a:p>
             <a:fld id="{3DCF8E7F-ECA4-4F79-8BD4-9D90B257F24F}" type="datetimeFigureOut">
               <a:rPr lang="ko-KR" altLang="en-US" smtClean="0"/>
-              <a:t>2021-07-26</a:t>
+              <a:t>2021-07-29</a:t>
             </a:fld>
             <a:endParaRPr lang="ko-KR" altLang="en-US"/>
           </a:p>
@@ -2568,7 +2569,7 @@
           <a:p>
             <a:fld id="{3DCF8E7F-ECA4-4F79-8BD4-9D90B257F24F}" type="datetimeFigureOut">
               <a:rPr lang="ko-KR" altLang="en-US" smtClean="0"/>
-              <a:t>2021-07-26</a:t>
+              <a:t>2021-07-29</a:t>
             </a:fld>
             <a:endParaRPr lang="ko-KR" altLang="en-US"/>
           </a:p>
@@ -5620,19 +5621,23 @@
       </p:sp>
       <p:sp>
         <p:nvSpPr>
-          <p:cNvPr id="12" name="타원 11"/>
+          <p:cNvPr id="3" name="모서리가 둥근 직사각형 2"/>
           <p:cNvSpPr/>
           <p:nvPr/>
         </p:nvSpPr>
         <p:spPr>
           <a:xfrm>
-            <a:off x="1186775" y="2016867"/>
-            <a:ext cx="1926076" cy="1815831"/>
-          </a:xfrm>
-          <a:prstGeom prst="ellipse">
-            <a:avLst/>
-          </a:prstGeom>
-          <a:noFill/>
+            <a:off x="4159385" y="1958196"/>
+            <a:ext cx="1861868" cy="943155"/>
+          </a:xfrm>
+          <a:prstGeom prst="roundRect">
+            <a:avLst/>
+          </a:prstGeom>
+          <a:solidFill>
+            <a:schemeClr val="bg1">
+              <a:lumMod val="85000"/>
+            </a:schemeClr>
+          </a:solidFill>
         </p:spPr>
         <p:style>
           <a:lnRef idx="2">
@@ -5656,211 +5661,40 @@
           <a:p>
             <a:pPr algn="ctr"/>
             <a:r>
-              <a:rPr lang="ko-KR" altLang="en-US" sz="1600" dirty="0" smtClean="0">
+              <a:rPr lang="en-US" altLang="ko-KR" dirty="0" smtClean="0">
                 <a:solidFill>
                   <a:schemeClr val="tx1"/>
                 </a:solidFill>
               </a:rPr>
-              <a:t>브라우저</a:t>
-            </a:r>
-            <a:endParaRPr lang="en-US" altLang="ko-KR" sz="1600" dirty="0" smtClean="0">
+              <a:t>list.jsp</a:t>
+            </a:r>
+            <a:endParaRPr lang="ko-KR" altLang="en-US" dirty="0">
               <a:solidFill>
                 <a:schemeClr val="tx1"/>
               </a:solidFill>
             </a:endParaRPr>
           </a:p>
-          <a:p>
-            <a:pPr algn="ctr"/>
-            <a:endParaRPr lang="en-US" altLang="ko-KR" sz="1600" dirty="0">
-              <a:solidFill>
-                <a:schemeClr val="tx1"/>
-              </a:solidFill>
-            </a:endParaRPr>
-          </a:p>
-          <a:p>
-            <a:pPr algn="ctr"/>
-            <a:r>
-              <a:rPr lang="ko-KR" altLang="en-US" sz="1600" dirty="0" smtClean="0">
-                <a:solidFill>
-                  <a:schemeClr val="tx1"/>
-                </a:solidFill>
-              </a:rPr>
-              <a:t>이름</a:t>
-            </a:r>
-            <a:endParaRPr lang="en-US" altLang="ko-KR" sz="1600" dirty="0" smtClean="0">
-              <a:solidFill>
-                <a:schemeClr val="tx1"/>
-              </a:solidFill>
-            </a:endParaRPr>
-          </a:p>
-          <a:p>
-            <a:pPr algn="ctr"/>
-            <a:r>
-              <a:rPr lang="ko-KR" altLang="en-US" sz="1600" dirty="0" smtClean="0">
-                <a:solidFill>
-                  <a:schemeClr val="tx1"/>
-                </a:solidFill>
-              </a:rPr>
-              <a:t>나이</a:t>
-            </a:r>
-            <a:endParaRPr lang="ko-KR" altLang="en-US" sz="1600" dirty="0">
-              <a:solidFill>
-                <a:schemeClr val="tx1"/>
-              </a:solidFill>
-            </a:endParaRPr>
-          </a:p>
-        </p:txBody>
-      </p:sp>
-      <p:cxnSp>
-        <p:nvCxnSpPr>
-          <p:cNvPr id="13" name="직선 연결선 12"/>
-          <p:cNvCxnSpPr/>
-          <p:nvPr/>
-        </p:nvCxnSpPr>
-        <p:spPr>
-          <a:xfrm>
-            <a:off x="1400782" y="1744493"/>
-            <a:ext cx="1374843" cy="0"/>
-          </a:xfrm>
-          <a:prstGeom prst="line">
-            <a:avLst/>
-          </a:prstGeom>
-          <a:ln>
-            <a:solidFill>
-              <a:schemeClr val="tx1"/>
-            </a:solidFill>
-          </a:ln>
-        </p:spPr>
-        <p:style>
-          <a:lnRef idx="1">
-            <a:schemeClr val="accent1"/>
-          </a:lnRef>
-          <a:fillRef idx="0">
-            <a:schemeClr val="accent1"/>
-          </a:fillRef>
-          <a:effectRef idx="0">
-            <a:schemeClr val="accent1"/>
-          </a:effectRef>
-          <a:fontRef idx="minor">
-            <a:schemeClr val="tx1"/>
-          </a:fontRef>
-        </p:style>
-      </p:cxnSp>
-      <p:sp>
-        <p:nvSpPr>
-          <p:cNvPr id="15" name="TextBox 14"/>
-          <p:cNvSpPr txBox="1"/>
-          <p:nvPr/>
-        </p:nvSpPr>
-        <p:spPr>
-          <a:xfrm>
-            <a:off x="1640147" y="1313392"/>
-            <a:ext cx="779381" cy="369332"/>
-          </a:xfrm>
-          <a:prstGeom prst="rect">
-            <a:avLst/>
-          </a:prstGeom>
-          <a:noFill/>
-        </p:spPr>
-        <p:txBody>
-          <a:bodyPr wrap="none" rtlCol="0">
-            <a:spAutoFit/>
-          </a:bodyPr>
-          <a:lstStyle/>
-          <a:p>
-            <a:r>
-              <a:rPr lang="en-US" altLang="ko-KR" dirty="0" smtClean="0"/>
-              <a:t>Client</a:t>
-            </a:r>
-            <a:endParaRPr lang="ko-KR" altLang="en-US" dirty="0"/>
-          </a:p>
-        </p:txBody>
-      </p:sp>
-      <p:cxnSp>
-        <p:nvCxnSpPr>
-          <p:cNvPr id="17" name="직선 연결선 16"/>
-          <p:cNvCxnSpPr/>
-          <p:nvPr/>
-        </p:nvCxnSpPr>
-        <p:spPr>
-          <a:xfrm>
-            <a:off x="6624536" y="1744493"/>
-            <a:ext cx="1374843" cy="0"/>
-          </a:xfrm>
-          <a:prstGeom prst="line">
-            <a:avLst/>
-          </a:prstGeom>
-          <a:ln>
-            <a:solidFill>
-              <a:schemeClr val="tx1"/>
-            </a:solidFill>
-          </a:ln>
-        </p:spPr>
-        <p:style>
-          <a:lnRef idx="1">
-            <a:schemeClr val="accent1"/>
-          </a:lnRef>
-          <a:fillRef idx="0">
-            <a:schemeClr val="accent1"/>
-          </a:fillRef>
-          <a:effectRef idx="0">
-            <a:schemeClr val="accent1"/>
-          </a:effectRef>
-          <a:fontRef idx="minor">
-            <a:schemeClr val="tx1"/>
-          </a:fontRef>
-        </p:style>
-      </p:cxnSp>
-      <p:sp>
-        <p:nvSpPr>
-          <p:cNvPr id="18" name="TextBox 17"/>
-          <p:cNvSpPr txBox="1"/>
-          <p:nvPr/>
-        </p:nvSpPr>
-        <p:spPr>
-          <a:xfrm>
-            <a:off x="6863901" y="1313392"/>
-            <a:ext cx="840808" cy="369332"/>
-          </a:xfrm>
-          <a:prstGeom prst="rect">
-            <a:avLst/>
-          </a:prstGeom>
-          <a:noFill/>
-        </p:spPr>
-        <p:txBody>
-          <a:bodyPr wrap="none" rtlCol="0">
-            <a:spAutoFit/>
-          </a:bodyPr>
-          <a:lstStyle/>
-          <a:p>
-            <a:r>
-              <a:rPr lang="en-US" altLang="ko-KR" dirty="0" smtClean="0"/>
-              <a:t>Server</a:t>
-            </a:r>
-            <a:endParaRPr lang="ko-KR" altLang="en-US" dirty="0"/>
-          </a:p>
-        </p:txBody>
-      </p:sp>
-      <p:sp>
-        <p:nvSpPr>
-          <p:cNvPr id="19" name="오른쪽 화살표 18"/>
+        </p:txBody>
+      </p:sp>
+      <p:sp>
+        <p:nvSpPr>
+          <p:cNvPr id="23" name="모서리가 둥근 직사각형 22"/>
           <p:cNvSpPr/>
           <p:nvPr/>
         </p:nvSpPr>
         <p:spPr>
           <a:xfrm>
-            <a:off x="3664085" y="2649165"/>
-            <a:ext cx="2357153" cy="813100"/>
-          </a:xfrm>
-          <a:prstGeom prst="rightArrow">
+            <a:off x="4159385" y="3197528"/>
+            <a:ext cx="1861868" cy="943155"/>
+          </a:xfrm>
+          <a:prstGeom prst="roundRect">
             <a:avLst/>
           </a:prstGeom>
           <a:solidFill>
-            <a:schemeClr val="bg2"/>
+            <a:schemeClr val="bg1">
+              <a:lumMod val="85000"/>
+            </a:schemeClr>
           </a:solidFill>
-          <a:ln>
-            <a:noFill/>
-          </a:ln>
         </p:spPr>
         <p:style>
           <a:lnRef idx="2">
@@ -5884,14 +5718,14 @@
           <a:p>
             <a:pPr algn="ctr"/>
             <a:r>
-              <a:rPr lang="en-US" altLang="ko-KR" b="1" dirty="0" smtClean="0">
+              <a:rPr lang="en-US" altLang="ko-KR" dirty="0" smtClean="0">
                 <a:solidFill>
                   <a:schemeClr val="tx1"/>
                 </a:solidFill>
               </a:rPr>
-              <a:t>request</a:t>
-            </a:r>
-            <a:endParaRPr lang="ko-KR" altLang="en-US" b="1" dirty="0">
+              <a:t>retist_proc.jsp</a:t>
+            </a:r>
+            <a:endParaRPr lang="ko-KR" altLang="en-US" dirty="0">
               <a:solidFill>
                 <a:schemeClr val="tx1"/>
               </a:solidFill>
@@ -5901,21 +5735,21 @@
       </p:sp>
       <p:sp>
         <p:nvSpPr>
-          <p:cNvPr id="20" name="타원 19"/>
+          <p:cNvPr id="25" name="모서리가 둥근 직사각형 24"/>
           <p:cNvSpPr/>
           <p:nvPr/>
         </p:nvSpPr>
         <p:spPr>
           <a:xfrm>
-            <a:off x="6863901" y="2016867"/>
-            <a:ext cx="3588652" cy="2447379"/>
-          </a:xfrm>
-          <a:prstGeom prst="ellipse">
+            <a:off x="4168012" y="4505864"/>
+            <a:ext cx="1861868" cy="943155"/>
+          </a:xfrm>
+          <a:prstGeom prst="roundRect">
             <a:avLst/>
           </a:prstGeom>
           <a:solidFill>
             <a:schemeClr val="bg1">
-              <a:lumMod val="95000"/>
+              <a:lumMod val="85000"/>
             </a:schemeClr>
           </a:solidFill>
         </p:spPr>
@@ -5941,74 +5775,156 @@
           <a:p>
             <a:pPr algn="ctr"/>
             <a:r>
-              <a:rPr lang="ko-KR" altLang="en-US" sz="1600" b="1" dirty="0" smtClean="0">
+              <a:rPr lang="en-US" altLang="ko-KR" dirty="0" smtClean="0">
                 <a:solidFill>
                   <a:schemeClr val="tx1"/>
                 </a:solidFill>
               </a:rPr>
-              <a:t>모델 </a:t>
-            </a:r>
-            <a:r>
-              <a:rPr lang="en-US" altLang="ko-KR" sz="1600" b="1" dirty="0" smtClean="0">
-                <a:solidFill>
-                  <a:schemeClr val="tx1"/>
-                </a:solidFill>
-              </a:rPr>
-              <a:t>2 </a:t>
-            </a:r>
-            <a:endParaRPr lang="en-US" altLang="ko-KR" sz="1600" b="1" dirty="0" smtClean="0">
+              <a:t>delete.jsp</a:t>
+            </a:r>
+            <a:endParaRPr lang="ko-KR" altLang="en-US" dirty="0">
               <a:solidFill>
                 <a:schemeClr val="tx1"/>
               </a:solidFill>
             </a:endParaRPr>
           </a:p>
-          <a:p>
-            <a:pPr algn="ctr"/>
-            <a:r>
-              <a:rPr lang="en-US" altLang="ko-KR" sz="1600" b="1" dirty="0" smtClean="0">
-                <a:solidFill>
-                  <a:schemeClr val="tx1"/>
-                </a:solidFill>
-              </a:rPr>
-              <a:t>(Servlet</a:t>
-            </a:r>
-            <a:r>
-              <a:rPr lang="en-US" altLang="ko-KR" sz="1600" b="1" dirty="0" smtClean="0">
-                <a:solidFill>
-                  <a:schemeClr val="tx1"/>
-                </a:solidFill>
-              </a:rPr>
-              <a:t>)</a:t>
-            </a:r>
-          </a:p>
-          <a:p>
-            <a:pPr algn="ctr"/>
-            <a:endParaRPr lang="en-US" altLang="ko-KR" sz="1600" b="1" dirty="0">
-              <a:solidFill>
-                <a:schemeClr val="tx1"/>
-              </a:solidFill>
-            </a:endParaRPr>
-          </a:p>
-          <a:p>
-            <a:pPr algn="ctr"/>
-            <a:endParaRPr lang="en-US" altLang="ko-KR" sz="1600" b="1" dirty="0">
-              <a:solidFill>
-                <a:schemeClr val="tx1"/>
-              </a:solidFill>
-            </a:endParaRPr>
-          </a:p>
-        </p:txBody>
-      </p:sp>
-      <p:sp>
-        <p:nvSpPr>
-          <p:cNvPr id="24" name="타원 23"/>
+        </p:txBody>
+      </p:sp>
+      <p:sp>
+        <p:nvSpPr>
+          <p:cNvPr id="8" name="TextBox 7"/>
+          <p:cNvSpPr txBox="1"/>
+          <p:nvPr/>
+        </p:nvSpPr>
+        <p:spPr>
+          <a:xfrm>
+            <a:off x="4609068" y="991311"/>
+            <a:ext cx="979755" cy="369332"/>
+          </a:xfrm>
+          <a:prstGeom prst="rect">
+            <a:avLst/>
+          </a:prstGeom>
+          <a:noFill/>
+        </p:spPr>
+        <p:txBody>
+          <a:bodyPr wrap="none" rtlCol="0">
+            <a:spAutoFit/>
+          </a:bodyPr>
+          <a:lstStyle/>
+          <a:p>
+            <a:r>
+              <a:rPr lang="en-US" altLang="ko-KR" dirty="0" smtClean="0"/>
+              <a:t>Model1</a:t>
+            </a:r>
+            <a:endParaRPr lang="ko-KR" altLang="en-US" dirty="0"/>
+          </a:p>
+        </p:txBody>
+      </p:sp>
+      <p:sp>
+        <p:nvSpPr>
+          <p:cNvPr id="28" name="TextBox 27"/>
+          <p:cNvSpPr txBox="1"/>
+          <p:nvPr/>
+        </p:nvSpPr>
+        <p:spPr>
+          <a:xfrm>
+            <a:off x="8789988" y="975587"/>
+            <a:ext cx="1559658" cy="369332"/>
+          </a:xfrm>
+          <a:prstGeom prst="rect">
+            <a:avLst/>
+          </a:prstGeom>
+          <a:noFill/>
+        </p:spPr>
+        <p:txBody>
+          <a:bodyPr wrap="none" rtlCol="0">
+            <a:spAutoFit/>
+          </a:bodyPr>
+          <a:lstStyle/>
+          <a:p>
+            <a:r>
+              <a:rPr lang="en-US" altLang="ko-KR" dirty="0" smtClean="0"/>
+              <a:t>Model2 MVC</a:t>
+            </a:r>
+            <a:endParaRPr lang="ko-KR" altLang="en-US" dirty="0"/>
+          </a:p>
+        </p:txBody>
+      </p:sp>
+      <p:cxnSp>
+        <p:nvCxnSpPr>
+          <p:cNvPr id="29" name="직선 연결선 28"/>
+          <p:cNvCxnSpPr/>
+          <p:nvPr/>
+        </p:nvCxnSpPr>
+        <p:spPr>
+          <a:xfrm>
+            <a:off x="848691" y="1559827"/>
+            <a:ext cx="1374843" cy="0"/>
+          </a:xfrm>
+          <a:prstGeom prst="line">
+            <a:avLst/>
+          </a:prstGeom>
+          <a:ln>
+            <a:solidFill>
+              <a:schemeClr val="tx1"/>
+            </a:solidFill>
+          </a:ln>
+        </p:spPr>
+        <p:style>
+          <a:lnRef idx="1">
+            <a:schemeClr val="accent1"/>
+          </a:lnRef>
+          <a:fillRef idx="0">
+            <a:schemeClr val="accent1"/>
+          </a:fillRef>
+          <a:effectRef idx="0">
+            <a:schemeClr val="accent1"/>
+          </a:effectRef>
+          <a:fontRef idx="minor">
+            <a:schemeClr val="tx1"/>
+          </a:fontRef>
+        </p:style>
+      </p:cxnSp>
+      <p:sp>
+        <p:nvSpPr>
+          <p:cNvPr id="30" name="TextBox 29"/>
+          <p:cNvSpPr txBox="1"/>
+          <p:nvPr/>
+        </p:nvSpPr>
+        <p:spPr>
+          <a:xfrm>
+            <a:off x="1088056" y="1128726"/>
+            <a:ext cx="779381" cy="369332"/>
+          </a:xfrm>
+          <a:prstGeom prst="rect">
+            <a:avLst/>
+          </a:prstGeom>
+          <a:noFill/>
+        </p:spPr>
+        <p:txBody>
+          <a:bodyPr wrap="none" rtlCol="0">
+            <a:spAutoFit/>
+          </a:bodyPr>
+          <a:lstStyle/>
+          <a:p>
+            <a:r>
+              <a:rPr lang="en-US" altLang="ko-KR" dirty="0" smtClean="0"/>
+              <a:t>Client</a:t>
+            </a:r>
+            <a:endParaRPr lang="ko-KR" altLang="en-US" dirty="0"/>
+          </a:p>
+        </p:txBody>
+      </p:sp>
+      <p:sp>
+        <p:nvSpPr>
+          <p:cNvPr id="34" name="타원 33"/>
           <p:cNvSpPr/>
           <p:nvPr/>
         </p:nvSpPr>
         <p:spPr>
           <a:xfrm>
-            <a:off x="1125165" y="4403384"/>
-            <a:ext cx="1926076" cy="1815831"/>
+            <a:off x="508272" y="1892640"/>
+            <a:ext cx="1926076" cy="1074265"/>
           </a:xfrm>
           <a:prstGeom prst="ellipse">
             <a:avLst/>
@@ -6037,29 +5953,13 @@
           <a:p>
             <a:pPr algn="ctr"/>
             <a:r>
-              <a:rPr lang="ko-KR" altLang="en-US" sz="1600" dirty="0" smtClean="0">
+              <a:rPr lang="ko-KR" altLang="en-US" sz="1600" smtClean="0">
                 <a:solidFill>
                   <a:schemeClr val="tx1"/>
                 </a:solidFill>
               </a:rPr>
-              <a:t>브라우저</a:t>
-            </a:r>
-            <a:endParaRPr lang="en-US" altLang="ko-KR" sz="1600" dirty="0" smtClean="0">
-              <a:solidFill>
-                <a:schemeClr val="tx1"/>
-              </a:solidFill>
-            </a:endParaRPr>
-          </a:p>
-          <a:p>
-            <a:pPr algn="ctr"/>
-            <a:endParaRPr lang="en-US" altLang="ko-KR" sz="1600" dirty="0">
-              <a:solidFill>
-                <a:schemeClr val="tx1"/>
-              </a:solidFill>
-            </a:endParaRPr>
-          </a:p>
-          <a:p>
-            <a:pPr algn="ctr"/>
+              <a:t>조회</a:t>
+            </a:r>
             <a:endParaRPr lang="ko-KR" altLang="en-US" sz="1600" dirty="0">
               <a:solidFill>
                 <a:schemeClr val="tx1"/>
@@ -6070,14 +5970,14 @@
       </p:sp>
       <p:sp>
         <p:nvSpPr>
-          <p:cNvPr id="27" name="타원 26"/>
+          <p:cNvPr id="35" name="타원 34"/>
           <p:cNvSpPr/>
           <p:nvPr/>
         </p:nvSpPr>
         <p:spPr>
           <a:xfrm>
-            <a:off x="8412099" y="4984630"/>
-            <a:ext cx="1511030" cy="1446181"/>
+            <a:off x="508272" y="3135426"/>
+            <a:ext cx="1926076" cy="1074265"/>
           </a:xfrm>
           <a:prstGeom prst="ellipse">
             <a:avLst/>
@@ -6106,54 +6006,52 @@
           <a:p>
             <a:pPr algn="ctr"/>
             <a:r>
+              <a:rPr lang="ko-KR" altLang="en-US" sz="1600" dirty="0" smtClean="0">
+                <a:solidFill>
+                  <a:schemeClr val="tx1"/>
+                </a:solidFill>
+              </a:rPr>
+              <a:t>등록</a:t>
+            </a:r>
+            <a:endParaRPr lang="en-US" altLang="ko-KR" sz="1600" dirty="0" smtClean="0">
+              <a:solidFill>
+                <a:schemeClr val="tx1"/>
+              </a:solidFill>
+            </a:endParaRPr>
+          </a:p>
+          <a:p>
+            <a:pPr algn="ctr"/>
+            <a:r>
               <a:rPr lang="en-US" altLang="ko-KR" sz="1600" dirty="0" smtClean="0">
                 <a:solidFill>
                   <a:schemeClr val="tx1"/>
                 </a:solidFill>
               </a:rPr>
-              <a:t>DB</a:t>
-            </a:r>
-          </a:p>
-          <a:p>
-            <a:pPr algn="ctr"/>
-            <a:endParaRPr lang="en-US" altLang="ko-KR" sz="1600" dirty="0">
+              <a:t>regist.html</a:t>
+            </a:r>
+            <a:endParaRPr lang="ko-KR" altLang="en-US" sz="1600" dirty="0">
               <a:solidFill>
                 <a:schemeClr val="tx1"/>
               </a:solidFill>
             </a:endParaRPr>
           </a:p>
-          <a:p>
-            <a:pPr algn="ctr"/>
-            <a:r>
-              <a:rPr lang="en-US" altLang="ko-KR" sz="1600" dirty="0" smtClean="0">
-                <a:solidFill>
-                  <a:schemeClr val="tx1"/>
-                </a:solidFill>
-              </a:rPr>
-              <a:t>Oracle</a:t>
-            </a:r>
-            <a:endParaRPr lang="en-US" altLang="ko-KR" sz="1600" dirty="0">
-              <a:solidFill>
-                <a:schemeClr val="tx1"/>
-              </a:solidFill>
-            </a:endParaRPr>
-          </a:p>
-        </p:txBody>
-      </p:sp>
-      <p:sp>
-        <p:nvSpPr>
-          <p:cNvPr id="9" name="아래쪽 화살표 8"/>
+        </p:txBody>
+      </p:sp>
+      <p:sp>
+        <p:nvSpPr>
+          <p:cNvPr id="36" name="타원 35"/>
           <p:cNvSpPr/>
           <p:nvPr/>
         </p:nvSpPr>
         <p:spPr>
-          <a:xfrm rot="3781807">
-            <a:off x="4958446" y="2824447"/>
-            <a:ext cx="484632" cy="3124671"/>
-          </a:xfrm>
-          <a:prstGeom prst="downArrow">
-            <a:avLst/>
-          </a:prstGeom>
+          <a:xfrm>
+            <a:off x="573074" y="4448934"/>
+            <a:ext cx="1926076" cy="1074265"/>
+          </a:xfrm>
+          <a:prstGeom prst="ellipse">
+            <a:avLst/>
+          </a:prstGeom>
+          <a:noFill/>
         </p:spPr>
         <p:style>
           <a:lnRef idx="2">
@@ -6176,24 +6074,664 @@
           <a:lstStyle/>
           <a:p>
             <a:pPr algn="ctr"/>
-            <a:endParaRPr lang="ko-KR" altLang="en-US"/>
-          </a:p>
-        </p:txBody>
-      </p:sp>
-      <p:sp>
-        <p:nvSpPr>
-          <p:cNvPr id="2" name="타원 1"/>
+            <a:r>
+              <a:rPr lang="ko-KR" altLang="en-US" sz="1600" dirty="0" smtClean="0">
+                <a:solidFill>
+                  <a:schemeClr val="tx1"/>
+                </a:solidFill>
+              </a:rPr>
+              <a:t>삭제</a:t>
+            </a:r>
+            <a:endParaRPr lang="ko-KR" altLang="en-US" sz="1600" dirty="0">
+              <a:solidFill>
+                <a:schemeClr val="tx1"/>
+              </a:solidFill>
+            </a:endParaRPr>
+          </a:p>
+        </p:txBody>
+      </p:sp>
+      <p:cxnSp>
+        <p:nvCxnSpPr>
+          <p:cNvPr id="37" name="직선 연결선 36"/>
+          <p:cNvCxnSpPr/>
+          <p:nvPr/>
+        </p:nvCxnSpPr>
+        <p:spPr>
+          <a:xfrm>
+            <a:off x="4379786" y="1559827"/>
+            <a:ext cx="1374843" cy="0"/>
+          </a:xfrm>
+          <a:prstGeom prst="line">
+            <a:avLst/>
+          </a:prstGeom>
+          <a:ln>
+            <a:solidFill>
+              <a:schemeClr val="tx1"/>
+            </a:solidFill>
+          </a:ln>
+        </p:spPr>
+        <p:style>
+          <a:lnRef idx="1">
+            <a:schemeClr val="accent1"/>
+          </a:lnRef>
+          <a:fillRef idx="0">
+            <a:schemeClr val="accent1"/>
+          </a:fillRef>
+          <a:effectRef idx="0">
+            <a:schemeClr val="accent1"/>
+          </a:effectRef>
+          <a:fontRef idx="minor">
+            <a:schemeClr val="tx1"/>
+          </a:fontRef>
+        </p:style>
+      </p:cxnSp>
+      <p:cxnSp>
+        <p:nvCxnSpPr>
+          <p:cNvPr id="38" name="직선 연결선 37"/>
+          <p:cNvCxnSpPr/>
+          <p:nvPr/>
+        </p:nvCxnSpPr>
+        <p:spPr>
+          <a:xfrm>
+            <a:off x="8882395" y="1498058"/>
+            <a:ext cx="1374843" cy="0"/>
+          </a:xfrm>
+          <a:prstGeom prst="line">
+            <a:avLst/>
+          </a:prstGeom>
+          <a:ln>
+            <a:solidFill>
+              <a:schemeClr val="tx1"/>
+            </a:solidFill>
+          </a:ln>
+        </p:spPr>
+        <p:style>
+          <a:lnRef idx="1">
+            <a:schemeClr val="accent1"/>
+          </a:lnRef>
+          <a:fillRef idx="0">
+            <a:schemeClr val="accent1"/>
+          </a:fillRef>
+          <a:effectRef idx="0">
+            <a:schemeClr val="accent1"/>
+          </a:effectRef>
+          <a:fontRef idx="minor">
+            <a:schemeClr val="tx1"/>
+          </a:fontRef>
+        </p:style>
+      </p:cxnSp>
+      <p:cxnSp>
+        <p:nvCxnSpPr>
+          <p:cNvPr id="14" name="직선 화살표 연결선 13"/>
+          <p:cNvCxnSpPr>
+            <a:stCxn id="34" idx="6"/>
+            <a:endCxn id="3" idx="1"/>
+          </p:cNvCxnSpPr>
+          <p:nvPr/>
+        </p:nvCxnSpPr>
+        <p:spPr>
+          <a:xfrm>
+            <a:off x="2434348" y="2429773"/>
+            <a:ext cx="1725037" cy="1"/>
+          </a:xfrm>
+          <a:prstGeom prst="straightConnector1">
+            <a:avLst/>
+          </a:prstGeom>
+          <a:ln>
+            <a:tailEnd type="triangle"/>
+          </a:ln>
+        </p:spPr>
+        <p:style>
+          <a:lnRef idx="1">
+            <a:schemeClr val="accent1"/>
+          </a:lnRef>
+          <a:fillRef idx="0">
+            <a:schemeClr val="accent1"/>
+          </a:fillRef>
+          <a:effectRef idx="0">
+            <a:schemeClr val="accent1"/>
+          </a:effectRef>
+          <a:fontRef idx="minor">
+            <a:schemeClr val="tx1"/>
+          </a:fontRef>
+        </p:style>
+      </p:cxnSp>
+      <p:sp>
+        <p:nvSpPr>
+          <p:cNvPr id="16" name="TextBox 15"/>
+          <p:cNvSpPr txBox="1"/>
+          <p:nvPr/>
+        </p:nvSpPr>
+        <p:spPr>
+          <a:xfrm>
+            <a:off x="2803327" y="2024968"/>
+            <a:ext cx="1017651" cy="369332"/>
+          </a:xfrm>
+          <a:prstGeom prst="rect">
+            <a:avLst/>
+          </a:prstGeom>
+          <a:noFill/>
+        </p:spPr>
+        <p:txBody>
+          <a:bodyPr wrap="none" rtlCol="0">
+            <a:spAutoFit/>
+          </a:bodyPr>
+          <a:lstStyle/>
+          <a:p>
+            <a:r>
+              <a:rPr lang="en-US" altLang="ko-KR" dirty="0" smtClean="0"/>
+              <a:t>Request</a:t>
+            </a:r>
+            <a:endParaRPr lang="ko-KR" altLang="en-US" dirty="0"/>
+          </a:p>
+        </p:txBody>
+      </p:sp>
+      <p:cxnSp>
+        <p:nvCxnSpPr>
+          <p:cNvPr id="40" name="직선 화살표 연결선 39"/>
+          <p:cNvCxnSpPr>
+            <a:stCxn id="35" idx="6"/>
+            <a:endCxn id="23" idx="1"/>
+          </p:cNvCxnSpPr>
+          <p:nvPr/>
+        </p:nvCxnSpPr>
+        <p:spPr>
+          <a:xfrm flipV="1">
+            <a:off x="2434348" y="3669106"/>
+            <a:ext cx="1725037" cy="3453"/>
+          </a:xfrm>
+          <a:prstGeom prst="straightConnector1">
+            <a:avLst/>
+          </a:prstGeom>
+          <a:ln>
+            <a:tailEnd type="triangle"/>
+          </a:ln>
+        </p:spPr>
+        <p:style>
+          <a:lnRef idx="1">
+            <a:schemeClr val="accent1"/>
+          </a:lnRef>
+          <a:fillRef idx="0">
+            <a:schemeClr val="accent1"/>
+          </a:fillRef>
+          <a:effectRef idx="0">
+            <a:schemeClr val="accent1"/>
+          </a:effectRef>
+          <a:fontRef idx="minor">
+            <a:schemeClr val="tx1"/>
+          </a:fontRef>
+        </p:style>
+      </p:cxnSp>
+      <p:sp>
+        <p:nvSpPr>
+          <p:cNvPr id="41" name="TextBox 40"/>
+          <p:cNvSpPr txBox="1"/>
+          <p:nvPr/>
+        </p:nvSpPr>
+        <p:spPr>
+          <a:xfrm>
+            <a:off x="2803329" y="3252172"/>
+            <a:ext cx="1017651" cy="369332"/>
+          </a:xfrm>
+          <a:prstGeom prst="rect">
+            <a:avLst/>
+          </a:prstGeom>
+          <a:noFill/>
+        </p:spPr>
+        <p:txBody>
+          <a:bodyPr wrap="none" rtlCol="0">
+            <a:spAutoFit/>
+          </a:bodyPr>
+          <a:lstStyle/>
+          <a:p>
+            <a:r>
+              <a:rPr lang="en-US" altLang="ko-KR" dirty="0" smtClean="0"/>
+              <a:t>Request</a:t>
+            </a:r>
+            <a:endParaRPr lang="ko-KR" altLang="en-US" dirty="0"/>
+          </a:p>
+        </p:txBody>
+      </p:sp>
+      <p:cxnSp>
+        <p:nvCxnSpPr>
+          <p:cNvPr id="42" name="직선 화살표 연결선 41"/>
+          <p:cNvCxnSpPr>
+            <a:stCxn id="36" idx="6"/>
+            <a:endCxn id="25" idx="1"/>
+          </p:cNvCxnSpPr>
+          <p:nvPr/>
+        </p:nvCxnSpPr>
+        <p:spPr>
+          <a:xfrm flipV="1">
+            <a:off x="2499150" y="4977442"/>
+            <a:ext cx="1668862" cy="8625"/>
+          </a:xfrm>
+          <a:prstGeom prst="straightConnector1">
+            <a:avLst/>
+          </a:prstGeom>
+          <a:ln>
+            <a:tailEnd type="triangle"/>
+          </a:ln>
+        </p:spPr>
+        <p:style>
+          <a:lnRef idx="1">
+            <a:schemeClr val="accent1"/>
+          </a:lnRef>
+          <a:fillRef idx="0">
+            <a:schemeClr val="accent1"/>
+          </a:fillRef>
+          <a:effectRef idx="0">
+            <a:schemeClr val="accent1"/>
+          </a:effectRef>
+          <a:fontRef idx="minor">
+            <a:schemeClr val="tx1"/>
+          </a:fontRef>
+        </p:style>
+      </p:cxnSp>
+      <p:sp>
+        <p:nvSpPr>
+          <p:cNvPr id="45" name="TextBox 44"/>
+          <p:cNvSpPr txBox="1"/>
+          <p:nvPr/>
+        </p:nvSpPr>
+        <p:spPr>
+          <a:xfrm>
+            <a:off x="2803328" y="4497238"/>
+            <a:ext cx="1017651" cy="369332"/>
+          </a:xfrm>
+          <a:prstGeom prst="rect">
+            <a:avLst/>
+          </a:prstGeom>
+          <a:noFill/>
+        </p:spPr>
+        <p:txBody>
+          <a:bodyPr wrap="none" rtlCol="0">
+            <a:spAutoFit/>
+          </a:bodyPr>
+          <a:lstStyle/>
+          <a:p>
+            <a:r>
+              <a:rPr lang="en-US" altLang="ko-KR" dirty="0" smtClean="0"/>
+              <a:t>Request</a:t>
+            </a:r>
+            <a:endParaRPr lang="ko-KR" altLang="en-US" dirty="0"/>
+          </a:p>
+        </p:txBody>
+      </p:sp>
+      <p:sp>
+        <p:nvSpPr>
+          <p:cNvPr id="46" name="TextBox 45"/>
+          <p:cNvSpPr txBox="1"/>
+          <p:nvPr/>
+        </p:nvSpPr>
+        <p:spPr>
+          <a:xfrm>
+            <a:off x="2734953" y="3687328"/>
+            <a:ext cx="1137148" cy="253916"/>
+          </a:xfrm>
+          <a:prstGeom prst="rect">
+            <a:avLst/>
+          </a:prstGeom>
+          <a:noFill/>
+        </p:spPr>
+        <p:txBody>
+          <a:bodyPr wrap="square" rtlCol="0">
+            <a:spAutoFit/>
+          </a:bodyPr>
+          <a:lstStyle/>
+          <a:p>
+            <a:pPr algn="ctr"/>
+            <a:r>
+              <a:rPr lang="en-US" altLang="ko-KR" sz="1050" dirty="0" smtClean="0"/>
+              <a:t>ID , </a:t>
+            </a:r>
+            <a:r>
+              <a:rPr lang="ko-KR" altLang="en-US" sz="1050" dirty="0" smtClean="0"/>
+              <a:t>이름</a:t>
+            </a:r>
+            <a:r>
+              <a:rPr lang="en-US" altLang="ko-KR" sz="1050" dirty="0" smtClean="0"/>
+              <a:t>,</a:t>
+            </a:r>
+            <a:r>
+              <a:rPr lang="ko-KR" altLang="en-US" sz="1050" dirty="0" smtClean="0"/>
+              <a:t>나이</a:t>
+            </a:r>
+            <a:endParaRPr lang="ko-KR" altLang="en-US" sz="1050" dirty="0"/>
+          </a:p>
+        </p:txBody>
+      </p:sp>
+      <p:sp>
+        <p:nvSpPr>
+          <p:cNvPr id="47" name="TextBox 46"/>
+          <p:cNvSpPr txBox="1"/>
+          <p:nvPr/>
+        </p:nvSpPr>
+        <p:spPr>
+          <a:xfrm>
+            <a:off x="2833631" y="5033740"/>
+            <a:ext cx="939792" cy="253916"/>
+          </a:xfrm>
+          <a:prstGeom prst="rect">
+            <a:avLst/>
+          </a:prstGeom>
+          <a:noFill/>
+        </p:spPr>
+        <p:txBody>
+          <a:bodyPr wrap="square" rtlCol="0">
+            <a:spAutoFit/>
+          </a:bodyPr>
+          <a:lstStyle/>
+          <a:p>
+            <a:pPr algn="ctr"/>
+            <a:r>
+              <a:rPr lang="en-US" altLang="ko-KR" sz="1050" dirty="0" smtClean="0"/>
+              <a:t>ID</a:t>
+            </a:r>
+            <a:endParaRPr lang="ko-KR" altLang="en-US" sz="1050" dirty="0"/>
+          </a:p>
+        </p:txBody>
+      </p:sp>
+      <p:sp>
+        <p:nvSpPr>
+          <p:cNvPr id="48" name="TextBox 47"/>
+          <p:cNvSpPr txBox="1"/>
+          <p:nvPr/>
+        </p:nvSpPr>
+        <p:spPr>
+          <a:xfrm>
+            <a:off x="6133388" y="1958196"/>
+            <a:ext cx="1035170" cy="923330"/>
+          </a:xfrm>
+          <a:prstGeom prst="rect">
+            <a:avLst/>
+          </a:prstGeom>
+          <a:noFill/>
+        </p:spPr>
+        <p:txBody>
+          <a:bodyPr wrap="square" rtlCol="0">
+            <a:spAutoFit/>
+          </a:bodyPr>
+          <a:lstStyle/>
+          <a:p>
+            <a:pPr>
+              <a:lnSpc>
+                <a:spcPct val="150000"/>
+              </a:lnSpc>
+            </a:pPr>
+            <a:r>
+              <a:rPr lang="en-US" altLang="ko-KR" sz="1200" dirty="0" err="1" smtClean="0"/>
+              <a:t>db</a:t>
+            </a:r>
+            <a:r>
+              <a:rPr lang="en-US" altLang="ko-KR" sz="1200" dirty="0" smtClean="0"/>
+              <a:t> </a:t>
+            </a:r>
+            <a:r>
+              <a:rPr lang="ko-KR" altLang="en-US" sz="1200" dirty="0" smtClean="0"/>
+              <a:t>연결</a:t>
+            </a:r>
+            <a:endParaRPr lang="en-US" altLang="ko-KR" sz="1200" dirty="0" smtClean="0"/>
+          </a:p>
+          <a:p>
+            <a:pPr>
+              <a:lnSpc>
+                <a:spcPct val="150000"/>
+              </a:lnSpc>
+            </a:pPr>
+            <a:r>
+              <a:rPr lang="ko-KR" altLang="en-US" sz="1200" dirty="0" smtClean="0"/>
+              <a:t>데이터 추출</a:t>
+            </a:r>
+            <a:endParaRPr lang="en-US" altLang="ko-KR" sz="1200" dirty="0" smtClean="0"/>
+          </a:p>
+          <a:p>
+            <a:pPr>
+              <a:lnSpc>
+                <a:spcPct val="150000"/>
+              </a:lnSpc>
+            </a:pPr>
+            <a:r>
+              <a:rPr lang="en-US" altLang="ko-KR" sz="1200" dirty="0" smtClean="0"/>
+              <a:t>html </a:t>
+            </a:r>
+            <a:r>
+              <a:rPr lang="ko-KR" altLang="en-US" sz="1200" dirty="0" smtClean="0"/>
+              <a:t>작성</a:t>
+            </a:r>
+            <a:endParaRPr lang="ko-KR" altLang="en-US" sz="1200" dirty="0"/>
+          </a:p>
+        </p:txBody>
+      </p:sp>
+      <p:sp>
+        <p:nvSpPr>
+          <p:cNvPr id="50" name="TextBox 49"/>
+          <p:cNvSpPr txBox="1"/>
+          <p:nvPr/>
+        </p:nvSpPr>
+        <p:spPr>
+          <a:xfrm>
+            <a:off x="6133388" y="3096589"/>
+            <a:ext cx="1207698" cy="1200329"/>
+          </a:xfrm>
+          <a:prstGeom prst="rect">
+            <a:avLst/>
+          </a:prstGeom>
+          <a:noFill/>
+        </p:spPr>
+        <p:txBody>
+          <a:bodyPr wrap="square" rtlCol="0">
+            <a:spAutoFit/>
+          </a:bodyPr>
+          <a:lstStyle/>
+          <a:p>
+            <a:pPr>
+              <a:lnSpc>
+                <a:spcPct val="150000"/>
+              </a:lnSpc>
+            </a:pPr>
+            <a:r>
+              <a:rPr lang="en-US" altLang="ko-KR" sz="1200" dirty="0" smtClean="0"/>
+              <a:t>request.</a:t>
+            </a:r>
+            <a:r>
+              <a:rPr lang="en-US" altLang="ko-KR" sz="1200" dirty="0" smtClean="0"/>
+              <a:t>ge</a:t>
+            </a:r>
+            <a:r>
+              <a:rPr lang="en-US" altLang="ko-KR" sz="1200" dirty="0" smtClean="0"/>
+              <a:t>t~</a:t>
+            </a:r>
+            <a:endParaRPr lang="en-US" altLang="ko-KR" sz="1200" dirty="0" smtClean="0"/>
+          </a:p>
+          <a:p>
+            <a:pPr>
+              <a:lnSpc>
+                <a:spcPct val="150000"/>
+              </a:lnSpc>
+            </a:pPr>
+            <a:r>
+              <a:rPr lang="en-US" altLang="ko-KR" sz="1200" dirty="0" err="1" smtClean="0"/>
+              <a:t>db</a:t>
+            </a:r>
+            <a:r>
+              <a:rPr lang="en-US" altLang="ko-KR" sz="1200" dirty="0" smtClean="0"/>
+              <a:t> </a:t>
+            </a:r>
+            <a:r>
+              <a:rPr lang="ko-KR" altLang="en-US" sz="1200" dirty="0" smtClean="0"/>
+              <a:t>연결</a:t>
+            </a:r>
+            <a:endParaRPr lang="en-US" altLang="ko-KR" sz="1200" dirty="0" smtClean="0"/>
+          </a:p>
+          <a:p>
+            <a:pPr>
+              <a:lnSpc>
+                <a:spcPct val="150000"/>
+              </a:lnSpc>
+            </a:pPr>
+            <a:r>
+              <a:rPr lang="ko-KR" altLang="en-US" sz="1200" dirty="0" smtClean="0"/>
+              <a:t>데이터 입력</a:t>
+            </a:r>
+            <a:endParaRPr lang="en-US" altLang="ko-KR" sz="1200" dirty="0" smtClean="0"/>
+          </a:p>
+          <a:p>
+            <a:pPr>
+              <a:lnSpc>
+                <a:spcPct val="150000"/>
+              </a:lnSpc>
+            </a:pPr>
+            <a:r>
+              <a:rPr lang="en-US" altLang="ko-KR" sz="1200" dirty="0" smtClean="0"/>
+              <a:t>Home </a:t>
+            </a:r>
+            <a:r>
+              <a:rPr lang="ko-KR" altLang="en-US" sz="1200" dirty="0" smtClean="0"/>
+              <a:t>이동</a:t>
+            </a:r>
+            <a:endParaRPr lang="ko-KR" altLang="en-US" sz="1200" dirty="0"/>
+          </a:p>
+        </p:txBody>
+      </p:sp>
+      <p:sp>
+        <p:nvSpPr>
+          <p:cNvPr id="51" name="TextBox 50"/>
+          <p:cNvSpPr txBox="1"/>
+          <p:nvPr/>
+        </p:nvSpPr>
+        <p:spPr>
+          <a:xfrm>
+            <a:off x="6242656" y="4385901"/>
+            <a:ext cx="1207698" cy="1200329"/>
+          </a:xfrm>
+          <a:prstGeom prst="rect">
+            <a:avLst/>
+          </a:prstGeom>
+          <a:noFill/>
+        </p:spPr>
+        <p:txBody>
+          <a:bodyPr wrap="square" rtlCol="0">
+            <a:spAutoFit/>
+          </a:bodyPr>
+          <a:lstStyle/>
+          <a:p>
+            <a:pPr>
+              <a:lnSpc>
+                <a:spcPct val="150000"/>
+              </a:lnSpc>
+            </a:pPr>
+            <a:r>
+              <a:rPr lang="en-US" altLang="ko-KR" sz="1200" dirty="0" smtClean="0"/>
+              <a:t>request.get~</a:t>
+            </a:r>
+          </a:p>
+          <a:p>
+            <a:pPr>
+              <a:lnSpc>
+                <a:spcPct val="150000"/>
+              </a:lnSpc>
+            </a:pPr>
+            <a:r>
+              <a:rPr lang="en-US" altLang="ko-KR" sz="1200" dirty="0" err="1" smtClean="0"/>
+              <a:t>db</a:t>
+            </a:r>
+            <a:r>
+              <a:rPr lang="en-US" altLang="ko-KR" sz="1200" dirty="0" smtClean="0"/>
+              <a:t> </a:t>
+            </a:r>
+            <a:r>
+              <a:rPr lang="ko-KR" altLang="en-US" sz="1200" dirty="0" smtClean="0"/>
+              <a:t>연결</a:t>
+            </a:r>
+            <a:endParaRPr lang="en-US" altLang="ko-KR" sz="1200" dirty="0" smtClean="0"/>
+          </a:p>
+          <a:p>
+            <a:pPr>
+              <a:lnSpc>
+                <a:spcPct val="150000"/>
+              </a:lnSpc>
+            </a:pPr>
+            <a:r>
+              <a:rPr lang="ko-KR" altLang="en-US" sz="1200" dirty="0" smtClean="0"/>
+              <a:t>데이터 삭제</a:t>
+            </a:r>
+            <a:endParaRPr lang="en-US" altLang="ko-KR" sz="1200" dirty="0" smtClean="0"/>
+          </a:p>
+          <a:p>
+            <a:pPr>
+              <a:lnSpc>
+                <a:spcPct val="150000"/>
+              </a:lnSpc>
+            </a:pPr>
+            <a:r>
+              <a:rPr lang="en-US" altLang="ko-KR" sz="1200" dirty="0" smtClean="0"/>
+              <a:t>Home </a:t>
+            </a:r>
+            <a:r>
+              <a:rPr lang="ko-KR" altLang="en-US" sz="1200" dirty="0" smtClean="0"/>
+              <a:t>이동</a:t>
+            </a:r>
+            <a:endParaRPr lang="ko-KR" altLang="en-US" sz="1200" dirty="0"/>
+          </a:p>
+        </p:txBody>
+      </p:sp>
+      <p:cxnSp>
+        <p:nvCxnSpPr>
+          <p:cNvPr id="53" name="직선 연결선 52"/>
+          <p:cNvCxnSpPr/>
+          <p:nvPr/>
+        </p:nvCxnSpPr>
+        <p:spPr>
+          <a:xfrm>
+            <a:off x="7450354" y="1892640"/>
+            <a:ext cx="0" cy="4042334"/>
+          </a:xfrm>
+          <a:prstGeom prst="line">
+            <a:avLst/>
+          </a:prstGeom>
+          <a:ln>
+            <a:solidFill>
+              <a:schemeClr val="bg2">
+                <a:lumMod val="90000"/>
+              </a:schemeClr>
+            </a:solidFill>
+          </a:ln>
+        </p:spPr>
+        <p:style>
+          <a:lnRef idx="1">
+            <a:schemeClr val="accent1"/>
+          </a:lnRef>
+          <a:fillRef idx="0">
+            <a:schemeClr val="accent1"/>
+          </a:fillRef>
+          <a:effectRef idx="0">
+            <a:schemeClr val="accent1"/>
+          </a:effectRef>
+          <a:fontRef idx="minor">
+            <a:schemeClr val="tx1"/>
+          </a:fontRef>
+        </p:style>
+      </p:cxnSp>
+      <p:sp>
+        <p:nvSpPr>
+          <p:cNvPr id="54" name="모서리가 둥근 직사각형 53"/>
           <p:cNvSpPr/>
           <p:nvPr/>
         </p:nvSpPr>
         <p:spPr>
           <a:xfrm>
-            <a:off x="7113823" y="3335438"/>
-            <a:ext cx="2081935" cy="497260"/>
-          </a:xfrm>
-          <a:prstGeom prst="ellipse">
-            <a:avLst/>
-          </a:prstGeom>
+            <a:off x="7662577" y="1978254"/>
+            <a:ext cx="591046" cy="1541322"/>
+          </a:xfrm>
+          <a:prstGeom prst="roundRect">
+            <a:avLst/>
+          </a:prstGeom>
+          <a:solidFill>
+            <a:schemeClr val="bg1">
+              <a:lumMod val="85000"/>
+            </a:schemeClr>
+          </a:solidFill>
         </p:spPr>
         <p:style>
           <a:lnRef idx="2">
@@ -6217,27 +6755,56 @@
           <a:p>
             <a:pPr algn="ctr"/>
             <a:r>
-              <a:rPr lang="en-US" altLang="ko-KR" dirty="0" smtClean="0"/>
-              <a:t>Controller</a:t>
-            </a:r>
-            <a:endParaRPr lang="ko-KR" altLang="en-US" dirty="0"/>
-          </a:p>
-        </p:txBody>
-      </p:sp>
-      <p:sp>
-        <p:nvSpPr>
-          <p:cNvPr id="21" name="타원 20"/>
+              <a:rPr lang="ko-KR" altLang="en-US" sz="1400" b="1" dirty="0" smtClean="0">
+                <a:solidFill>
+                  <a:schemeClr val="tx1"/>
+                </a:solidFill>
+              </a:rPr>
+              <a:t>컨트</a:t>
+            </a:r>
+            <a:endParaRPr lang="en-US" altLang="ko-KR" sz="1400" b="1" dirty="0" smtClean="0">
+              <a:solidFill>
+                <a:schemeClr val="tx1"/>
+              </a:solidFill>
+            </a:endParaRPr>
+          </a:p>
+          <a:p>
+            <a:pPr algn="ctr"/>
+            <a:r>
+              <a:rPr lang="ko-KR" altLang="en-US" sz="1400" b="1" dirty="0" smtClean="0">
+                <a:solidFill>
+                  <a:schemeClr val="tx1"/>
+                </a:solidFill>
+              </a:rPr>
+              <a:t>롤러</a:t>
+            </a:r>
+            <a:endParaRPr lang="ko-KR" altLang="en-US" sz="1400" b="1" dirty="0">
+              <a:solidFill>
+                <a:schemeClr val="tx1"/>
+              </a:solidFill>
+            </a:endParaRPr>
+          </a:p>
+        </p:txBody>
+      </p:sp>
+      <p:sp>
+        <p:nvSpPr>
+          <p:cNvPr id="55" name="모서리가 둥근 직사각형 54"/>
           <p:cNvSpPr/>
           <p:nvPr/>
         </p:nvSpPr>
         <p:spPr>
           <a:xfrm>
-            <a:off x="8005740" y="3925798"/>
-            <a:ext cx="1391692" cy="497260"/>
-          </a:xfrm>
-          <a:prstGeom prst="ellipse">
-            <a:avLst/>
-          </a:prstGeom>
+            <a:off x="10162445" y="1892639"/>
+            <a:ext cx="704416" cy="1626937"/>
+          </a:xfrm>
+          <a:prstGeom prst="roundRect">
+            <a:avLst/>
+          </a:prstGeom>
+          <a:solidFill>
+            <a:schemeClr val="bg1">
+              <a:lumMod val="85000"/>
+            </a:schemeClr>
+          </a:solidFill>
         </p:spPr>
         <p:style>
           <a:lnRef idx="2">
@@ -6261,60 +6828,40 @@
           <a:p>
             <a:pPr algn="ctr"/>
             <a:r>
-              <a:rPr lang="en-US" altLang="ko-KR" dirty="0" smtClean="0"/>
-              <a:t>Model</a:t>
-            </a:r>
-            <a:endParaRPr lang="ko-KR" altLang="en-US" dirty="0"/>
-          </a:p>
-        </p:txBody>
-      </p:sp>
-      <p:cxnSp>
-        <p:nvCxnSpPr>
-          <p:cNvPr id="7" name="직선 연결선 6"/>
-          <p:cNvCxnSpPr>
-            <a:stCxn id="21" idx="4"/>
-            <a:endCxn id="27" idx="0"/>
-          </p:cNvCxnSpPr>
-          <p:nvPr/>
-        </p:nvCxnSpPr>
-        <p:spPr>
-          <a:xfrm>
-            <a:off x="8701586" y="4423058"/>
-            <a:ext cx="466028" cy="561572"/>
-          </a:xfrm>
-          <a:prstGeom prst="line">
-            <a:avLst/>
-          </a:prstGeom>
-        </p:spPr>
-        <p:style>
-          <a:lnRef idx="1">
-            <a:schemeClr val="accent1"/>
-          </a:lnRef>
-          <a:fillRef idx="0">
-            <a:schemeClr val="accent1"/>
-          </a:fillRef>
-          <a:effectRef idx="0">
-            <a:schemeClr val="accent1"/>
-          </a:effectRef>
-          <a:fontRef idx="minor">
-            <a:schemeClr val="tx1"/>
-          </a:fontRef>
-        </p:style>
-      </p:cxnSp>
-      <p:sp>
-        <p:nvSpPr>
-          <p:cNvPr id="26" name="타원 25"/>
+              <a:rPr lang="ko-KR" altLang="en-US" sz="1400" b="1" dirty="0" smtClean="0">
+                <a:solidFill>
+                  <a:schemeClr val="tx1"/>
+                </a:solidFill>
+              </a:rPr>
+              <a:t>모델</a:t>
+            </a:r>
+            <a:endParaRPr lang="ko-KR" altLang="en-US" sz="1400" b="1" dirty="0">
+              <a:solidFill>
+                <a:schemeClr val="tx1"/>
+              </a:solidFill>
+            </a:endParaRPr>
+          </a:p>
+        </p:txBody>
+      </p:sp>
+      <p:sp>
+        <p:nvSpPr>
+          <p:cNvPr id="56" name="모서리가 둥근 직사각형 55"/>
           <p:cNvSpPr/>
           <p:nvPr/>
         </p:nvSpPr>
         <p:spPr>
           <a:xfrm>
-            <a:off x="4931193" y="5062669"/>
-            <a:ext cx="1391692" cy="497260"/>
-          </a:xfrm>
-          <a:prstGeom prst="ellipse">
-            <a:avLst/>
-          </a:prstGeom>
+            <a:off x="7661545" y="4955630"/>
+            <a:ext cx="1072552" cy="830706"/>
+          </a:xfrm>
+          <a:prstGeom prst="roundRect">
+            <a:avLst/>
+          </a:prstGeom>
+          <a:solidFill>
+            <a:schemeClr val="bg1">
+              <a:lumMod val="85000"/>
+            </a:schemeClr>
+          </a:solidFill>
         </p:spPr>
         <p:style>
           <a:lnRef idx="2">
@@ -6338,23 +6885,115 @@
           <a:p>
             <a:pPr algn="ctr"/>
             <a:r>
-              <a:rPr lang="en-US" altLang="ko-KR" dirty="0" smtClean="0"/>
-              <a:t>View</a:t>
-            </a:r>
-            <a:endParaRPr lang="ko-KR" altLang="en-US" dirty="0"/>
-          </a:p>
-        </p:txBody>
-      </p:sp>
-      <p:sp>
-        <p:nvSpPr>
-          <p:cNvPr id="11" name="TextBox 10"/>
+              <a:rPr lang="ko-KR" altLang="en-US" sz="1400" b="1" dirty="0" err="1" smtClean="0">
+                <a:solidFill>
+                  <a:schemeClr val="tx1"/>
+                </a:solidFill>
+              </a:rPr>
+              <a:t>뷰</a:t>
+            </a:r>
+            <a:endParaRPr lang="ko-KR" altLang="en-US" sz="1400" b="1" dirty="0">
+              <a:solidFill>
+                <a:schemeClr val="tx1"/>
+              </a:solidFill>
+            </a:endParaRPr>
+          </a:p>
+        </p:txBody>
+      </p:sp>
+      <p:sp>
+        <p:nvSpPr>
+          <p:cNvPr id="61" name="타원 60"/>
+          <p:cNvSpPr/>
+          <p:nvPr/>
+        </p:nvSpPr>
+        <p:spPr>
+          <a:xfrm>
+            <a:off x="9556156" y="2128245"/>
+            <a:ext cx="225725" cy="271225"/>
+          </a:xfrm>
+          <a:prstGeom prst="ellipse">
+            <a:avLst/>
+          </a:prstGeom>
+        </p:spPr>
+        <p:style>
+          <a:lnRef idx="2">
+            <a:schemeClr val="accent1">
+              <a:shade val="50000"/>
+            </a:schemeClr>
+          </a:lnRef>
+          <a:fillRef idx="1">
+            <a:schemeClr val="accent1"/>
+          </a:fillRef>
+          <a:effectRef idx="0">
+            <a:schemeClr val="accent1"/>
+          </a:effectRef>
+          <a:fontRef idx="minor">
+            <a:schemeClr val="lt1"/>
+          </a:fontRef>
+        </p:style>
+        <p:txBody>
+          <a:bodyPr rtlCol="0" anchor="ctr"/>
+          <a:lstStyle/>
+          <a:p>
+            <a:pPr algn="ctr"/>
+            <a:r>
+              <a:rPr lang="en-US" altLang="ko-KR" sz="1000" dirty="0" smtClean="0"/>
+              <a:t>1</a:t>
+            </a:r>
+            <a:endParaRPr lang="ko-KR" altLang="en-US" sz="1000" dirty="0"/>
+          </a:p>
+        </p:txBody>
+      </p:sp>
+      <p:sp>
+        <p:nvSpPr>
+          <p:cNvPr id="74" name="오른쪽 화살표 73"/>
+          <p:cNvSpPr/>
+          <p:nvPr/>
+        </p:nvSpPr>
+        <p:spPr>
+          <a:xfrm>
+            <a:off x="7228951" y="2281384"/>
+            <a:ext cx="393931" cy="271226"/>
+          </a:xfrm>
+          <a:prstGeom prst="rightArrow">
+            <a:avLst/>
+          </a:prstGeom>
+        </p:spPr>
+        <p:style>
+          <a:lnRef idx="2">
+            <a:schemeClr val="accent1">
+              <a:shade val="50000"/>
+            </a:schemeClr>
+          </a:lnRef>
+          <a:fillRef idx="1">
+            <a:schemeClr val="accent1"/>
+          </a:fillRef>
+          <a:effectRef idx="0">
+            <a:schemeClr val="accent1"/>
+          </a:effectRef>
+          <a:fontRef idx="minor">
+            <a:schemeClr val="lt1"/>
+          </a:fontRef>
+        </p:style>
+        <p:txBody>
+          <a:bodyPr rtlCol="0" anchor="ctr"/>
+          <a:lstStyle/>
+          <a:p>
+            <a:pPr algn="ctr"/>
+            <a:endParaRPr lang="ko-KR" altLang="en-US"/>
+          </a:p>
+        </p:txBody>
+      </p:sp>
+      <p:sp>
+        <p:nvSpPr>
+          <p:cNvPr id="75" name="TextBox 74"/>
           <p:cNvSpPr txBox="1"/>
           <p:nvPr/>
         </p:nvSpPr>
         <p:spPr>
           <a:xfrm>
-            <a:off x="4327467" y="3817117"/>
-            <a:ext cx="956672" cy="307777"/>
+            <a:off x="8321403" y="2038729"/>
+            <a:ext cx="1100818" cy="646331"/>
           </a:xfrm>
           <a:prstGeom prst="rect">
             <a:avLst/>
@@ -6362,36 +7001,116 @@
           <a:noFill/>
         </p:spPr>
         <p:txBody>
-          <a:bodyPr wrap="none" rtlCol="0">
+          <a:bodyPr wrap="square" rtlCol="0">
             <a:spAutoFit/>
           </a:bodyPr>
           <a:lstStyle/>
           <a:p>
-            <a:r>
-              <a:rPr lang="en-US" altLang="ko-KR" sz="1400" dirty="0" smtClean="0"/>
-              <a:t>Response</a:t>
-            </a:r>
-            <a:endParaRPr lang="ko-KR" altLang="en-US" sz="1400" dirty="0"/>
+            <a:pPr>
+              <a:lnSpc>
+                <a:spcPct val="150000"/>
+              </a:lnSpc>
+            </a:pPr>
+            <a:r>
+              <a:rPr lang="en-US" altLang="ko-KR" sz="1200" dirty="0" err="1" smtClean="0"/>
+              <a:t>request.get~call</a:t>
+            </a:r>
+            <a:r>
+              <a:rPr lang="en-US" altLang="ko-KR" sz="1200" dirty="0" smtClean="0"/>
+              <a:t> </a:t>
+            </a:r>
+            <a:r>
+              <a:rPr lang="ko-KR" altLang="en-US" sz="1200" dirty="0" smtClean="0"/>
+              <a:t>모델</a:t>
+            </a:r>
+            <a:endParaRPr lang="en-US" altLang="ko-KR" sz="1200" dirty="0" smtClean="0"/>
+          </a:p>
+        </p:txBody>
+      </p:sp>
+      <p:sp>
+        <p:nvSpPr>
+          <p:cNvPr id="76" name="TextBox 75"/>
+          <p:cNvSpPr txBox="1"/>
+          <p:nvPr/>
+        </p:nvSpPr>
+        <p:spPr>
+          <a:xfrm>
+            <a:off x="10933440" y="1772387"/>
+            <a:ext cx="1180844" cy="923330"/>
+          </a:xfrm>
+          <a:prstGeom prst="rect">
+            <a:avLst/>
+          </a:prstGeom>
+          <a:noFill/>
+        </p:spPr>
+        <p:txBody>
+          <a:bodyPr wrap="square" rtlCol="0">
+            <a:spAutoFit/>
+          </a:bodyPr>
+          <a:lstStyle/>
+          <a:p>
+            <a:pPr>
+              <a:lnSpc>
+                <a:spcPct val="150000"/>
+              </a:lnSpc>
+            </a:pPr>
+            <a:r>
+              <a:rPr lang="en-US" altLang="ko-KR" sz="1200" dirty="0" smtClean="0"/>
+              <a:t>DB </a:t>
+            </a:r>
+            <a:r>
+              <a:rPr lang="ko-KR" altLang="en-US" sz="1200" dirty="0" smtClean="0"/>
+              <a:t>연결</a:t>
+            </a:r>
+            <a:endParaRPr lang="en-US" altLang="ko-KR" sz="1200" dirty="0" smtClean="0"/>
+          </a:p>
+          <a:p>
+            <a:pPr>
+              <a:lnSpc>
+                <a:spcPct val="150000"/>
+              </a:lnSpc>
+            </a:pPr>
+            <a:r>
+              <a:rPr lang="ko-KR" altLang="en-US" sz="1200" dirty="0" smtClean="0"/>
+              <a:t>데이터추출</a:t>
+            </a:r>
+            <a:endParaRPr lang="en-US" altLang="ko-KR" sz="1200" dirty="0" smtClean="0"/>
+          </a:p>
+          <a:p>
+            <a:pPr>
+              <a:lnSpc>
+                <a:spcPct val="150000"/>
+              </a:lnSpc>
+            </a:pPr>
+            <a:r>
+              <a:rPr lang="en-US" altLang="ko-KR" sz="1200" dirty="0" smtClean="0"/>
+              <a:t>return </a:t>
+            </a:r>
+            <a:r>
+              <a:rPr lang="ko-KR" altLang="en-US" sz="1200" dirty="0" smtClean="0"/>
+              <a:t>데이터</a:t>
+            </a:r>
+            <a:endParaRPr lang="en-US" altLang="ko-KR" sz="1200" dirty="0" smtClean="0"/>
           </a:p>
         </p:txBody>
       </p:sp>
       <p:cxnSp>
         <p:nvCxnSpPr>
-          <p:cNvPr id="22" name="직선 연결선 21"/>
-          <p:cNvCxnSpPr>
-            <a:stCxn id="26" idx="2"/>
-            <a:endCxn id="24" idx="6"/>
-          </p:cNvCxnSpPr>
+          <p:cNvPr id="78" name="직선 화살표 연결선 77"/>
+          <p:cNvCxnSpPr/>
           <p:nvPr/>
         </p:nvCxnSpPr>
         <p:spPr>
-          <a:xfrm flipH="1">
-            <a:off x="3051241" y="5311299"/>
-            <a:ext cx="1879952" cy="1"/>
-          </a:xfrm>
-          <a:prstGeom prst="line">
-            <a:avLst/>
-          </a:prstGeom>
+          <a:xfrm>
+            <a:off x="9316300" y="2552610"/>
+            <a:ext cx="733474" cy="0"/>
+          </a:xfrm>
+          <a:prstGeom prst="straightConnector1">
+            <a:avLst/>
+          </a:prstGeom>
+          <a:ln>
+            <a:tailEnd type="triangle"/>
+          </a:ln>
         </p:spPr>
         <p:style>
           <a:lnRef idx="1">
@@ -6408,16 +7127,49 @@
           </a:fontRef>
         </p:style>
       </p:cxnSp>
-      <p:sp>
-        <p:nvSpPr>
-          <p:cNvPr id="31" name="TextBox 30"/>
+      <p:cxnSp>
+        <p:nvCxnSpPr>
+          <p:cNvPr id="85" name="직선 화살표 연결선 84"/>
+          <p:cNvCxnSpPr/>
+          <p:nvPr/>
+        </p:nvCxnSpPr>
+        <p:spPr>
+          <a:xfrm flipH="1">
+            <a:off x="8437391" y="2966905"/>
+            <a:ext cx="1604553" cy="0"/>
+          </a:xfrm>
+          <a:prstGeom prst="straightConnector1">
+            <a:avLst/>
+          </a:prstGeom>
+          <a:ln>
+            <a:tailEnd type="triangle"/>
+          </a:ln>
+        </p:spPr>
+        <p:style>
+          <a:lnRef idx="1">
+            <a:schemeClr val="accent1"/>
+          </a:lnRef>
+          <a:fillRef idx="0">
+            <a:schemeClr val="accent1"/>
+          </a:fillRef>
+          <a:effectRef idx="0">
+            <a:schemeClr val="accent1"/>
+          </a:effectRef>
+          <a:fontRef idx="minor">
+            <a:schemeClr val="tx1"/>
+          </a:fontRef>
+        </p:style>
+      </p:cxnSp>
+      <p:sp>
+        <p:nvSpPr>
+          <p:cNvPr id="86" name="TextBox 85"/>
           <p:cNvSpPr txBox="1"/>
           <p:nvPr/>
         </p:nvSpPr>
         <p:spPr>
           <a:xfrm>
-            <a:off x="5306165" y="4464246"/>
-            <a:ext cx="833241" cy="307777"/>
+            <a:off x="8926067" y="3012862"/>
+            <a:ext cx="1100818" cy="369332"/>
           </a:xfrm>
           <a:prstGeom prst="rect">
             <a:avLst/>
@@ -6425,23 +7177,589 @@
           <a:noFill/>
         </p:spPr>
         <p:txBody>
-          <a:bodyPr wrap="none" rtlCol="0">
+          <a:bodyPr wrap="square" rtlCol="0">
             <a:spAutoFit/>
           </a:bodyPr>
           <a:lstStyle/>
           <a:p>
-            <a:r>
-              <a:rPr lang="en-US" altLang="ko-KR" sz="1400" dirty="0" smtClean="0"/>
-              <a:t>Request</a:t>
-            </a:r>
-            <a:endParaRPr lang="ko-KR" altLang="en-US" sz="1400" dirty="0"/>
-          </a:p>
-        </p:txBody>
-      </p:sp>
+            <a:pPr>
+              <a:lnSpc>
+                <a:spcPct val="150000"/>
+              </a:lnSpc>
+            </a:pPr>
+            <a:r>
+              <a:rPr lang="ko-KR" altLang="en-US" sz="1200" dirty="0" smtClean="0"/>
+              <a:t>데이터 전송</a:t>
+            </a:r>
+            <a:endParaRPr lang="en-US" altLang="ko-KR" sz="1200" dirty="0" smtClean="0"/>
+          </a:p>
+        </p:txBody>
+      </p:sp>
+      <p:sp>
+        <p:nvSpPr>
+          <p:cNvPr id="87" name="타원 86"/>
+          <p:cNvSpPr/>
+          <p:nvPr/>
+        </p:nvSpPr>
+        <p:spPr>
+          <a:xfrm>
+            <a:off x="8677125" y="3054084"/>
+            <a:ext cx="225725" cy="271225"/>
+          </a:xfrm>
+          <a:prstGeom prst="ellipse">
+            <a:avLst/>
+          </a:prstGeom>
+        </p:spPr>
+        <p:style>
+          <a:lnRef idx="2">
+            <a:schemeClr val="accent1">
+              <a:shade val="50000"/>
+            </a:schemeClr>
+          </a:lnRef>
+          <a:fillRef idx="1">
+            <a:schemeClr val="accent1"/>
+          </a:fillRef>
+          <a:effectRef idx="0">
+            <a:schemeClr val="accent1"/>
+          </a:effectRef>
+          <a:fontRef idx="minor">
+            <a:schemeClr val="lt1"/>
+          </a:fontRef>
+        </p:style>
+        <p:txBody>
+          <a:bodyPr rtlCol="0" anchor="ctr"/>
+          <a:lstStyle/>
+          <a:p>
+            <a:pPr algn="ctr"/>
+            <a:r>
+              <a:rPr lang="en-US" altLang="ko-KR" sz="1000" dirty="0" smtClean="0"/>
+              <a:t>2</a:t>
+            </a:r>
+            <a:endParaRPr lang="ko-KR" altLang="en-US" sz="1000" dirty="0"/>
+          </a:p>
+        </p:txBody>
+      </p:sp>
+      <p:cxnSp>
+        <p:nvCxnSpPr>
+          <p:cNvPr id="88" name="직선 화살표 연결선 87"/>
+          <p:cNvCxnSpPr>
+            <a:stCxn id="54" idx="2"/>
+            <a:endCxn id="56" idx="0"/>
+          </p:cNvCxnSpPr>
+          <p:nvPr/>
+        </p:nvCxnSpPr>
+        <p:spPr>
+          <a:xfrm>
+            <a:off x="7958100" y="3519576"/>
+            <a:ext cx="239721" cy="1436054"/>
+          </a:xfrm>
+          <a:prstGeom prst="straightConnector1">
+            <a:avLst/>
+          </a:prstGeom>
+          <a:ln>
+            <a:tailEnd type="triangle"/>
+          </a:ln>
+        </p:spPr>
+        <p:style>
+          <a:lnRef idx="1">
+            <a:schemeClr val="accent1"/>
+          </a:lnRef>
+          <a:fillRef idx="0">
+            <a:schemeClr val="accent1"/>
+          </a:fillRef>
+          <a:effectRef idx="0">
+            <a:schemeClr val="accent1"/>
+          </a:effectRef>
+          <a:fontRef idx="minor">
+            <a:schemeClr val="tx1"/>
+          </a:fontRef>
+        </p:style>
+      </p:cxnSp>
+      <p:sp>
+        <p:nvSpPr>
+          <p:cNvPr id="90" name="타원 89"/>
+          <p:cNvSpPr/>
+          <p:nvPr/>
+        </p:nvSpPr>
+        <p:spPr>
+          <a:xfrm>
+            <a:off x="8101217" y="3784201"/>
+            <a:ext cx="225725" cy="271225"/>
+          </a:xfrm>
+          <a:prstGeom prst="ellipse">
+            <a:avLst/>
+          </a:prstGeom>
+        </p:spPr>
+        <p:style>
+          <a:lnRef idx="2">
+            <a:schemeClr val="accent1">
+              <a:shade val="50000"/>
+            </a:schemeClr>
+          </a:lnRef>
+          <a:fillRef idx="1">
+            <a:schemeClr val="accent1"/>
+          </a:fillRef>
+          <a:effectRef idx="0">
+            <a:schemeClr val="accent1"/>
+          </a:effectRef>
+          <a:fontRef idx="minor">
+            <a:schemeClr val="lt1"/>
+          </a:fontRef>
+        </p:style>
+        <p:txBody>
+          <a:bodyPr rtlCol="0" anchor="ctr"/>
+          <a:lstStyle/>
+          <a:p>
+            <a:pPr algn="ctr"/>
+            <a:r>
+              <a:rPr lang="en-US" altLang="ko-KR" sz="1000" dirty="0" smtClean="0"/>
+              <a:t>3</a:t>
+            </a:r>
+            <a:endParaRPr lang="ko-KR" altLang="en-US" sz="1000" dirty="0"/>
+          </a:p>
+        </p:txBody>
+      </p:sp>
+      <p:sp>
+        <p:nvSpPr>
+          <p:cNvPr id="91" name="TextBox 90"/>
+          <p:cNvSpPr txBox="1"/>
+          <p:nvPr/>
+        </p:nvSpPr>
+        <p:spPr>
+          <a:xfrm>
+            <a:off x="7886982" y="4123029"/>
+            <a:ext cx="1100818" cy="646331"/>
+          </a:xfrm>
+          <a:prstGeom prst="rect">
+            <a:avLst/>
+          </a:prstGeom>
+          <a:noFill/>
+        </p:spPr>
+        <p:txBody>
+          <a:bodyPr wrap="square" rtlCol="0">
+            <a:spAutoFit/>
+          </a:bodyPr>
+          <a:lstStyle/>
+          <a:p>
+            <a:pPr>
+              <a:lnSpc>
+                <a:spcPct val="150000"/>
+              </a:lnSpc>
+            </a:pPr>
+            <a:r>
+              <a:rPr lang="en-US" altLang="ko-KR" sz="1200" dirty="0" smtClean="0"/>
+              <a:t>call </a:t>
+            </a:r>
+            <a:r>
+              <a:rPr lang="ko-KR" altLang="en-US" sz="1200" dirty="0" err="1" smtClean="0"/>
+              <a:t>뷰</a:t>
+            </a:r>
+            <a:endParaRPr lang="en-US" altLang="ko-KR" sz="1200" dirty="0" smtClean="0"/>
+          </a:p>
+          <a:p>
+            <a:pPr>
+              <a:lnSpc>
+                <a:spcPct val="150000"/>
+              </a:lnSpc>
+            </a:pPr>
+            <a:r>
+              <a:rPr lang="ko-KR" altLang="en-US" sz="1200" dirty="0" smtClean="0"/>
+              <a:t>데이터 전송</a:t>
+            </a:r>
+            <a:endParaRPr lang="en-US" altLang="ko-KR" sz="1200" dirty="0" smtClean="0"/>
+          </a:p>
+        </p:txBody>
+      </p:sp>
+      <p:sp>
+        <p:nvSpPr>
+          <p:cNvPr id="92" name="TextBox 91"/>
+          <p:cNvSpPr txBox="1"/>
+          <p:nvPr/>
+        </p:nvSpPr>
+        <p:spPr>
+          <a:xfrm>
+            <a:off x="8713595" y="3764035"/>
+            <a:ext cx="1910846" cy="369332"/>
+          </a:xfrm>
+          <a:prstGeom prst="rect">
+            <a:avLst/>
+          </a:prstGeom>
+          <a:noFill/>
+        </p:spPr>
+        <p:txBody>
+          <a:bodyPr wrap="square" rtlCol="0">
+            <a:spAutoFit/>
+          </a:bodyPr>
+          <a:lstStyle/>
+          <a:p>
+            <a:pPr>
+              <a:lnSpc>
+                <a:spcPct val="150000"/>
+              </a:lnSpc>
+            </a:pPr>
+            <a:r>
+              <a:rPr lang="en-US" altLang="ko-KR" sz="1200" dirty="0" smtClean="0">
+                <a:solidFill>
+                  <a:srgbClr val="FF0000"/>
+                </a:solidFill>
+              </a:rPr>
+              <a:t>request</a:t>
+            </a:r>
+            <a:r>
+              <a:rPr lang="en-US" altLang="ko-KR" sz="1200" dirty="0" smtClean="0"/>
+              <a:t>. </a:t>
+            </a:r>
+            <a:r>
+              <a:rPr lang="en-US" altLang="ko-KR" sz="1200" dirty="0"/>
+              <a:t>f</a:t>
+            </a:r>
+            <a:r>
+              <a:rPr lang="en-US" altLang="ko-KR" sz="1200" dirty="0" smtClean="0"/>
+              <a:t>orward</a:t>
+            </a:r>
+          </a:p>
+        </p:txBody>
+      </p:sp>
+      <p:sp>
+        <p:nvSpPr>
+          <p:cNvPr id="7" name="순서도: 자기 디스크 6"/>
+          <p:cNvSpPr/>
+          <p:nvPr/>
+        </p:nvSpPr>
+        <p:spPr>
+          <a:xfrm>
+            <a:off x="10636818" y="3921971"/>
+            <a:ext cx="1242891" cy="968182"/>
+          </a:xfrm>
+          <a:prstGeom prst="flowChartMagneticDisk">
+            <a:avLst/>
+          </a:prstGeom>
+        </p:spPr>
+        <p:style>
+          <a:lnRef idx="2">
+            <a:schemeClr val="accent1">
+              <a:shade val="50000"/>
+            </a:schemeClr>
+          </a:lnRef>
+          <a:fillRef idx="1">
+            <a:schemeClr val="accent1"/>
+          </a:fillRef>
+          <a:effectRef idx="0">
+            <a:schemeClr val="accent1"/>
+          </a:effectRef>
+          <a:fontRef idx="minor">
+            <a:schemeClr val="lt1"/>
+          </a:fontRef>
+        </p:style>
+        <p:txBody>
+          <a:bodyPr rtlCol="0" anchor="ctr"/>
+          <a:lstStyle/>
+          <a:p>
+            <a:pPr algn="ctr"/>
+            <a:r>
+              <a:rPr lang="en-US" altLang="ko-KR" dirty="0" smtClean="0"/>
+              <a:t>DB</a:t>
+            </a:r>
+            <a:endParaRPr lang="ko-KR" altLang="en-US" dirty="0"/>
+          </a:p>
+        </p:txBody>
+      </p:sp>
+      <p:cxnSp>
+        <p:nvCxnSpPr>
+          <p:cNvPr id="10" name="직선 화살표 연결선 9"/>
+          <p:cNvCxnSpPr>
+            <a:stCxn id="55" idx="2"/>
+            <a:endCxn id="7" idx="1"/>
+          </p:cNvCxnSpPr>
+          <p:nvPr/>
+        </p:nvCxnSpPr>
+        <p:spPr>
+          <a:xfrm>
+            <a:off x="10514653" y="3519576"/>
+            <a:ext cx="743611" cy="402395"/>
+          </a:xfrm>
+          <a:prstGeom prst="straightConnector1">
+            <a:avLst/>
+          </a:prstGeom>
+          <a:ln>
+            <a:tailEnd type="triangle"/>
+          </a:ln>
+        </p:spPr>
+        <p:style>
+          <a:lnRef idx="1">
+            <a:schemeClr val="accent1"/>
+          </a:lnRef>
+          <a:fillRef idx="0">
+            <a:schemeClr val="accent1"/>
+          </a:fillRef>
+          <a:effectRef idx="0">
+            <a:schemeClr val="accent1"/>
+          </a:effectRef>
+          <a:fontRef idx="minor">
+            <a:schemeClr val="tx1"/>
+          </a:fontRef>
+        </p:style>
+      </p:cxnSp>
+      <p:cxnSp>
+        <p:nvCxnSpPr>
+          <p:cNvPr id="15" name="직선 연결선 14"/>
+          <p:cNvCxnSpPr/>
+          <p:nvPr/>
+        </p:nvCxnSpPr>
+        <p:spPr>
+          <a:xfrm>
+            <a:off x="7196829" y="864697"/>
+            <a:ext cx="3330720" cy="5622367"/>
+          </a:xfrm>
+          <a:prstGeom prst="line">
+            <a:avLst/>
+          </a:prstGeom>
+          <a:ln>
+            <a:solidFill>
+              <a:srgbClr val="FF0000"/>
+            </a:solidFill>
+          </a:ln>
+        </p:spPr>
+        <p:style>
+          <a:lnRef idx="1">
+            <a:schemeClr val="accent1"/>
+          </a:lnRef>
+          <a:fillRef idx="0">
+            <a:schemeClr val="accent1"/>
+          </a:fillRef>
+          <a:effectRef idx="0">
+            <a:schemeClr val="accent1"/>
+          </a:effectRef>
+          <a:fontRef idx="minor">
+            <a:schemeClr val="tx1"/>
+          </a:fontRef>
+        </p:style>
+      </p:cxnSp>
     </p:spTree>
     <p:extLst>
       <p:ext uri="{BB962C8B-B14F-4D97-AF65-F5344CB8AC3E}">
         <p14:creationId xmlns:p14="http://schemas.microsoft.com/office/powerpoint/2010/main" val="3671003411"/>
+      </p:ext>
+    </p:extLst>
+  </p:cSld>
+  <p:clrMapOvr>
+    <a:masterClrMapping/>
+  </p:clrMapOvr>
+</p:sld>
+</file>
+
+<file path=ppt/slides/slide6.xml><?xml version="1.0" encoding="utf-8"?>
+<p:sld xmlns:a="http://schemas.openxmlformats.org/drawingml/2006/main" xmlns:r="http://schemas.openxmlformats.org/officeDocument/2006/relationships" xmlns:p="http://schemas.openxmlformats.org/presentationml/2006/main">
+  <p:cSld>
+    <p:spTree>
+      <p:nvGrpSpPr>
+        <p:cNvPr id="1" name=""/>
+        <p:cNvGrpSpPr/>
+        <p:nvPr/>
+      </p:nvGrpSpPr>
+      <p:grpSpPr>
+        <a:xfrm>
+          <a:off x="0" y="0"/>
+          <a:ext cx="0" cy="0"/>
+          <a:chOff x="0" y="0"/>
+          <a:chExt cx="0" cy="0"/>
+        </a:xfrm>
+      </p:grpSpPr>
+      <p:cxnSp>
+        <p:nvCxnSpPr>
+          <p:cNvPr id="4" name="직선 연결선 3"/>
+          <p:cNvCxnSpPr/>
+          <p:nvPr/>
+        </p:nvCxnSpPr>
+        <p:spPr>
+          <a:xfrm>
+            <a:off x="0" y="538264"/>
+            <a:ext cx="12192000" cy="0"/>
+          </a:xfrm>
+          <a:prstGeom prst="line">
+            <a:avLst/>
+          </a:prstGeom>
+          <a:ln>
+            <a:solidFill>
+              <a:schemeClr val="tx1"/>
+            </a:solidFill>
+          </a:ln>
+        </p:spPr>
+        <p:style>
+          <a:lnRef idx="1">
+            <a:schemeClr val="accent1"/>
+          </a:lnRef>
+          <a:fillRef idx="0">
+            <a:schemeClr val="accent1"/>
+          </a:fillRef>
+          <a:effectRef idx="0">
+            <a:schemeClr val="accent1"/>
+          </a:effectRef>
+          <a:fontRef idx="minor">
+            <a:schemeClr val="tx1"/>
+          </a:fontRef>
+        </p:style>
+      </p:cxnSp>
+      <p:sp>
+        <p:nvSpPr>
+          <p:cNvPr id="5" name="TextBox 4"/>
+          <p:cNvSpPr txBox="1"/>
+          <p:nvPr/>
+        </p:nvSpPr>
+        <p:spPr>
+          <a:xfrm>
+            <a:off x="343711" y="90791"/>
+            <a:ext cx="2090637" cy="369332"/>
+          </a:xfrm>
+          <a:prstGeom prst="rect">
+            <a:avLst/>
+          </a:prstGeom>
+          <a:noFill/>
+        </p:spPr>
+        <p:txBody>
+          <a:bodyPr wrap="none" rtlCol="0">
+            <a:spAutoFit/>
+          </a:bodyPr>
+          <a:lstStyle/>
+          <a:p>
+            <a:r>
+              <a:rPr lang="ko-KR" altLang="en-US" b="1" dirty="0" smtClean="0"/>
+              <a:t>모델 </a:t>
+            </a:r>
+            <a:r>
+              <a:rPr lang="en-US" altLang="ko-KR" b="1" dirty="0" smtClean="0"/>
+              <a:t>2 </a:t>
+            </a:r>
+            <a:r>
+              <a:rPr lang="ko-KR" altLang="en-US" b="1" dirty="0" smtClean="0"/>
+              <a:t>학습 방법 </a:t>
+            </a:r>
+            <a:endParaRPr lang="ko-KR" altLang="en-US" b="1" dirty="0"/>
+          </a:p>
+        </p:txBody>
+      </p:sp>
+      <p:sp>
+        <p:nvSpPr>
+          <p:cNvPr id="6" name="TextBox 5"/>
+          <p:cNvSpPr txBox="1"/>
+          <p:nvPr/>
+        </p:nvSpPr>
+        <p:spPr>
+          <a:xfrm>
+            <a:off x="11516040" y="275457"/>
+            <a:ext cx="641522" cy="261610"/>
+          </a:xfrm>
+          <a:prstGeom prst="rect">
+            <a:avLst/>
+          </a:prstGeom>
+          <a:noFill/>
+        </p:spPr>
+        <p:txBody>
+          <a:bodyPr wrap="none" rtlCol="0">
+            <a:spAutoFit/>
+          </a:bodyPr>
+          <a:lstStyle/>
+          <a:p>
+            <a:r>
+              <a:rPr lang="en-US" altLang="ko-KR" sz="1100" b="1" i="1" smtClean="0"/>
+              <a:t>IT </a:t>
+            </a:r>
+            <a:r>
+              <a:rPr lang="ko-KR" altLang="en-US" sz="1100" b="1" i="1" dirty="0" smtClean="0"/>
+              <a:t>늦공</a:t>
+            </a:r>
+            <a:endParaRPr lang="ko-KR" altLang="en-US" sz="1100" b="1" i="1" dirty="0"/>
+          </a:p>
+        </p:txBody>
+      </p:sp>
+      <p:sp>
+        <p:nvSpPr>
+          <p:cNvPr id="2" name="TextBox 1"/>
+          <p:cNvSpPr txBox="1"/>
+          <p:nvPr/>
+        </p:nvSpPr>
+        <p:spPr>
+          <a:xfrm>
+            <a:off x="2073721" y="1966823"/>
+            <a:ext cx="7310976" cy="646331"/>
+          </a:xfrm>
+          <a:prstGeom prst="rect">
+            <a:avLst/>
+          </a:prstGeom>
+          <a:noFill/>
+        </p:spPr>
+        <p:txBody>
+          <a:bodyPr wrap="none" rtlCol="0">
+            <a:spAutoFit/>
+          </a:bodyPr>
+          <a:lstStyle/>
+          <a:p>
+            <a:r>
+              <a:rPr lang="en-US" altLang="ko-KR" sz="3600" b="1" dirty="0" smtClean="0"/>
+              <a:t>Controller </a:t>
+            </a:r>
+            <a:r>
+              <a:rPr lang="ko-KR" altLang="en-US" sz="3600" b="1" dirty="0" smtClean="0"/>
+              <a:t>에서 </a:t>
+            </a:r>
+            <a:r>
+              <a:rPr lang="en-US" altLang="ko-KR" sz="3600" b="1" dirty="0" smtClean="0"/>
+              <a:t>View </a:t>
+            </a:r>
+            <a:r>
+              <a:rPr lang="ko-KR" altLang="en-US" sz="3600" b="1" dirty="0" smtClean="0"/>
+              <a:t>를 분리하다</a:t>
+            </a:r>
+            <a:endParaRPr lang="ko-KR" altLang="en-US" sz="3600" b="1" dirty="0"/>
+          </a:p>
+        </p:txBody>
+      </p:sp>
+      <p:sp>
+        <p:nvSpPr>
+          <p:cNvPr id="49" name="TextBox 48"/>
+          <p:cNvSpPr txBox="1"/>
+          <p:nvPr/>
+        </p:nvSpPr>
+        <p:spPr>
+          <a:xfrm>
+            <a:off x="1950075" y="3718546"/>
+            <a:ext cx="7654018" cy="646331"/>
+          </a:xfrm>
+          <a:prstGeom prst="rect">
+            <a:avLst/>
+          </a:prstGeom>
+          <a:noFill/>
+        </p:spPr>
+        <p:txBody>
+          <a:bodyPr wrap="none" rtlCol="0">
+            <a:spAutoFit/>
+          </a:bodyPr>
+          <a:lstStyle/>
+          <a:p>
+            <a:r>
+              <a:rPr lang="en-US" altLang="ko-KR" sz="3600" b="1" dirty="0" smtClean="0"/>
+              <a:t>Controller </a:t>
+            </a:r>
+            <a:r>
+              <a:rPr lang="ko-KR" altLang="en-US" sz="3600" b="1" dirty="0" smtClean="0"/>
+              <a:t>에서 </a:t>
+            </a:r>
+            <a:r>
+              <a:rPr lang="en-US" altLang="ko-KR" sz="3600" b="1" dirty="0" smtClean="0"/>
+              <a:t>Model </a:t>
+            </a:r>
+            <a:r>
+              <a:rPr lang="ko-KR" altLang="en-US" sz="3600" b="1" dirty="0" smtClean="0"/>
+              <a:t>을 분리하다</a:t>
+            </a:r>
+            <a:endParaRPr lang="ko-KR" altLang="en-US" sz="3600" b="1" dirty="0"/>
+          </a:p>
+        </p:txBody>
+      </p:sp>
+    </p:spTree>
+    <p:extLst>
+      <p:ext uri="{BB962C8B-B14F-4D97-AF65-F5344CB8AC3E}">
+        <p14:creationId xmlns:p14="http://schemas.microsoft.com/office/powerpoint/2010/main" val="2064361058"/>
       </p:ext>
     </p:extLst>
   </p:cSld>

--- a/workspace/Model2_MVC.pptx
+++ b/workspace/Model2_MVC.pptx
@@ -8,9 +8,11 @@
     <p:sldId id="256" r:id="rId2"/>
     <p:sldId id="257" r:id="rId3"/>
     <p:sldId id="259" r:id="rId4"/>
-    <p:sldId id="258" r:id="rId5"/>
-    <p:sldId id="260" r:id="rId6"/>
-    <p:sldId id="261" r:id="rId7"/>
+    <p:sldId id="263" r:id="rId5"/>
+    <p:sldId id="258" r:id="rId6"/>
+    <p:sldId id="260" r:id="rId7"/>
+    <p:sldId id="262" r:id="rId8"/>
+    <p:sldId id="261" r:id="rId9"/>
   </p:sldIdLst>
   <p:sldSz cx="12192000" cy="6858000"/>
   <p:notesSz cx="6858000" cy="9144000"/>
@@ -248,7 +250,7 @@
           <a:p>
             <a:fld id="{3DCF8E7F-ECA4-4F79-8BD4-9D90B257F24F}" type="datetimeFigureOut">
               <a:rPr lang="ko-KR" altLang="en-US" smtClean="0"/>
-              <a:t>2021-07-29</a:t>
+              <a:t>2021-08-01</a:t>
             </a:fld>
             <a:endParaRPr lang="ko-KR" altLang="en-US"/>
           </a:p>
@@ -418,7 +420,7 @@
           <a:p>
             <a:fld id="{3DCF8E7F-ECA4-4F79-8BD4-9D90B257F24F}" type="datetimeFigureOut">
               <a:rPr lang="ko-KR" altLang="en-US" smtClean="0"/>
-              <a:t>2021-07-29</a:t>
+              <a:t>2021-08-01</a:t>
             </a:fld>
             <a:endParaRPr lang="ko-KR" altLang="en-US"/>
           </a:p>
@@ -598,7 +600,7 @@
           <a:p>
             <a:fld id="{3DCF8E7F-ECA4-4F79-8BD4-9D90B257F24F}" type="datetimeFigureOut">
               <a:rPr lang="ko-KR" altLang="en-US" smtClean="0"/>
-              <a:t>2021-07-29</a:t>
+              <a:t>2021-08-01</a:t>
             </a:fld>
             <a:endParaRPr lang="ko-KR" altLang="en-US"/>
           </a:p>
@@ -768,7 +770,7 @@
           <a:p>
             <a:fld id="{3DCF8E7F-ECA4-4F79-8BD4-9D90B257F24F}" type="datetimeFigureOut">
               <a:rPr lang="ko-KR" altLang="en-US" smtClean="0"/>
-              <a:t>2021-07-29</a:t>
+              <a:t>2021-08-01</a:t>
             </a:fld>
             <a:endParaRPr lang="ko-KR" altLang="en-US"/>
           </a:p>
@@ -1014,7 +1016,7 @@
           <a:p>
             <a:fld id="{3DCF8E7F-ECA4-4F79-8BD4-9D90B257F24F}" type="datetimeFigureOut">
               <a:rPr lang="ko-KR" altLang="en-US" smtClean="0"/>
-              <a:t>2021-07-29</a:t>
+              <a:t>2021-08-01</a:t>
             </a:fld>
             <a:endParaRPr lang="ko-KR" altLang="en-US"/>
           </a:p>
@@ -1246,7 +1248,7 @@
           <a:p>
             <a:fld id="{3DCF8E7F-ECA4-4F79-8BD4-9D90B257F24F}" type="datetimeFigureOut">
               <a:rPr lang="ko-KR" altLang="en-US" smtClean="0"/>
-              <a:t>2021-07-29</a:t>
+              <a:t>2021-08-01</a:t>
             </a:fld>
             <a:endParaRPr lang="ko-KR" altLang="en-US"/>
           </a:p>
@@ -1613,7 +1615,7 @@
           <a:p>
             <a:fld id="{3DCF8E7F-ECA4-4F79-8BD4-9D90B257F24F}" type="datetimeFigureOut">
               <a:rPr lang="ko-KR" altLang="en-US" smtClean="0"/>
-              <a:t>2021-07-29</a:t>
+              <a:t>2021-08-01</a:t>
             </a:fld>
             <a:endParaRPr lang="ko-KR" altLang="en-US"/>
           </a:p>
@@ -1731,7 +1733,7 @@
           <a:p>
             <a:fld id="{3DCF8E7F-ECA4-4F79-8BD4-9D90B257F24F}" type="datetimeFigureOut">
               <a:rPr lang="ko-KR" altLang="en-US" smtClean="0"/>
-              <a:t>2021-07-29</a:t>
+              <a:t>2021-08-01</a:t>
             </a:fld>
             <a:endParaRPr lang="ko-KR" altLang="en-US"/>
           </a:p>
@@ -1826,7 +1828,7 @@
           <a:p>
             <a:fld id="{3DCF8E7F-ECA4-4F79-8BD4-9D90B257F24F}" type="datetimeFigureOut">
               <a:rPr lang="ko-KR" altLang="en-US" smtClean="0"/>
-              <a:t>2021-07-29</a:t>
+              <a:t>2021-08-01</a:t>
             </a:fld>
             <a:endParaRPr lang="ko-KR" altLang="en-US"/>
           </a:p>
@@ -2103,7 +2105,7 @@
           <a:p>
             <a:fld id="{3DCF8E7F-ECA4-4F79-8BD4-9D90B257F24F}" type="datetimeFigureOut">
               <a:rPr lang="ko-KR" altLang="en-US" smtClean="0"/>
-              <a:t>2021-07-29</a:t>
+              <a:t>2021-08-01</a:t>
             </a:fld>
             <a:endParaRPr lang="ko-KR" altLang="en-US"/>
           </a:p>
@@ -2356,7 +2358,7 @@
           <a:p>
             <a:fld id="{3DCF8E7F-ECA4-4F79-8BD4-9D90B257F24F}" type="datetimeFigureOut">
               <a:rPr lang="ko-KR" altLang="en-US" smtClean="0"/>
-              <a:t>2021-07-29</a:t>
+              <a:t>2021-08-01</a:t>
             </a:fld>
             <a:endParaRPr lang="ko-KR" altLang="en-US"/>
           </a:p>
@@ -2569,7 +2571,7 @@
           <a:p>
             <a:fld id="{3DCF8E7F-ECA4-4F79-8BD4-9D90B257F24F}" type="datetimeFigureOut">
               <a:rPr lang="ko-KR" altLang="en-US" smtClean="0"/>
-              <a:t>2021-07-29</a:t>
+              <a:t>2021-08-01</a:t>
             </a:fld>
             <a:endParaRPr lang="ko-KR" altLang="en-US"/>
           </a:p>
@@ -4582,7 +4584,7 @@
         <p:spPr>
           <a:xfrm>
             <a:off x="343711" y="90791"/>
-            <a:ext cx="1229824" cy="369332"/>
+            <a:ext cx="6401111" cy="369332"/>
           </a:xfrm>
           <a:prstGeom prst="rect">
             <a:avLst/>
@@ -4597,11 +4599,11 @@
           <a:p>
             <a:r>
               <a:rPr lang="ko-KR" altLang="en-US" b="1" dirty="0" smtClean="0"/>
-              <a:t>시나리오</a:t>
+              <a:t>우리가 만들 웹 프로젝트는 서버에 어떻게 올라가는 걸까요</a:t>
             </a:r>
             <a:r>
               <a:rPr lang="en-US" altLang="ko-KR" b="1" dirty="0" smtClean="0"/>
-              <a:t>..</a:t>
+              <a:t>?</a:t>
             </a:r>
             <a:endParaRPr lang="ko-KR" altLang="en-US" b="1" dirty="0"/>
           </a:p>
@@ -4643,19 +4645,58 @@
       </p:sp>
       <p:sp>
         <p:nvSpPr>
-          <p:cNvPr id="12" name="타원 11"/>
+          <p:cNvPr id="49" name="TextBox 48"/>
+          <p:cNvSpPr txBox="1"/>
+          <p:nvPr/>
+        </p:nvSpPr>
+        <p:spPr>
+          <a:xfrm>
+            <a:off x="343711" y="925470"/>
+            <a:ext cx="10430681" cy="646331"/>
+          </a:xfrm>
+          <a:prstGeom prst="rect">
+            <a:avLst/>
+          </a:prstGeom>
+          <a:noFill/>
+        </p:spPr>
+        <p:txBody>
+          <a:bodyPr wrap="square" rtlCol="0">
+            <a:spAutoFit/>
+          </a:bodyPr>
+          <a:lstStyle/>
+          <a:p>
+            <a:r>
+              <a:rPr lang="en-US" altLang="ko-KR" sz="3600" b="1" dirty="0" smtClean="0"/>
+              <a:t>Eclipse </a:t>
+            </a:r>
+            <a:r>
+              <a:rPr lang="ko-KR" altLang="en-US" sz="3600" b="1" dirty="0" smtClean="0"/>
+              <a:t>웹 프로젝트를 서버에 올려보기</a:t>
+            </a:r>
+            <a:endParaRPr lang="ko-KR" altLang="en-US" sz="3600" b="1" dirty="0"/>
+          </a:p>
+        </p:txBody>
+      </p:sp>
+      <p:sp>
+        <p:nvSpPr>
+          <p:cNvPr id="2" name="타원 1"/>
           <p:cNvSpPr/>
           <p:nvPr/>
         </p:nvSpPr>
         <p:spPr>
           <a:xfrm>
-            <a:off x="1186775" y="2016867"/>
-            <a:ext cx="1926076" cy="1815831"/>
+            <a:off x="6349041" y="1682151"/>
+            <a:ext cx="5279367" cy="4192438"/>
           </a:xfrm>
           <a:prstGeom prst="ellipse">
             <a:avLst/>
           </a:prstGeom>
           <a:noFill/>
+          <a:ln w="28575">
+            <a:solidFill>
+              <a:schemeClr val="tx1"/>
+            </a:solidFill>
+          </a:ln>
         </p:spPr>
         <p:style>
           <a:lnRef idx="2">
@@ -4679,14 +4720,17 @@
           <a:p>
             <a:pPr algn="ctr"/>
             <a:r>
-              <a:rPr lang="ko-KR" altLang="en-US" sz="1600" dirty="0" smtClean="0">
+              <a:rPr lang="en-US" altLang="ko-KR" sz="3200" b="1" dirty="0" smtClean="0">
                 <a:solidFill>
                   <a:schemeClr val="tx1"/>
                 </a:solidFill>
               </a:rPr>
-              <a:t>브라우저</a:t>
-            </a:r>
-            <a:endParaRPr lang="en-US" altLang="ko-KR" sz="1600" dirty="0" smtClean="0">
+              <a:t>WAS</a:t>
+            </a:r>
+          </a:p>
+          <a:p>
+            <a:pPr algn="ctr"/>
+            <a:endParaRPr lang="en-US" altLang="ko-KR" sz="2400" dirty="0">
               <a:solidFill>
                 <a:schemeClr val="tx1"/>
               </a:solidFill>
@@ -4694,58 +4738,74 @@
           </a:p>
           <a:p>
             <a:pPr algn="ctr"/>
-            <a:endParaRPr lang="en-US" altLang="ko-KR" sz="1600" dirty="0">
+            <a:r>
+              <a:rPr lang="en-US" altLang="ko-KR" sz="2400" dirty="0" smtClean="0">
+                <a:solidFill>
+                  <a:schemeClr val="tx1"/>
+                </a:solidFill>
+              </a:rPr>
+              <a:t>tomcat , </a:t>
+            </a:r>
+            <a:r>
+              <a:rPr lang="en-US" altLang="ko-KR" sz="2400" dirty="0" err="1" smtClean="0">
+                <a:solidFill>
+                  <a:schemeClr val="tx1"/>
+                </a:solidFill>
+              </a:rPr>
+              <a:t>jeus</a:t>
+            </a:r>
+            <a:r>
+              <a:rPr lang="en-US" altLang="ko-KR" sz="2400" dirty="0" smtClean="0">
+                <a:solidFill>
+                  <a:schemeClr val="tx1"/>
+                </a:solidFill>
+              </a:rPr>
+              <a:t>, </a:t>
+            </a:r>
+            <a:r>
+              <a:rPr lang="en-US" altLang="ko-KR" sz="2400" dirty="0" err="1" smtClean="0">
+                <a:solidFill>
+                  <a:schemeClr val="tx1"/>
+                </a:solidFill>
+              </a:rPr>
+              <a:t>weblogic</a:t>
+            </a:r>
+            <a:r>
+              <a:rPr lang="en-US" altLang="ko-KR" sz="2400" dirty="0" smtClean="0">
+                <a:solidFill>
+                  <a:schemeClr val="tx1"/>
+                </a:solidFill>
+              </a:rPr>
+              <a:t>…</a:t>
+            </a:r>
+            <a:endParaRPr lang="ko-KR" altLang="en-US" sz="2400" dirty="0">
               <a:solidFill>
                 <a:schemeClr val="tx1"/>
               </a:solidFill>
             </a:endParaRPr>
           </a:p>
-          <a:p>
-            <a:pPr algn="ctr"/>
-            <a:r>
-              <a:rPr lang="ko-KR" altLang="en-US" sz="1600" dirty="0" smtClean="0">
-                <a:solidFill>
-                  <a:schemeClr val="tx1"/>
-                </a:solidFill>
-              </a:rPr>
-              <a:t>이름</a:t>
-            </a:r>
-            <a:endParaRPr lang="en-US" altLang="ko-KR" sz="1600" dirty="0" smtClean="0">
-              <a:solidFill>
-                <a:schemeClr val="tx1"/>
-              </a:solidFill>
-            </a:endParaRPr>
-          </a:p>
-          <a:p>
-            <a:pPr algn="ctr"/>
-            <a:r>
-              <a:rPr lang="ko-KR" altLang="en-US" sz="1600" dirty="0" smtClean="0">
-                <a:solidFill>
-                  <a:schemeClr val="tx1"/>
-                </a:solidFill>
-              </a:rPr>
-              <a:t>나이</a:t>
-            </a:r>
-            <a:endParaRPr lang="ko-KR" altLang="en-US" sz="1600" dirty="0">
-              <a:solidFill>
-                <a:schemeClr val="tx1"/>
-              </a:solidFill>
-            </a:endParaRPr>
-          </a:p>
-        </p:txBody>
-      </p:sp>
-      <p:cxnSp>
-        <p:nvCxnSpPr>
-          <p:cNvPr id="13" name="직선 연결선 12"/>
-          <p:cNvCxnSpPr/>
-          <p:nvPr/>
-        </p:nvCxnSpPr>
-        <p:spPr>
-          <a:xfrm>
-            <a:off x="1400782" y="1744493"/>
-            <a:ext cx="1374843" cy="0"/>
-          </a:xfrm>
-          <a:prstGeom prst="line">
+        </p:txBody>
+      </p:sp>
+      <p:pic>
+        <p:nvPicPr>
+          <p:cNvPr id="3" name="그림 2"/>
+          <p:cNvPicPr>
+            <a:picLocks noChangeAspect="1"/>
+          </p:cNvPicPr>
+          <p:nvPr/>
+        </p:nvPicPr>
+        <p:blipFill>
+          <a:blip r:embed="rId2"/>
+          <a:stretch>
+            <a:fillRect/>
+          </a:stretch>
+        </p:blipFill>
+        <p:spPr>
+          <a:xfrm>
+            <a:off x="343711" y="2115290"/>
+            <a:ext cx="5886091" cy="4524932"/>
+          </a:xfrm>
+          <a:prstGeom prst="rect">
             <a:avLst/>
           </a:prstGeom>
           <a:ln>
@@ -4754,66 +4814,21 @@
             </a:solidFill>
           </a:ln>
         </p:spPr>
-        <p:style>
-          <a:lnRef idx="1">
-            <a:schemeClr val="accent1"/>
-          </a:lnRef>
-          <a:fillRef idx="0">
-            <a:schemeClr val="accent1"/>
-          </a:fillRef>
-          <a:effectRef idx="0">
-            <a:schemeClr val="accent1"/>
-          </a:effectRef>
-          <a:fontRef idx="minor">
-            <a:schemeClr val="tx1"/>
-          </a:fontRef>
-        </p:style>
-      </p:cxnSp>
-      <p:sp>
-        <p:nvSpPr>
-          <p:cNvPr id="15" name="TextBox 14"/>
-          <p:cNvSpPr txBox="1"/>
-          <p:nvPr/>
-        </p:nvSpPr>
-        <p:spPr>
-          <a:xfrm>
-            <a:off x="1640147" y="1313392"/>
-            <a:ext cx="779381" cy="369332"/>
-          </a:xfrm>
-          <a:prstGeom prst="rect">
-            <a:avLst/>
-          </a:prstGeom>
-          <a:noFill/>
-        </p:spPr>
-        <p:txBody>
-          <a:bodyPr wrap="none" rtlCol="0">
-            <a:spAutoFit/>
-          </a:bodyPr>
-          <a:lstStyle/>
-          <a:p>
-            <a:r>
-              <a:rPr lang="en-US" altLang="ko-KR" dirty="0" smtClean="0"/>
-              <a:t>Client</a:t>
-            </a:r>
-            <a:endParaRPr lang="ko-KR" altLang="en-US" dirty="0"/>
-          </a:p>
-        </p:txBody>
-      </p:sp>
-      <p:sp>
-        <p:nvSpPr>
-          <p:cNvPr id="16" name="타원 15"/>
+      </p:pic>
+      <p:sp>
+        <p:nvSpPr>
+          <p:cNvPr id="7" name="오른쪽 화살표 6"/>
           <p:cNvSpPr/>
           <p:nvPr/>
         </p:nvSpPr>
         <p:spPr>
           <a:xfrm>
-            <a:off x="5486400" y="2165861"/>
-            <a:ext cx="1511030" cy="1446181"/>
-          </a:xfrm>
-          <a:prstGeom prst="ellipse">
-            <a:avLst/>
-          </a:prstGeom>
-          <a:noFill/>
+            <a:off x="5820979" y="3778370"/>
+            <a:ext cx="1097406" cy="1345721"/>
+          </a:xfrm>
+          <a:prstGeom prst="rightArrow">
+            <a:avLst/>
+          </a:prstGeom>
         </p:spPr>
         <p:style>
           <a:lnRef idx="2">
@@ -4836,648 +4851,6 @@
           <a:lstStyle/>
           <a:p>
             <a:pPr algn="ctr"/>
-            <a:r>
-              <a:rPr lang="ko-KR" altLang="en-US" sz="1600" dirty="0" smtClean="0">
-                <a:solidFill>
-                  <a:schemeClr val="tx1"/>
-                </a:solidFill>
-              </a:rPr>
-              <a:t>모델 </a:t>
-            </a:r>
-            <a:r>
-              <a:rPr lang="en-US" altLang="ko-KR" sz="1600" dirty="0" smtClean="0">
-                <a:solidFill>
-                  <a:schemeClr val="tx1"/>
-                </a:solidFill>
-              </a:rPr>
-              <a:t>1</a:t>
-            </a:r>
-          </a:p>
-          <a:p>
-            <a:pPr algn="ctr"/>
-            <a:endParaRPr lang="en-US" altLang="ko-KR" sz="1600" dirty="0">
-              <a:solidFill>
-                <a:schemeClr val="tx1"/>
-              </a:solidFill>
-            </a:endParaRPr>
-          </a:p>
-          <a:p>
-            <a:pPr algn="ctr"/>
-            <a:r>
-              <a:rPr lang="en-US" altLang="ko-KR" sz="1600" dirty="0" smtClean="0">
-                <a:solidFill>
-                  <a:schemeClr val="tx1"/>
-                </a:solidFill>
-              </a:rPr>
-              <a:t>Jsp</a:t>
-            </a:r>
-            <a:endParaRPr lang="ko-KR" altLang="en-US" sz="1600" dirty="0">
-              <a:solidFill>
-                <a:schemeClr val="tx1"/>
-              </a:solidFill>
-            </a:endParaRPr>
-          </a:p>
-        </p:txBody>
-      </p:sp>
-      <p:cxnSp>
-        <p:nvCxnSpPr>
-          <p:cNvPr id="17" name="직선 연결선 16"/>
-          <p:cNvCxnSpPr/>
-          <p:nvPr/>
-        </p:nvCxnSpPr>
-        <p:spPr>
-          <a:xfrm>
-            <a:off x="6624536" y="1744493"/>
-            <a:ext cx="1374843" cy="0"/>
-          </a:xfrm>
-          <a:prstGeom prst="line">
-            <a:avLst/>
-          </a:prstGeom>
-          <a:ln>
-            <a:solidFill>
-              <a:schemeClr val="tx1"/>
-            </a:solidFill>
-          </a:ln>
-        </p:spPr>
-        <p:style>
-          <a:lnRef idx="1">
-            <a:schemeClr val="accent1"/>
-          </a:lnRef>
-          <a:fillRef idx="0">
-            <a:schemeClr val="accent1"/>
-          </a:fillRef>
-          <a:effectRef idx="0">
-            <a:schemeClr val="accent1"/>
-          </a:effectRef>
-          <a:fontRef idx="minor">
-            <a:schemeClr val="tx1"/>
-          </a:fontRef>
-        </p:style>
-      </p:cxnSp>
-      <p:sp>
-        <p:nvSpPr>
-          <p:cNvPr id="18" name="TextBox 17"/>
-          <p:cNvSpPr txBox="1"/>
-          <p:nvPr/>
-        </p:nvSpPr>
-        <p:spPr>
-          <a:xfrm>
-            <a:off x="6863901" y="1313392"/>
-            <a:ext cx="840808" cy="369332"/>
-          </a:xfrm>
-          <a:prstGeom prst="rect">
-            <a:avLst/>
-          </a:prstGeom>
-          <a:noFill/>
-        </p:spPr>
-        <p:txBody>
-          <a:bodyPr wrap="none" rtlCol="0">
-            <a:spAutoFit/>
-          </a:bodyPr>
-          <a:lstStyle/>
-          <a:p>
-            <a:r>
-              <a:rPr lang="en-US" altLang="ko-KR" dirty="0" smtClean="0"/>
-              <a:t>Server</a:t>
-            </a:r>
-            <a:endParaRPr lang="ko-KR" altLang="en-US" dirty="0"/>
-          </a:p>
-        </p:txBody>
-      </p:sp>
-      <p:sp>
-        <p:nvSpPr>
-          <p:cNvPr id="19" name="오른쪽 화살표 18"/>
-          <p:cNvSpPr/>
-          <p:nvPr/>
-        </p:nvSpPr>
-        <p:spPr>
-          <a:xfrm>
-            <a:off x="3664085" y="2649165"/>
-            <a:ext cx="1271081" cy="551234"/>
-          </a:xfrm>
-          <a:prstGeom prst="rightArrow">
-            <a:avLst/>
-          </a:prstGeom>
-          <a:solidFill>
-            <a:schemeClr val="bg2"/>
-          </a:solidFill>
-          <a:ln>
-            <a:noFill/>
-          </a:ln>
-        </p:spPr>
-        <p:style>
-          <a:lnRef idx="2">
-            <a:schemeClr val="accent1">
-              <a:shade val="50000"/>
-            </a:schemeClr>
-          </a:lnRef>
-          <a:fillRef idx="1">
-            <a:schemeClr val="accent1"/>
-          </a:fillRef>
-          <a:effectRef idx="0">
-            <a:schemeClr val="accent1"/>
-          </a:effectRef>
-          <a:fontRef idx="minor">
-            <a:schemeClr val="lt1"/>
-          </a:fontRef>
-        </p:style>
-        <p:txBody>
-          <a:bodyPr rtlCol="0" anchor="ctr"/>
-          <a:lstStyle/>
-          <a:p>
-            <a:pPr algn="ctr"/>
-            <a:endParaRPr lang="ko-KR" altLang="en-US" dirty="0"/>
-          </a:p>
-        </p:txBody>
-      </p:sp>
-      <p:sp>
-        <p:nvSpPr>
-          <p:cNvPr id="20" name="타원 19"/>
-          <p:cNvSpPr/>
-          <p:nvPr/>
-        </p:nvSpPr>
-        <p:spPr>
-          <a:xfrm>
-            <a:off x="7288675" y="2165860"/>
-            <a:ext cx="1511030" cy="1446181"/>
-          </a:xfrm>
-          <a:prstGeom prst="ellipse">
-            <a:avLst/>
-          </a:prstGeom>
-          <a:solidFill>
-            <a:schemeClr val="bg1">
-              <a:lumMod val="95000"/>
-            </a:schemeClr>
-          </a:solidFill>
-        </p:spPr>
-        <p:style>
-          <a:lnRef idx="2">
-            <a:schemeClr val="accent1">
-              <a:shade val="50000"/>
-            </a:schemeClr>
-          </a:lnRef>
-          <a:fillRef idx="1">
-            <a:schemeClr val="accent1"/>
-          </a:fillRef>
-          <a:effectRef idx="0">
-            <a:schemeClr val="accent1"/>
-          </a:effectRef>
-          <a:fontRef idx="minor">
-            <a:schemeClr val="lt1"/>
-          </a:fontRef>
-        </p:style>
-        <p:txBody>
-          <a:bodyPr rtlCol="0" anchor="ctr"/>
-          <a:lstStyle/>
-          <a:p>
-            <a:pPr algn="ctr"/>
-            <a:r>
-              <a:rPr lang="ko-KR" altLang="en-US" sz="1600" b="1" dirty="0" smtClean="0">
-                <a:solidFill>
-                  <a:schemeClr val="tx1"/>
-                </a:solidFill>
-              </a:rPr>
-              <a:t>모델 </a:t>
-            </a:r>
-            <a:r>
-              <a:rPr lang="en-US" altLang="ko-KR" sz="1600" b="1" dirty="0" smtClean="0">
-                <a:solidFill>
-                  <a:schemeClr val="tx1"/>
-                </a:solidFill>
-              </a:rPr>
-              <a:t>2</a:t>
-            </a:r>
-          </a:p>
-          <a:p>
-            <a:pPr algn="ctr"/>
-            <a:endParaRPr lang="en-US" altLang="ko-KR" sz="1600" b="1" dirty="0">
-              <a:solidFill>
-                <a:schemeClr val="tx1"/>
-              </a:solidFill>
-            </a:endParaRPr>
-          </a:p>
-          <a:p>
-            <a:pPr algn="ctr"/>
-            <a:r>
-              <a:rPr lang="en-US" altLang="ko-KR" sz="1600" b="1" dirty="0" smtClean="0">
-                <a:solidFill>
-                  <a:schemeClr val="tx1"/>
-                </a:solidFill>
-              </a:rPr>
-              <a:t>MVC </a:t>
-            </a:r>
-          </a:p>
-          <a:p>
-            <a:pPr algn="ctr"/>
-            <a:r>
-              <a:rPr lang="en-US" altLang="ko-KR" sz="1600" b="1" dirty="0" smtClean="0">
-                <a:solidFill>
-                  <a:schemeClr val="tx1"/>
-                </a:solidFill>
-              </a:rPr>
-              <a:t>(Servlet)</a:t>
-            </a:r>
-            <a:endParaRPr lang="ko-KR" altLang="en-US" sz="1600" b="1" dirty="0">
-              <a:solidFill>
-                <a:schemeClr val="tx1"/>
-              </a:solidFill>
-            </a:endParaRPr>
-          </a:p>
-        </p:txBody>
-      </p:sp>
-      <p:sp>
-        <p:nvSpPr>
-          <p:cNvPr id="23" name="타원 22"/>
-          <p:cNvSpPr/>
-          <p:nvPr/>
-        </p:nvSpPr>
-        <p:spPr>
-          <a:xfrm>
-            <a:off x="9090950" y="2165859"/>
-            <a:ext cx="1511030" cy="1446181"/>
-          </a:xfrm>
-          <a:prstGeom prst="ellipse">
-            <a:avLst/>
-          </a:prstGeom>
-          <a:noFill/>
-        </p:spPr>
-        <p:style>
-          <a:lnRef idx="2">
-            <a:schemeClr val="accent1">
-              <a:shade val="50000"/>
-            </a:schemeClr>
-          </a:lnRef>
-          <a:fillRef idx="1">
-            <a:schemeClr val="accent1"/>
-          </a:fillRef>
-          <a:effectRef idx="0">
-            <a:schemeClr val="accent1"/>
-          </a:effectRef>
-          <a:fontRef idx="minor">
-            <a:schemeClr val="lt1"/>
-          </a:fontRef>
-        </p:style>
-        <p:txBody>
-          <a:bodyPr rtlCol="0" anchor="ctr"/>
-          <a:lstStyle/>
-          <a:p>
-            <a:pPr algn="ctr"/>
-            <a:r>
-              <a:rPr lang="ko-KR" altLang="en-US" sz="1600" dirty="0" smtClean="0">
-                <a:solidFill>
-                  <a:schemeClr val="tx1"/>
-                </a:solidFill>
-              </a:rPr>
-              <a:t>모델 </a:t>
-            </a:r>
-            <a:r>
-              <a:rPr lang="en-US" altLang="ko-KR" sz="1600" dirty="0" smtClean="0">
-                <a:solidFill>
-                  <a:schemeClr val="tx1"/>
-                </a:solidFill>
-              </a:rPr>
-              <a:t>2</a:t>
-            </a:r>
-          </a:p>
-          <a:p>
-            <a:pPr algn="ctr"/>
-            <a:endParaRPr lang="en-US" altLang="ko-KR" sz="1600" dirty="0">
-              <a:solidFill>
-                <a:schemeClr val="tx1"/>
-              </a:solidFill>
-            </a:endParaRPr>
-          </a:p>
-          <a:p>
-            <a:pPr algn="ctr"/>
-            <a:r>
-              <a:rPr lang="ko-KR" altLang="en-US" sz="1600" dirty="0" smtClean="0">
-                <a:solidFill>
-                  <a:schemeClr val="tx1"/>
-                </a:solidFill>
-              </a:rPr>
-              <a:t>스프링</a:t>
-            </a:r>
-            <a:endParaRPr lang="en-US" altLang="ko-KR" sz="1600" dirty="0">
-              <a:solidFill>
-                <a:schemeClr val="tx1"/>
-              </a:solidFill>
-            </a:endParaRPr>
-          </a:p>
-        </p:txBody>
-      </p:sp>
-      <p:sp>
-        <p:nvSpPr>
-          <p:cNvPr id="24" name="타원 23"/>
-          <p:cNvSpPr/>
-          <p:nvPr/>
-        </p:nvSpPr>
-        <p:spPr>
-          <a:xfrm>
-            <a:off x="1186775" y="4105071"/>
-            <a:ext cx="1926076" cy="1815831"/>
-          </a:xfrm>
-          <a:prstGeom prst="ellipse">
-            <a:avLst/>
-          </a:prstGeom>
-          <a:noFill/>
-        </p:spPr>
-        <p:style>
-          <a:lnRef idx="2">
-            <a:schemeClr val="accent1">
-              <a:shade val="50000"/>
-            </a:schemeClr>
-          </a:lnRef>
-          <a:fillRef idx="1">
-            <a:schemeClr val="accent1"/>
-          </a:fillRef>
-          <a:effectRef idx="0">
-            <a:schemeClr val="accent1"/>
-          </a:effectRef>
-          <a:fontRef idx="minor">
-            <a:schemeClr val="lt1"/>
-          </a:fontRef>
-        </p:style>
-        <p:txBody>
-          <a:bodyPr rtlCol="0" anchor="ctr"/>
-          <a:lstStyle/>
-          <a:p>
-            <a:pPr algn="ctr"/>
-            <a:r>
-              <a:rPr lang="ko-KR" altLang="en-US" sz="1600" dirty="0" smtClean="0">
-                <a:solidFill>
-                  <a:schemeClr val="tx1"/>
-                </a:solidFill>
-              </a:rPr>
-              <a:t>브라우저</a:t>
-            </a:r>
-            <a:endParaRPr lang="en-US" altLang="ko-KR" sz="1600" dirty="0" smtClean="0">
-              <a:solidFill>
-                <a:schemeClr val="tx1"/>
-              </a:solidFill>
-            </a:endParaRPr>
-          </a:p>
-          <a:p>
-            <a:pPr algn="ctr"/>
-            <a:endParaRPr lang="en-US" altLang="ko-KR" sz="1600" dirty="0">
-              <a:solidFill>
-                <a:schemeClr val="tx1"/>
-              </a:solidFill>
-            </a:endParaRPr>
-          </a:p>
-          <a:p>
-            <a:pPr algn="ctr"/>
-            <a:r>
-              <a:rPr lang="en-US" altLang="ko-KR" sz="1600" dirty="0" smtClean="0">
-                <a:solidFill>
-                  <a:schemeClr val="tx1"/>
-                </a:solidFill>
-              </a:rPr>
-              <a:t>View JSP</a:t>
-            </a:r>
-            <a:endParaRPr lang="ko-KR" altLang="en-US" sz="1600" dirty="0">
-              <a:solidFill>
-                <a:schemeClr val="tx1"/>
-              </a:solidFill>
-            </a:endParaRPr>
-          </a:p>
-        </p:txBody>
-      </p:sp>
-      <p:sp>
-        <p:nvSpPr>
-          <p:cNvPr id="25" name="이등변 삼각형 24"/>
-          <p:cNvSpPr/>
-          <p:nvPr/>
-        </p:nvSpPr>
-        <p:spPr>
-          <a:xfrm rot="10800000">
-            <a:off x="6413771" y="4033405"/>
-            <a:ext cx="3002604" cy="350196"/>
-          </a:xfrm>
-          <a:prstGeom prst="triangle">
-            <a:avLst/>
-          </a:prstGeom>
-          <a:solidFill>
-            <a:schemeClr val="bg2">
-              <a:lumMod val="90000"/>
-            </a:schemeClr>
-          </a:solidFill>
-          <a:ln>
-            <a:noFill/>
-          </a:ln>
-        </p:spPr>
-        <p:style>
-          <a:lnRef idx="2">
-            <a:schemeClr val="accent1">
-              <a:shade val="50000"/>
-            </a:schemeClr>
-          </a:lnRef>
-          <a:fillRef idx="1">
-            <a:schemeClr val="accent1"/>
-          </a:fillRef>
-          <a:effectRef idx="0">
-            <a:schemeClr val="accent1"/>
-          </a:effectRef>
-          <a:fontRef idx="minor">
-            <a:schemeClr val="lt1"/>
-          </a:fontRef>
-        </p:style>
-        <p:txBody>
-          <a:bodyPr rtlCol="0" anchor="ctr"/>
-          <a:lstStyle/>
-          <a:p>
-            <a:pPr algn="ctr"/>
-            <a:endParaRPr lang="ko-KR" altLang="en-US"/>
-          </a:p>
-        </p:txBody>
-      </p:sp>
-      <p:sp>
-        <p:nvSpPr>
-          <p:cNvPr id="27" name="타원 26"/>
-          <p:cNvSpPr/>
-          <p:nvPr/>
-        </p:nvSpPr>
-        <p:spPr>
-          <a:xfrm>
-            <a:off x="7118137" y="4562105"/>
-            <a:ext cx="1511030" cy="1446181"/>
-          </a:xfrm>
-          <a:prstGeom prst="ellipse">
-            <a:avLst/>
-          </a:prstGeom>
-          <a:noFill/>
-        </p:spPr>
-        <p:style>
-          <a:lnRef idx="2">
-            <a:schemeClr val="accent1">
-              <a:shade val="50000"/>
-            </a:schemeClr>
-          </a:lnRef>
-          <a:fillRef idx="1">
-            <a:schemeClr val="accent1"/>
-          </a:fillRef>
-          <a:effectRef idx="0">
-            <a:schemeClr val="accent1"/>
-          </a:effectRef>
-          <a:fontRef idx="minor">
-            <a:schemeClr val="lt1"/>
-          </a:fontRef>
-        </p:style>
-        <p:txBody>
-          <a:bodyPr rtlCol="0" anchor="ctr"/>
-          <a:lstStyle/>
-          <a:p>
-            <a:pPr algn="ctr"/>
-            <a:r>
-              <a:rPr lang="en-US" altLang="ko-KR" sz="1600" dirty="0" smtClean="0">
-                <a:solidFill>
-                  <a:schemeClr val="tx1"/>
-                </a:solidFill>
-              </a:rPr>
-              <a:t>DB</a:t>
-            </a:r>
-          </a:p>
-          <a:p>
-            <a:pPr algn="ctr"/>
-            <a:endParaRPr lang="en-US" altLang="ko-KR" sz="1600" dirty="0">
-              <a:solidFill>
-                <a:schemeClr val="tx1"/>
-              </a:solidFill>
-            </a:endParaRPr>
-          </a:p>
-          <a:p>
-            <a:pPr algn="ctr"/>
-            <a:r>
-              <a:rPr lang="en-US" altLang="ko-KR" sz="1600" dirty="0" smtClean="0">
-                <a:solidFill>
-                  <a:schemeClr val="tx1"/>
-                </a:solidFill>
-              </a:rPr>
-              <a:t>Oracle</a:t>
-            </a:r>
-            <a:endParaRPr lang="en-US" altLang="ko-KR" sz="1600" dirty="0">
-              <a:solidFill>
-                <a:schemeClr val="tx1"/>
-              </a:solidFill>
-            </a:endParaRPr>
-          </a:p>
-        </p:txBody>
-      </p:sp>
-      <p:sp>
-        <p:nvSpPr>
-          <p:cNvPr id="9" name="아래쪽 화살표 8"/>
-          <p:cNvSpPr/>
-          <p:nvPr/>
-        </p:nvSpPr>
-        <p:spPr>
-          <a:xfrm rot="3323332">
-            <a:off x="4116418" y="3605662"/>
-            <a:ext cx="484632" cy="1504505"/>
-          </a:xfrm>
-          <a:prstGeom prst="downArrow">
-            <a:avLst/>
-          </a:prstGeom>
-        </p:spPr>
-        <p:style>
-          <a:lnRef idx="2">
-            <a:schemeClr val="accent1">
-              <a:shade val="50000"/>
-            </a:schemeClr>
-          </a:lnRef>
-          <a:fillRef idx="1">
-            <a:schemeClr val="accent1"/>
-          </a:fillRef>
-          <a:effectRef idx="0">
-            <a:schemeClr val="accent1"/>
-          </a:effectRef>
-          <a:fontRef idx="minor">
-            <a:schemeClr val="lt1"/>
-          </a:fontRef>
-        </p:style>
-        <p:txBody>
-          <a:bodyPr rtlCol="0" anchor="ctr"/>
-          <a:lstStyle/>
-          <a:p>
-            <a:pPr algn="ctr"/>
-            <a:endParaRPr lang="ko-KR" altLang="en-US"/>
-          </a:p>
-        </p:txBody>
-      </p:sp>
-      <p:sp>
-        <p:nvSpPr>
-          <p:cNvPr id="10" name="오른쪽 화살표 9"/>
-          <p:cNvSpPr/>
-          <p:nvPr/>
-        </p:nvSpPr>
-        <p:spPr>
-          <a:xfrm>
-            <a:off x="7048434" y="2682466"/>
-            <a:ext cx="189237" cy="484632"/>
-          </a:xfrm>
-          <a:prstGeom prst="rightArrow">
-            <a:avLst/>
-          </a:prstGeom>
-        </p:spPr>
-        <p:style>
-          <a:lnRef idx="2">
-            <a:schemeClr val="accent1">
-              <a:shade val="50000"/>
-            </a:schemeClr>
-          </a:lnRef>
-          <a:fillRef idx="1">
-            <a:schemeClr val="accent1"/>
-          </a:fillRef>
-          <a:effectRef idx="0">
-            <a:schemeClr val="accent1"/>
-          </a:effectRef>
-          <a:fontRef idx="minor">
-            <a:schemeClr val="lt1"/>
-          </a:fontRef>
-        </p:style>
-        <p:txBody>
-          <a:bodyPr rtlCol="0" anchor="ctr"/>
-          <a:lstStyle/>
-          <a:p>
-            <a:pPr algn="ctr"/>
-            <a:endParaRPr lang="ko-KR" altLang="en-US"/>
-          </a:p>
-        </p:txBody>
-      </p:sp>
-      <p:sp>
-        <p:nvSpPr>
-          <p:cNvPr id="28" name="오른쪽 화살표 27"/>
-          <p:cNvSpPr/>
-          <p:nvPr/>
-        </p:nvSpPr>
-        <p:spPr>
-          <a:xfrm>
-            <a:off x="8850709" y="2681801"/>
-            <a:ext cx="189237" cy="484632"/>
-          </a:xfrm>
-          <a:prstGeom prst="rightArrow">
-            <a:avLst/>
-          </a:prstGeom>
-        </p:spPr>
-        <p:style>
-          <a:lnRef idx="2">
-            <a:schemeClr val="accent1">
-              <a:shade val="50000"/>
-            </a:schemeClr>
-          </a:lnRef>
-          <a:fillRef idx="1">
-            <a:schemeClr val="accent1"/>
-          </a:fillRef>
-          <a:effectRef idx="0">
-            <a:schemeClr val="accent1"/>
-          </a:effectRef>
-          <a:fontRef idx="minor">
-            <a:schemeClr val="lt1"/>
-          </a:fontRef>
-        </p:style>
-        <p:txBody>
-          <a:bodyPr rtlCol="0" anchor="ctr"/>
-          <a:lstStyle/>
-          <a:p>
-            <a:pPr algn="ctr"/>
             <a:endParaRPr lang="ko-KR" altLang="en-US"/>
           </a:p>
         </p:txBody>
@@ -5485,7 +4858,7 @@
     </p:spTree>
     <p:extLst>
       <p:ext uri="{BB962C8B-B14F-4D97-AF65-F5344CB8AC3E}">
-        <p14:creationId xmlns:p14="http://schemas.microsoft.com/office/powerpoint/2010/main" val="2214152032"/>
+        <p14:creationId xmlns:p14="http://schemas.microsoft.com/office/powerpoint/2010/main" val="1491189059"/>
       </p:ext>
     </p:extLst>
   </p:cSld>
@@ -5556,7 +4929,7 @@
         <p:spPr>
           <a:xfrm>
             <a:off x="343711" y="90791"/>
-            <a:ext cx="2090637" cy="369332"/>
+            <a:ext cx="1229824" cy="369332"/>
           </a:xfrm>
           <a:prstGeom prst="rect">
             <a:avLst/>
@@ -5571,15 +4944,11 @@
           <a:p>
             <a:r>
               <a:rPr lang="ko-KR" altLang="en-US" b="1" dirty="0" smtClean="0"/>
-              <a:t>모델 </a:t>
+              <a:t>시나리오</a:t>
             </a:r>
             <a:r>
               <a:rPr lang="en-US" altLang="ko-KR" b="1" dirty="0" smtClean="0"/>
-              <a:t>2 </a:t>
-            </a:r>
-            <a:r>
-              <a:rPr lang="ko-KR" altLang="en-US" b="1" dirty="0" smtClean="0"/>
-              <a:t>학습 방법 </a:t>
+              <a:t>..</a:t>
             </a:r>
             <a:endParaRPr lang="ko-KR" altLang="en-US" b="1" dirty="0"/>
           </a:p>
@@ -5621,23 +4990,19 @@
       </p:sp>
       <p:sp>
         <p:nvSpPr>
-          <p:cNvPr id="3" name="모서리가 둥근 직사각형 2"/>
+          <p:cNvPr id="12" name="타원 11"/>
           <p:cNvSpPr/>
           <p:nvPr/>
         </p:nvSpPr>
         <p:spPr>
           <a:xfrm>
-            <a:off x="4159385" y="1958196"/>
-            <a:ext cx="1861868" cy="943155"/>
-          </a:xfrm>
-          <a:prstGeom prst="roundRect">
-            <a:avLst/>
-          </a:prstGeom>
-          <a:solidFill>
-            <a:schemeClr val="bg1">
-              <a:lumMod val="85000"/>
-            </a:schemeClr>
-          </a:solidFill>
+            <a:off x="1186775" y="2016867"/>
+            <a:ext cx="1926076" cy="1815831"/>
+          </a:xfrm>
+          <a:prstGeom prst="ellipse">
+            <a:avLst/>
+          </a:prstGeom>
+          <a:noFill/>
         </p:spPr>
         <p:style>
           <a:lnRef idx="2">
@@ -5661,40 +5026,141 @@
           <a:p>
             <a:pPr algn="ctr"/>
             <a:r>
-              <a:rPr lang="en-US" altLang="ko-KR" dirty="0" smtClean="0">
+              <a:rPr lang="ko-KR" altLang="en-US" sz="1600" dirty="0" smtClean="0">
                 <a:solidFill>
                   <a:schemeClr val="tx1"/>
                 </a:solidFill>
               </a:rPr>
-              <a:t>list.jsp</a:t>
-            </a:r>
-            <a:endParaRPr lang="ko-KR" altLang="en-US" dirty="0">
+              <a:t>브라우저</a:t>
+            </a:r>
+            <a:endParaRPr lang="en-US" altLang="ko-KR" sz="1600" dirty="0" smtClean="0">
               <a:solidFill>
                 <a:schemeClr val="tx1"/>
               </a:solidFill>
             </a:endParaRPr>
           </a:p>
-        </p:txBody>
-      </p:sp>
-      <p:sp>
-        <p:nvSpPr>
-          <p:cNvPr id="23" name="모서리가 둥근 직사각형 22"/>
+          <a:p>
+            <a:pPr algn="ctr"/>
+            <a:endParaRPr lang="en-US" altLang="ko-KR" sz="1600" dirty="0">
+              <a:solidFill>
+                <a:schemeClr val="tx1"/>
+              </a:solidFill>
+            </a:endParaRPr>
+          </a:p>
+          <a:p>
+            <a:pPr algn="ctr"/>
+            <a:r>
+              <a:rPr lang="ko-KR" altLang="en-US" sz="1600" dirty="0" smtClean="0">
+                <a:solidFill>
+                  <a:schemeClr val="tx1"/>
+                </a:solidFill>
+              </a:rPr>
+              <a:t>이름</a:t>
+            </a:r>
+            <a:endParaRPr lang="en-US" altLang="ko-KR" sz="1600" dirty="0" smtClean="0">
+              <a:solidFill>
+                <a:schemeClr val="tx1"/>
+              </a:solidFill>
+            </a:endParaRPr>
+          </a:p>
+          <a:p>
+            <a:pPr algn="ctr"/>
+            <a:r>
+              <a:rPr lang="ko-KR" altLang="en-US" sz="1600" dirty="0" smtClean="0">
+                <a:solidFill>
+                  <a:schemeClr val="tx1"/>
+                </a:solidFill>
+              </a:rPr>
+              <a:t>나이</a:t>
+            </a:r>
+            <a:endParaRPr lang="ko-KR" altLang="en-US" sz="1600" dirty="0">
+              <a:solidFill>
+                <a:schemeClr val="tx1"/>
+              </a:solidFill>
+            </a:endParaRPr>
+          </a:p>
+        </p:txBody>
+      </p:sp>
+      <p:cxnSp>
+        <p:nvCxnSpPr>
+          <p:cNvPr id="13" name="직선 연결선 12"/>
+          <p:cNvCxnSpPr/>
+          <p:nvPr/>
+        </p:nvCxnSpPr>
+        <p:spPr>
+          <a:xfrm>
+            <a:off x="1400782" y="1744493"/>
+            <a:ext cx="1374843" cy="0"/>
+          </a:xfrm>
+          <a:prstGeom prst="line">
+            <a:avLst/>
+          </a:prstGeom>
+          <a:ln>
+            <a:solidFill>
+              <a:schemeClr val="tx1"/>
+            </a:solidFill>
+          </a:ln>
+        </p:spPr>
+        <p:style>
+          <a:lnRef idx="1">
+            <a:schemeClr val="accent1"/>
+          </a:lnRef>
+          <a:fillRef idx="0">
+            <a:schemeClr val="accent1"/>
+          </a:fillRef>
+          <a:effectRef idx="0">
+            <a:schemeClr val="accent1"/>
+          </a:effectRef>
+          <a:fontRef idx="minor">
+            <a:schemeClr val="tx1"/>
+          </a:fontRef>
+        </p:style>
+      </p:cxnSp>
+      <p:sp>
+        <p:nvSpPr>
+          <p:cNvPr id="15" name="TextBox 14"/>
+          <p:cNvSpPr txBox="1"/>
+          <p:nvPr/>
+        </p:nvSpPr>
+        <p:spPr>
+          <a:xfrm>
+            <a:off x="1640147" y="1313392"/>
+            <a:ext cx="779381" cy="369332"/>
+          </a:xfrm>
+          <a:prstGeom prst="rect">
+            <a:avLst/>
+          </a:prstGeom>
+          <a:noFill/>
+        </p:spPr>
+        <p:txBody>
+          <a:bodyPr wrap="none" rtlCol="0">
+            <a:spAutoFit/>
+          </a:bodyPr>
+          <a:lstStyle/>
+          <a:p>
+            <a:r>
+              <a:rPr lang="en-US" altLang="ko-KR" dirty="0" smtClean="0"/>
+              <a:t>Client</a:t>
+            </a:r>
+            <a:endParaRPr lang="ko-KR" altLang="en-US" dirty="0"/>
+          </a:p>
+        </p:txBody>
+      </p:sp>
+      <p:sp>
+        <p:nvSpPr>
+          <p:cNvPr id="16" name="타원 15"/>
           <p:cNvSpPr/>
           <p:nvPr/>
         </p:nvSpPr>
         <p:spPr>
           <a:xfrm>
-            <a:off x="4159385" y="3197528"/>
-            <a:ext cx="1861868" cy="943155"/>
-          </a:xfrm>
-          <a:prstGeom prst="roundRect">
-            <a:avLst/>
-          </a:prstGeom>
-          <a:solidFill>
-            <a:schemeClr val="bg1">
-              <a:lumMod val="85000"/>
-            </a:schemeClr>
-          </a:solidFill>
+            <a:off x="5486400" y="2165861"/>
+            <a:ext cx="1511030" cy="1446181"/>
+          </a:xfrm>
+          <a:prstGeom prst="ellipse">
+            <a:avLst/>
+          </a:prstGeom>
+          <a:noFill/>
         </p:spPr>
         <p:style>
           <a:lnRef idx="2">
@@ -5718,40 +5184,133 @@
           <a:p>
             <a:pPr algn="ctr"/>
             <a:r>
-              <a:rPr lang="en-US" altLang="ko-KR" dirty="0" smtClean="0">
+              <a:rPr lang="ko-KR" altLang="en-US" sz="1600" dirty="0" smtClean="0">
                 <a:solidFill>
                   <a:schemeClr val="tx1"/>
                 </a:solidFill>
               </a:rPr>
-              <a:t>retist_proc.jsp</a:t>
-            </a:r>
-            <a:endParaRPr lang="ko-KR" altLang="en-US" dirty="0">
+              <a:t>모델 </a:t>
+            </a:r>
+            <a:r>
+              <a:rPr lang="en-US" altLang="ko-KR" sz="1600" dirty="0" smtClean="0">
+                <a:solidFill>
+                  <a:schemeClr val="tx1"/>
+                </a:solidFill>
+              </a:rPr>
+              <a:t>1</a:t>
+            </a:r>
+          </a:p>
+          <a:p>
+            <a:pPr algn="ctr"/>
+            <a:endParaRPr lang="en-US" altLang="ko-KR" sz="1600" dirty="0">
               <a:solidFill>
                 <a:schemeClr val="tx1"/>
               </a:solidFill>
             </a:endParaRPr>
           </a:p>
-        </p:txBody>
-      </p:sp>
-      <p:sp>
-        <p:nvSpPr>
-          <p:cNvPr id="25" name="모서리가 둥근 직사각형 24"/>
+          <a:p>
+            <a:pPr algn="ctr"/>
+            <a:r>
+              <a:rPr lang="en-US" altLang="ko-KR" sz="1600" dirty="0" smtClean="0">
+                <a:solidFill>
+                  <a:schemeClr val="tx1"/>
+                </a:solidFill>
+              </a:rPr>
+              <a:t>Jsp</a:t>
+            </a:r>
+            <a:endParaRPr lang="ko-KR" altLang="en-US" sz="1600" dirty="0">
+              <a:solidFill>
+                <a:schemeClr val="tx1"/>
+              </a:solidFill>
+            </a:endParaRPr>
+          </a:p>
+        </p:txBody>
+      </p:sp>
+      <p:cxnSp>
+        <p:nvCxnSpPr>
+          <p:cNvPr id="17" name="직선 연결선 16"/>
+          <p:cNvCxnSpPr/>
+          <p:nvPr/>
+        </p:nvCxnSpPr>
+        <p:spPr>
+          <a:xfrm>
+            <a:off x="6624536" y="1744493"/>
+            <a:ext cx="1374843" cy="0"/>
+          </a:xfrm>
+          <a:prstGeom prst="line">
+            <a:avLst/>
+          </a:prstGeom>
+          <a:ln>
+            <a:solidFill>
+              <a:schemeClr val="tx1"/>
+            </a:solidFill>
+          </a:ln>
+        </p:spPr>
+        <p:style>
+          <a:lnRef idx="1">
+            <a:schemeClr val="accent1"/>
+          </a:lnRef>
+          <a:fillRef idx="0">
+            <a:schemeClr val="accent1"/>
+          </a:fillRef>
+          <a:effectRef idx="0">
+            <a:schemeClr val="accent1"/>
+          </a:effectRef>
+          <a:fontRef idx="minor">
+            <a:schemeClr val="tx1"/>
+          </a:fontRef>
+        </p:style>
+      </p:cxnSp>
+      <p:sp>
+        <p:nvSpPr>
+          <p:cNvPr id="18" name="TextBox 17"/>
+          <p:cNvSpPr txBox="1"/>
+          <p:nvPr/>
+        </p:nvSpPr>
+        <p:spPr>
+          <a:xfrm>
+            <a:off x="6863901" y="1313392"/>
+            <a:ext cx="840808" cy="369332"/>
+          </a:xfrm>
+          <a:prstGeom prst="rect">
+            <a:avLst/>
+          </a:prstGeom>
+          <a:noFill/>
+        </p:spPr>
+        <p:txBody>
+          <a:bodyPr wrap="none" rtlCol="0">
+            <a:spAutoFit/>
+          </a:bodyPr>
+          <a:lstStyle/>
+          <a:p>
+            <a:r>
+              <a:rPr lang="en-US" altLang="ko-KR" dirty="0" smtClean="0"/>
+              <a:t>Server</a:t>
+            </a:r>
+            <a:endParaRPr lang="ko-KR" altLang="en-US" dirty="0"/>
+          </a:p>
+        </p:txBody>
+      </p:sp>
+      <p:sp>
+        <p:nvSpPr>
+          <p:cNvPr id="19" name="오른쪽 화살표 18"/>
           <p:cNvSpPr/>
           <p:nvPr/>
         </p:nvSpPr>
         <p:spPr>
           <a:xfrm>
-            <a:off x="4168012" y="4505864"/>
-            <a:ext cx="1861868" cy="943155"/>
-          </a:xfrm>
-          <a:prstGeom prst="roundRect">
+            <a:off x="3664085" y="2649165"/>
+            <a:ext cx="1271081" cy="551234"/>
+          </a:xfrm>
+          <a:prstGeom prst="rightArrow">
             <a:avLst/>
           </a:prstGeom>
           <a:solidFill>
-            <a:schemeClr val="bg1">
-              <a:lumMod val="85000"/>
-            </a:schemeClr>
+            <a:schemeClr val="bg2"/>
           </a:solidFill>
+          <a:ln>
+            <a:noFill/>
+          </a:ln>
         </p:spPr>
         <p:style>
           <a:lnRef idx="2">
@@ -5774,162 +5333,29 @@
           <a:lstStyle/>
           <a:p>
             <a:pPr algn="ctr"/>
-            <a:r>
-              <a:rPr lang="en-US" altLang="ko-KR" dirty="0" smtClean="0">
-                <a:solidFill>
-                  <a:schemeClr val="tx1"/>
-                </a:solidFill>
-              </a:rPr>
-              <a:t>delete.jsp</a:t>
-            </a:r>
-            <a:endParaRPr lang="ko-KR" altLang="en-US" dirty="0">
-              <a:solidFill>
-                <a:schemeClr val="tx1"/>
-              </a:solidFill>
-            </a:endParaRPr>
-          </a:p>
-        </p:txBody>
-      </p:sp>
-      <p:sp>
-        <p:nvSpPr>
-          <p:cNvPr id="8" name="TextBox 7"/>
-          <p:cNvSpPr txBox="1"/>
-          <p:nvPr/>
-        </p:nvSpPr>
-        <p:spPr>
-          <a:xfrm>
-            <a:off x="4609068" y="991311"/>
-            <a:ext cx="979755" cy="369332"/>
-          </a:xfrm>
-          <a:prstGeom prst="rect">
-            <a:avLst/>
-          </a:prstGeom>
-          <a:noFill/>
-        </p:spPr>
-        <p:txBody>
-          <a:bodyPr wrap="none" rtlCol="0">
-            <a:spAutoFit/>
-          </a:bodyPr>
-          <a:lstStyle/>
-          <a:p>
-            <a:r>
-              <a:rPr lang="en-US" altLang="ko-KR" dirty="0" smtClean="0"/>
-              <a:t>Model1</a:t>
-            </a:r>
             <a:endParaRPr lang="ko-KR" altLang="en-US" dirty="0"/>
           </a:p>
         </p:txBody>
       </p:sp>
       <p:sp>
         <p:nvSpPr>
-          <p:cNvPr id="28" name="TextBox 27"/>
-          <p:cNvSpPr txBox="1"/>
-          <p:nvPr/>
-        </p:nvSpPr>
-        <p:spPr>
-          <a:xfrm>
-            <a:off x="8789988" y="975587"/>
-            <a:ext cx="1559658" cy="369332"/>
-          </a:xfrm>
-          <a:prstGeom prst="rect">
-            <a:avLst/>
-          </a:prstGeom>
-          <a:noFill/>
-        </p:spPr>
-        <p:txBody>
-          <a:bodyPr wrap="none" rtlCol="0">
-            <a:spAutoFit/>
-          </a:bodyPr>
-          <a:lstStyle/>
-          <a:p>
-            <a:r>
-              <a:rPr lang="en-US" altLang="ko-KR" dirty="0" smtClean="0"/>
-              <a:t>Model2 MVC</a:t>
-            </a:r>
-            <a:endParaRPr lang="ko-KR" altLang="en-US" dirty="0"/>
-          </a:p>
-        </p:txBody>
-      </p:sp>
-      <p:cxnSp>
-        <p:nvCxnSpPr>
-          <p:cNvPr id="29" name="직선 연결선 28"/>
-          <p:cNvCxnSpPr/>
-          <p:nvPr/>
-        </p:nvCxnSpPr>
-        <p:spPr>
-          <a:xfrm>
-            <a:off x="848691" y="1559827"/>
-            <a:ext cx="1374843" cy="0"/>
-          </a:xfrm>
-          <a:prstGeom prst="line">
-            <a:avLst/>
-          </a:prstGeom>
-          <a:ln>
-            <a:solidFill>
-              <a:schemeClr val="tx1"/>
-            </a:solidFill>
-          </a:ln>
-        </p:spPr>
-        <p:style>
-          <a:lnRef idx="1">
-            <a:schemeClr val="accent1"/>
-          </a:lnRef>
-          <a:fillRef idx="0">
-            <a:schemeClr val="accent1"/>
-          </a:fillRef>
-          <a:effectRef idx="0">
-            <a:schemeClr val="accent1"/>
-          </a:effectRef>
-          <a:fontRef idx="minor">
-            <a:schemeClr val="tx1"/>
-          </a:fontRef>
-        </p:style>
-      </p:cxnSp>
-      <p:sp>
-        <p:nvSpPr>
-          <p:cNvPr id="30" name="TextBox 29"/>
-          <p:cNvSpPr txBox="1"/>
-          <p:nvPr/>
-        </p:nvSpPr>
-        <p:spPr>
-          <a:xfrm>
-            <a:off x="1088056" y="1128726"/>
-            <a:ext cx="779381" cy="369332"/>
-          </a:xfrm>
-          <a:prstGeom prst="rect">
-            <a:avLst/>
-          </a:prstGeom>
-          <a:noFill/>
-        </p:spPr>
-        <p:txBody>
-          <a:bodyPr wrap="none" rtlCol="0">
-            <a:spAutoFit/>
-          </a:bodyPr>
-          <a:lstStyle/>
-          <a:p>
-            <a:r>
-              <a:rPr lang="en-US" altLang="ko-KR" dirty="0" smtClean="0"/>
-              <a:t>Client</a:t>
-            </a:r>
-            <a:endParaRPr lang="ko-KR" altLang="en-US" dirty="0"/>
-          </a:p>
-        </p:txBody>
-      </p:sp>
-      <p:sp>
-        <p:nvSpPr>
-          <p:cNvPr id="34" name="타원 33"/>
+          <p:cNvPr id="20" name="타원 19"/>
           <p:cNvSpPr/>
           <p:nvPr/>
         </p:nvSpPr>
         <p:spPr>
           <a:xfrm>
-            <a:off x="508272" y="1892640"/>
-            <a:ext cx="1926076" cy="1074265"/>
+            <a:off x="7288675" y="2165860"/>
+            <a:ext cx="1511030" cy="1446181"/>
           </a:xfrm>
           <a:prstGeom prst="ellipse">
             <a:avLst/>
           </a:prstGeom>
-          <a:noFill/>
+          <a:solidFill>
+            <a:schemeClr val="bg1">
+              <a:lumMod val="95000"/>
+            </a:schemeClr>
+          </a:solidFill>
         </p:spPr>
         <p:style>
           <a:lnRef idx="2">
@@ -5953,31 +5379,69 @@
           <a:p>
             <a:pPr algn="ctr"/>
             <a:r>
-              <a:rPr lang="ko-KR" altLang="en-US" sz="1600" smtClean="0">
+              <a:rPr lang="ko-KR" altLang="en-US" sz="1600" b="1" dirty="0" smtClean="0">
                 <a:solidFill>
                   <a:schemeClr val="tx1"/>
                 </a:solidFill>
               </a:rPr>
-              <a:t>조회</a:t>
-            </a:r>
-            <a:endParaRPr lang="ko-KR" altLang="en-US" sz="1600" dirty="0">
+              <a:t>모델 </a:t>
+            </a:r>
+            <a:r>
+              <a:rPr lang="en-US" altLang="ko-KR" sz="1600" b="1" dirty="0" smtClean="0">
+                <a:solidFill>
+                  <a:schemeClr val="tx1"/>
+                </a:solidFill>
+              </a:rPr>
+              <a:t>2</a:t>
+            </a:r>
+          </a:p>
+          <a:p>
+            <a:pPr algn="ctr"/>
+            <a:endParaRPr lang="en-US" altLang="ko-KR" sz="1600" b="1" dirty="0">
               <a:solidFill>
                 <a:schemeClr val="tx1"/>
               </a:solidFill>
             </a:endParaRPr>
           </a:p>
-        </p:txBody>
-      </p:sp>
-      <p:sp>
-        <p:nvSpPr>
-          <p:cNvPr id="35" name="타원 34"/>
+          <a:p>
+            <a:pPr algn="ctr"/>
+            <a:r>
+              <a:rPr lang="en-US" altLang="ko-KR" sz="1600" b="1" dirty="0" smtClean="0">
+                <a:solidFill>
+                  <a:schemeClr val="tx1"/>
+                </a:solidFill>
+              </a:rPr>
+              <a:t>MVC </a:t>
+            </a:r>
+          </a:p>
+          <a:p>
+            <a:pPr algn="ctr"/>
+            <a:r>
+              <a:rPr lang="en-US" altLang="ko-KR" sz="1600" b="1" dirty="0" smtClean="0">
+                <a:solidFill>
+                  <a:schemeClr val="tx1"/>
+                </a:solidFill>
+              </a:rPr>
+              <a:t>(Servlet)</a:t>
+            </a:r>
+            <a:endParaRPr lang="ko-KR" altLang="en-US" sz="1600" b="1" dirty="0">
+              <a:solidFill>
+                <a:schemeClr val="tx1"/>
+              </a:solidFill>
+            </a:endParaRPr>
+          </a:p>
+        </p:txBody>
+      </p:sp>
+      <p:sp>
+        <p:nvSpPr>
+          <p:cNvPr id="23" name="타원 22"/>
           <p:cNvSpPr/>
           <p:nvPr/>
         </p:nvSpPr>
         <p:spPr>
           <a:xfrm>
-            <a:off x="508272" y="3135426"/>
-            <a:ext cx="1926076" cy="1074265"/>
+            <a:off x="9090950" y="2165859"/>
+            <a:ext cx="1511030" cy="1446181"/>
           </a:xfrm>
           <a:prstGeom prst="ellipse">
             <a:avLst/>
@@ -6011,42 +5475,53 @@
                   <a:schemeClr val="tx1"/>
                 </a:solidFill>
               </a:rPr>
-              <a:t>등록</a:t>
-            </a:r>
-            <a:endParaRPr lang="en-US" altLang="ko-KR" sz="1600" dirty="0" smtClean="0">
-              <a:solidFill>
-                <a:schemeClr val="tx1"/>
-              </a:solidFill>
-            </a:endParaRPr>
-          </a:p>
-          <a:p>
-            <a:pPr algn="ctr"/>
+              <a:t>모델 </a:t>
+            </a:r>
             <a:r>
               <a:rPr lang="en-US" altLang="ko-KR" sz="1600" dirty="0" smtClean="0">
                 <a:solidFill>
                   <a:schemeClr val="tx1"/>
                 </a:solidFill>
               </a:rPr>
-              <a:t>regist.html</a:t>
-            </a:r>
-            <a:endParaRPr lang="ko-KR" altLang="en-US" sz="1600" dirty="0">
+              <a:t>2</a:t>
+            </a:r>
+          </a:p>
+          <a:p>
+            <a:pPr algn="ctr"/>
+            <a:endParaRPr lang="en-US" altLang="ko-KR" sz="1600" dirty="0">
               <a:solidFill>
                 <a:schemeClr val="tx1"/>
               </a:solidFill>
             </a:endParaRPr>
           </a:p>
-        </p:txBody>
-      </p:sp>
-      <p:sp>
-        <p:nvSpPr>
-          <p:cNvPr id="36" name="타원 35"/>
+          <a:p>
+            <a:pPr algn="ctr"/>
+            <a:r>
+              <a:rPr lang="ko-KR" altLang="en-US" sz="1600" dirty="0" smtClean="0">
+                <a:solidFill>
+                  <a:schemeClr val="tx1"/>
+                </a:solidFill>
+              </a:rPr>
+              <a:t>스프링</a:t>
+            </a:r>
+            <a:endParaRPr lang="en-US" altLang="ko-KR" sz="1600" dirty="0">
+              <a:solidFill>
+                <a:schemeClr val="tx1"/>
+              </a:solidFill>
+            </a:endParaRPr>
+          </a:p>
+        </p:txBody>
+      </p:sp>
+      <p:sp>
+        <p:nvSpPr>
+          <p:cNvPr id="24" name="타원 23"/>
           <p:cNvSpPr/>
           <p:nvPr/>
         </p:nvSpPr>
         <p:spPr>
           <a:xfrm>
-            <a:off x="573074" y="4448934"/>
-            <a:ext cx="1926076" cy="1074265"/>
+            <a:off x="1186775" y="4105071"/>
+            <a:ext cx="1926076" cy="1815831"/>
           </a:xfrm>
           <a:prstGeom prst="ellipse">
             <a:avLst/>
@@ -6080,7 +5555,31 @@
                   <a:schemeClr val="tx1"/>
                 </a:solidFill>
               </a:rPr>
-              <a:t>삭제</a:t>
+              <a:t>브라우저</a:t>
+            </a:r>
+            <a:endParaRPr lang="en-US" altLang="ko-KR" sz="1600" dirty="0" smtClean="0">
+              <a:solidFill>
+                <a:schemeClr val="tx1"/>
+              </a:solidFill>
+            </a:endParaRPr>
+          </a:p>
+          <a:p>
+            <a:pPr algn="ctr"/>
+            <a:endParaRPr lang="en-US" altLang="ko-KR" sz="1600" dirty="0">
+              <a:solidFill>
+                <a:schemeClr val="tx1"/>
+              </a:solidFill>
+            </a:endParaRPr>
+          </a:p>
+          <a:p>
+            <a:pPr algn="ctr"/>
+            <a:r>
+              <a:rPr lang="en-US" altLang="ko-KR" sz="1600" dirty="0" smtClean="0">
+                <a:solidFill>
+                  <a:schemeClr val="tx1"/>
+                </a:solidFill>
+              </a:rPr>
+              <a:t>View JSP</a:t>
             </a:r>
             <a:endParaRPr lang="ko-KR" altLang="en-US" sz="1600" dirty="0">
               <a:solidFill>
@@ -6090,648 +5589,28 @@
           </a:p>
         </p:txBody>
       </p:sp>
-      <p:cxnSp>
-        <p:nvCxnSpPr>
-          <p:cNvPr id="37" name="직선 연결선 36"/>
-          <p:cNvCxnSpPr/>
-          <p:nvPr/>
-        </p:nvCxnSpPr>
-        <p:spPr>
-          <a:xfrm>
-            <a:off x="4379786" y="1559827"/>
-            <a:ext cx="1374843" cy="0"/>
-          </a:xfrm>
-          <a:prstGeom prst="line">
-            <a:avLst/>
-          </a:prstGeom>
-          <a:ln>
-            <a:solidFill>
-              <a:schemeClr val="tx1"/>
-            </a:solidFill>
-          </a:ln>
-        </p:spPr>
-        <p:style>
-          <a:lnRef idx="1">
-            <a:schemeClr val="accent1"/>
-          </a:lnRef>
-          <a:fillRef idx="0">
-            <a:schemeClr val="accent1"/>
-          </a:fillRef>
-          <a:effectRef idx="0">
-            <a:schemeClr val="accent1"/>
-          </a:effectRef>
-          <a:fontRef idx="minor">
-            <a:schemeClr val="tx1"/>
-          </a:fontRef>
-        </p:style>
-      </p:cxnSp>
-      <p:cxnSp>
-        <p:nvCxnSpPr>
-          <p:cNvPr id="38" name="직선 연결선 37"/>
-          <p:cNvCxnSpPr/>
-          <p:nvPr/>
-        </p:nvCxnSpPr>
-        <p:spPr>
-          <a:xfrm>
-            <a:off x="8882395" y="1498058"/>
-            <a:ext cx="1374843" cy="0"/>
-          </a:xfrm>
-          <a:prstGeom prst="line">
-            <a:avLst/>
-          </a:prstGeom>
-          <a:ln>
-            <a:solidFill>
-              <a:schemeClr val="tx1"/>
-            </a:solidFill>
-          </a:ln>
-        </p:spPr>
-        <p:style>
-          <a:lnRef idx="1">
-            <a:schemeClr val="accent1"/>
-          </a:lnRef>
-          <a:fillRef idx="0">
-            <a:schemeClr val="accent1"/>
-          </a:fillRef>
-          <a:effectRef idx="0">
-            <a:schemeClr val="accent1"/>
-          </a:effectRef>
-          <a:fontRef idx="minor">
-            <a:schemeClr val="tx1"/>
-          </a:fontRef>
-        </p:style>
-      </p:cxnSp>
-      <p:cxnSp>
-        <p:nvCxnSpPr>
-          <p:cNvPr id="14" name="직선 화살표 연결선 13"/>
-          <p:cNvCxnSpPr>
-            <a:stCxn id="34" idx="6"/>
-            <a:endCxn id="3" idx="1"/>
-          </p:cNvCxnSpPr>
-          <p:nvPr/>
-        </p:nvCxnSpPr>
-        <p:spPr>
-          <a:xfrm>
-            <a:off x="2434348" y="2429773"/>
-            <a:ext cx="1725037" cy="1"/>
-          </a:xfrm>
-          <a:prstGeom prst="straightConnector1">
-            <a:avLst/>
-          </a:prstGeom>
-          <a:ln>
-            <a:tailEnd type="triangle"/>
-          </a:ln>
-        </p:spPr>
-        <p:style>
-          <a:lnRef idx="1">
-            <a:schemeClr val="accent1"/>
-          </a:lnRef>
-          <a:fillRef idx="0">
-            <a:schemeClr val="accent1"/>
-          </a:fillRef>
-          <a:effectRef idx="0">
-            <a:schemeClr val="accent1"/>
-          </a:effectRef>
-          <a:fontRef idx="minor">
-            <a:schemeClr val="tx1"/>
-          </a:fontRef>
-        </p:style>
-      </p:cxnSp>
-      <p:sp>
-        <p:nvSpPr>
-          <p:cNvPr id="16" name="TextBox 15"/>
-          <p:cNvSpPr txBox="1"/>
-          <p:nvPr/>
-        </p:nvSpPr>
-        <p:spPr>
-          <a:xfrm>
-            <a:off x="2803327" y="2024968"/>
-            <a:ext cx="1017651" cy="369332"/>
-          </a:xfrm>
-          <a:prstGeom prst="rect">
-            <a:avLst/>
-          </a:prstGeom>
-          <a:noFill/>
-        </p:spPr>
-        <p:txBody>
-          <a:bodyPr wrap="none" rtlCol="0">
-            <a:spAutoFit/>
-          </a:bodyPr>
-          <a:lstStyle/>
-          <a:p>
-            <a:r>
-              <a:rPr lang="en-US" altLang="ko-KR" dirty="0" smtClean="0"/>
-              <a:t>Request</a:t>
-            </a:r>
-            <a:endParaRPr lang="ko-KR" altLang="en-US" dirty="0"/>
-          </a:p>
-        </p:txBody>
-      </p:sp>
-      <p:cxnSp>
-        <p:nvCxnSpPr>
-          <p:cNvPr id="40" name="직선 화살표 연결선 39"/>
-          <p:cNvCxnSpPr>
-            <a:stCxn id="35" idx="6"/>
-            <a:endCxn id="23" idx="1"/>
-          </p:cNvCxnSpPr>
-          <p:nvPr/>
-        </p:nvCxnSpPr>
-        <p:spPr>
-          <a:xfrm flipV="1">
-            <a:off x="2434348" y="3669106"/>
-            <a:ext cx="1725037" cy="3453"/>
-          </a:xfrm>
-          <a:prstGeom prst="straightConnector1">
-            <a:avLst/>
-          </a:prstGeom>
-          <a:ln>
-            <a:tailEnd type="triangle"/>
-          </a:ln>
-        </p:spPr>
-        <p:style>
-          <a:lnRef idx="1">
-            <a:schemeClr val="accent1"/>
-          </a:lnRef>
-          <a:fillRef idx="0">
-            <a:schemeClr val="accent1"/>
-          </a:fillRef>
-          <a:effectRef idx="0">
-            <a:schemeClr val="accent1"/>
-          </a:effectRef>
-          <a:fontRef idx="minor">
-            <a:schemeClr val="tx1"/>
-          </a:fontRef>
-        </p:style>
-      </p:cxnSp>
-      <p:sp>
-        <p:nvSpPr>
-          <p:cNvPr id="41" name="TextBox 40"/>
-          <p:cNvSpPr txBox="1"/>
-          <p:nvPr/>
-        </p:nvSpPr>
-        <p:spPr>
-          <a:xfrm>
-            <a:off x="2803329" y="3252172"/>
-            <a:ext cx="1017651" cy="369332"/>
-          </a:xfrm>
-          <a:prstGeom prst="rect">
-            <a:avLst/>
-          </a:prstGeom>
-          <a:noFill/>
-        </p:spPr>
-        <p:txBody>
-          <a:bodyPr wrap="none" rtlCol="0">
-            <a:spAutoFit/>
-          </a:bodyPr>
-          <a:lstStyle/>
-          <a:p>
-            <a:r>
-              <a:rPr lang="en-US" altLang="ko-KR" dirty="0" smtClean="0"/>
-              <a:t>Request</a:t>
-            </a:r>
-            <a:endParaRPr lang="ko-KR" altLang="en-US" dirty="0"/>
-          </a:p>
-        </p:txBody>
-      </p:sp>
-      <p:cxnSp>
-        <p:nvCxnSpPr>
-          <p:cNvPr id="42" name="직선 화살표 연결선 41"/>
-          <p:cNvCxnSpPr>
-            <a:stCxn id="36" idx="6"/>
-            <a:endCxn id="25" idx="1"/>
-          </p:cNvCxnSpPr>
-          <p:nvPr/>
-        </p:nvCxnSpPr>
-        <p:spPr>
-          <a:xfrm flipV="1">
-            <a:off x="2499150" y="4977442"/>
-            <a:ext cx="1668862" cy="8625"/>
-          </a:xfrm>
-          <a:prstGeom prst="straightConnector1">
-            <a:avLst/>
-          </a:prstGeom>
-          <a:ln>
-            <a:tailEnd type="triangle"/>
-          </a:ln>
-        </p:spPr>
-        <p:style>
-          <a:lnRef idx="1">
-            <a:schemeClr val="accent1"/>
-          </a:lnRef>
-          <a:fillRef idx="0">
-            <a:schemeClr val="accent1"/>
-          </a:fillRef>
-          <a:effectRef idx="0">
-            <a:schemeClr val="accent1"/>
-          </a:effectRef>
-          <a:fontRef idx="minor">
-            <a:schemeClr val="tx1"/>
-          </a:fontRef>
-        </p:style>
-      </p:cxnSp>
-      <p:sp>
-        <p:nvSpPr>
-          <p:cNvPr id="45" name="TextBox 44"/>
-          <p:cNvSpPr txBox="1"/>
-          <p:nvPr/>
-        </p:nvSpPr>
-        <p:spPr>
-          <a:xfrm>
-            <a:off x="2803328" y="4497238"/>
-            <a:ext cx="1017651" cy="369332"/>
-          </a:xfrm>
-          <a:prstGeom prst="rect">
-            <a:avLst/>
-          </a:prstGeom>
-          <a:noFill/>
-        </p:spPr>
-        <p:txBody>
-          <a:bodyPr wrap="none" rtlCol="0">
-            <a:spAutoFit/>
-          </a:bodyPr>
-          <a:lstStyle/>
-          <a:p>
-            <a:r>
-              <a:rPr lang="en-US" altLang="ko-KR" dirty="0" smtClean="0"/>
-              <a:t>Request</a:t>
-            </a:r>
-            <a:endParaRPr lang="ko-KR" altLang="en-US" dirty="0"/>
-          </a:p>
-        </p:txBody>
-      </p:sp>
-      <p:sp>
-        <p:nvSpPr>
-          <p:cNvPr id="46" name="TextBox 45"/>
-          <p:cNvSpPr txBox="1"/>
-          <p:nvPr/>
-        </p:nvSpPr>
-        <p:spPr>
-          <a:xfrm>
-            <a:off x="2734953" y="3687328"/>
-            <a:ext cx="1137148" cy="253916"/>
-          </a:xfrm>
-          <a:prstGeom prst="rect">
-            <a:avLst/>
-          </a:prstGeom>
-          <a:noFill/>
-        </p:spPr>
-        <p:txBody>
-          <a:bodyPr wrap="square" rtlCol="0">
-            <a:spAutoFit/>
-          </a:bodyPr>
-          <a:lstStyle/>
-          <a:p>
-            <a:pPr algn="ctr"/>
-            <a:r>
-              <a:rPr lang="en-US" altLang="ko-KR" sz="1050" dirty="0" smtClean="0"/>
-              <a:t>ID , </a:t>
-            </a:r>
-            <a:r>
-              <a:rPr lang="ko-KR" altLang="en-US" sz="1050" dirty="0" smtClean="0"/>
-              <a:t>이름</a:t>
-            </a:r>
-            <a:r>
-              <a:rPr lang="en-US" altLang="ko-KR" sz="1050" dirty="0" smtClean="0"/>
-              <a:t>,</a:t>
-            </a:r>
-            <a:r>
-              <a:rPr lang="ko-KR" altLang="en-US" sz="1050" dirty="0" smtClean="0"/>
-              <a:t>나이</a:t>
-            </a:r>
-            <a:endParaRPr lang="ko-KR" altLang="en-US" sz="1050" dirty="0"/>
-          </a:p>
-        </p:txBody>
-      </p:sp>
-      <p:sp>
-        <p:nvSpPr>
-          <p:cNvPr id="47" name="TextBox 46"/>
-          <p:cNvSpPr txBox="1"/>
-          <p:nvPr/>
-        </p:nvSpPr>
-        <p:spPr>
-          <a:xfrm>
-            <a:off x="2833631" y="5033740"/>
-            <a:ext cx="939792" cy="253916"/>
-          </a:xfrm>
-          <a:prstGeom prst="rect">
-            <a:avLst/>
-          </a:prstGeom>
-          <a:noFill/>
-        </p:spPr>
-        <p:txBody>
-          <a:bodyPr wrap="square" rtlCol="0">
-            <a:spAutoFit/>
-          </a:bodyPr>
-          <a:lstStyle/>
-          <a:p>
-            <a:pPr algn="ctr"/>
-            <a:r>
-              <a:rPr lang="en-US" altLang="ko-KR" sz="1050" dirty="0" smtClean="0"/>
-              <a:t>ID</a:t>
-            </a:r>
-            <a:endParaRPr lang="ko-KR" altLang="en-US" sz="1050" dirty="0"/>
-          </a:p>
-        </p:txBody>
-      </p:sp>
-      <p:sp>
-        <p:nvSpPr>
-          <p:cNvPr id="48" name="TextBox 47"/>
-          <p:cNvSpPr txBox="1"/>
-          <p:nvPr/>
-        </p:nvSpPr>
-        <p:spPr>
-          <a:xfrm>
-            <a:off x="6133388" y="1958196"/>
-            <a:ext cx="1035170" cy="923330"/>
-          </a:xfrm>
-          <a:prstGeom prst="rect">
-            <a:avLst/>
-          </a:prstGeom>
-          <a:noFill/>
-        </p:spPr>
-        <p:txBody>
-          <a:bodyPr wrap="square" rtlCol="0">
-            <a:spAutoFit/>
-          </a:bodyPr>
-          <a:lstStyle/>
-          <a:p>
-            <a:pPr>
-              <a:lnSpc>
-                <a:spcPct val="150000"/>
-              </a:lnSpc>
-            </a:pPr>
-            <a:r>
-              <a:rPr lang="en-US" altLang="ko-KR" sz="1200" dirty="0" err="1" smtClean="0"/>
-              <a:t>db</a:t>
-            </a:r>
-            <a:r>
-              <a:rPr lang="en-US" altLang="ko-KR" sz="1200" dirty="0" smtClean="0"/>
-              <a:t> </a:t>
-            </a:r>
-            <a:r>
-              <a:rPr lang="ko-KR" altLang="en-US" sz="1200" dirty="0" smtClean="0"/>
-              <a:t>연결</a:t>
-            </a:r>
-            <a:endParaRPr lang="en-US" altLang="ko-KR" sz="1200" dirty="0" smtClean="0"/>
-          </a:p>
-          <a:p>
-            <a:pPr>
-              <a:lnSpc>
-                <a:spcPct val="150000"/>
-              </a:lnSpc>
-            </a:pPr>
-            <a:r>
-              <a:rPr lang="ko-KR" altLang="en-US" sz="1200" dirty="0" smtClean="0"/>
-              <a:t>데이터 추출</a:t>
-            </a:r>
-            <a:endParaRPr lang="en-US" altLang="ko-KR" sz="1200" dirty="0" smtClean="0"/>
-          </a:p>
-          <a:p>
-            <a:pPr>
-              <a:lnSpc>
-                <a:spcPct val="150000"/>
-              </a:lnSpc>
-            </a:pPr>
-            <a:r>
-              <a:rPr lang="en-US" altLang="ko-KR" sz="1200" dirty="0" smtClean="0"/>
-              <a:t>html </a:t>
-            </a:r>
-            <a:r>
-              <a:rPr lang="ko-KR" altLang="en-US" sz="1200" dirty="0" smtClean="0"/>
-              <a:t>작성</a:t>
-            </a:r>
-            <a:endParaRPr lang="ko-KR" altLang="en-US" sz="1200" dirty="0"/>
-          </a:p>
-        </p:txBody>
-      </p:sp>
-      <p:sp>
-        <p:nvSpPr>
-          <p:cNvPr id="50" name="TextBox 49"/>
-          <p:cNvSpPr txBox="1"/>
-          <p:nvPr/>
-        </p:nvSpPr>
-        <p:spPr>
-          <a:xfrm>
-            <a:off x="6133388" y="3096589"/>
-            <a:ext cx="1207698" cy="1200329"/>
-          </a:xfrm>
-          <a:prstGeom prst="rect">
-            <a:avLst/>
-          </a:prstGeom>
-          <a:noFill/>
-        </p:spPr>
-        <p:txBody>
-          <a:bodyPr wrap="square" rtlCol="0">
-            <a:spAutoFit/>
-          </a:bodyPr>
-          <a:lstStyle/>
-          <a:p>
-            <a:pPr>
-              <a:lnSpc>
-                <a:spcPct val="150000"/>
-              </a:lnSpc>
-            </a:pPr>
-            <a:r>
-              <a:rPr lang="en-US" altLang="ko-KR" sz="1200" dirty="0" smtClean="0"/>
-              <a:t>request.</a:t>
-            </a:r>
-            <a:r>
-              <a:rPr lang="en-US" altLang="ko-KR" sz="1200" dirty="0" smtClean="0"/>
-              <a:t>ge</a:t>
-            </a:r>
-            <a:r>
-              <a:rPr lang="en-US" altLang="ko-KR" sz="1200" dirty="0" smtClean="0"/>
-              <a:t>t~</a:t>
-            </a:r>
-            <a:endParaRPr lang="en-US" altLang="ko-KR" sz="1200" dirty="0" smtClean="0"/>
-          </a:p>
-          <a:p>
-            <a:pPr>
-              <a:lnSpc>
-                <a:spcPct val="150000"/>
-              </a:lnSpc>
-            </a:pPr>
-            <a:r>
-              <a:rPr lang="en-US" altLang="ko-KR" sz="1200" dirty="0" err="1" smtClean="0"/>
-              <a:t>db</a:t>
-            </a:r>
-            <a:r>
-              <a:rPr lang="en-US" altLang="ko-KR" sz="1200" dirty="0" smtClean="0"/>
-              <a:t> </a:t>
-            </a:r>
-            <a:r>
-              <a:rPr lang="ko-KR" altLang="en-US" sz="1200" dirty="0" smtClean="0"/>
-              <a:t>연결</a:t>
-            </a:r>
-            <a:endParaRPr lang="en-US" altLang="ko-KR" sz="1200" dirty="0" smtClean="0"/>
-          </a:p>
-          <a:p>
-            <a:pPr>
-              <a:lnSpc>
-                <a:spcPct val="150000"/>
-              </a:lnSpc>
-            </a:pPr>
-            <a:r>
-              <a:rPr lang="ko-KR" altLang="en-US" sz="1200" dirty="0" smtClean="0"/>
-              <a:t>데이터 입력</a:t>
-            </a:r>
-            <a:endParaRPr lang="en-US" altLang="ko-KR" sz="1200" dirty="0" smtClean="0"/>
-          </a:p>
-          <a:p>
-            <a:pPr>
-              <a:lnSpc>
-                <a:spcPct val="150000"/>
-              </a:lnSpc>
-            </a:pPr>
-            <a:r>
-              <a:rPr lang="en-US" altLang="ko-KR" sz="1200" dirty="0" smtClean="0"/>
-              <a:t>Home </a:t>
-            </a:r>
-            <a:r>
-              <a:rPr lang="ko-KR" altLang="en-US" sz="1200" dirty="0" smtClean="0"/>
-              <a:t>이동</a:t>
-            </a:r>
-            <a:endParaRPr lang="ko-KR" altLang="en-US" sz="1200" dirty="0"/>
-          </a:p>
-        </p:txBody>
-      </p:sp>
-      <p:sp>
-        <p:nvSpPr>
-          <p:cNvPr id="51" name="TextBox 50"/>
-          <p:cNvSpPr txBox="1"/>
-          <p:nvPr/>
-        </p:nvSpPr>
-        <p:spPr>
-          <a:xfrm>
-            <a:off x="6242656" y="4385901"/>
-            <a:ext cx="1207698" cy="1200329"/>
-          </a:xfrm>
-          <a:prstGeom prst="rect">
-            <a:avLst/>
-          </a:prstGeom>
-          <a:noFill/>
-        </p:spPr>
-        <p:txBody>
-          <a:bodyPr wrap="square" rtlCol="0">
-            <a:spAutoFit/>
-          </a:bodyPr>
-          <a:lstStyle/>
-          <a:p>
-            <a:pPr>
-              <a:lnSpc>
-                <a:spcPct val="150000"/>
-              </a:lnSpc>
-            </a:pPr>
-            <a:r>
-              <a:rPr lang="en-US" altLang="ko-KR" sz="1200" dirty="0" smtClean="0"/>
-              <a:t>request.get~</a:t>
-            </a:r>
-          </a:p>
-          <a:p>
-            <a:pPr>
-              <a:lnSpc>
-                <a:spcPct val="150000"/>
-              </a:lnSpc>
-            </a:pPr>
-            <a:r>
-              <a:rPr lang="en-US" altLang="ko-KR" sz="1200" dirty="0" err="1" smtClean="0"/>
-              <a:t>db</a:t>
-            </a:r>
-            <a:r>
-              <a:rPr lang="en-US" altLang="ko-KR" sz="1200" dirty="0" smtClean="0"/>
-              <a:t> </a:t>
-            </a:r>
-            <a:r>
-              <a:rPr lang="ko-KR" altLang="en-US" sz="1200" dirty="0" smtClean="0"/>
-              <a:t>연결</a:t>
-            </a:r>
-            <a:endParaRPr lang="en-US" altLang="ko-KR" sz="1200" dirty="0" smtClean="0"/>
-          </a:p>
-          <a:p>
-            <a:pPr>
-              <a:lnSpc>
-                <a:spcPct val="150000"/>
-              </a:lnSpc>
-            </a:pPr>
-            <a:r>
-              <a:rPr lang="ko-KR" altLang="en-US" sz="1200" dirty="0" smtClean="0"/>
-              <a:t>데이터 삭제</a:t>
-            </a:r>
-            <a:endParaRPr lang="en-US" altLang="ko-KR" sz="1200" dirty="0" smtClean="0"/>
-          </a:p>
-          <a:p>
-            <a:pPr>
-              <a:lnSpc>
-                <a:spcPct val="150000"/>
-              </a:lnSpc>
-            </a:pPr>
-            <a:r>
-              <a:rPr lang="en-US" altLang="ko-KR" sz="1200" dirty="0" smtClean="0"/>
-              <a:t>Home </a:t>
-            </a:r>
-            <a:r>
-              <a:rPr lang="ko-KR" altLang="en-US" sz="1200" dirty="0" smtClean="0"/>
-              <a:t>이동</a:t>
-            </a:r>
-            <a:endParaRPr lang="ko-KR" altLang="en-US" sz="1200" dirty="0"/>
-          </a:p>
-        </p:txBody>
-      </p:sp>
-      <p:cxnSp>
-        <p:nvCxnSpPr>
-          <p:cNvPr id="53" name="직선 연결선 52"/>
-          <p:cNvCxnSpPr/>
-          <p:nvPr/>
-        </p:nvCxnSpPr>
-        <p:spPr>
-          <a:xfrm>
-            <a:off x="7450354" y="1892640"/>
-            <a:ext cx="0" cy="4042334"/>
-          </a:xfrm>
-          <a:prstGeom prst="line">
-            <a:avLst/>
-          </a:prstGeom>
-          <a:ln>
-            <a:solidFill>
-              <a:schemeClr val="bg2">
-                <a:lumMod val="90000"/>
-              </a:schemeClr>
-            </a:solidFill>
-          </a:ln>
-        </p:spPr>
-        <p:style>
-          <a:lnRef idx="1">
-            <a:schemeClr val="accent1"/>
-          </a:lnRef>
-          <a:fillRef idx="0">
-            <a:schemeClr val="accent1"/>
-          </a:fillRef>
-          <a:effectRef idx="0">
-            <a:schemeClr val="accent1"/>
-          </a:effectRef>
-          <a:fontRef idx="minor">
-            <a:schemeClr val="tx1"/>
-          </a:fontRef>
-        </p:style>
-      </p:cxnSp>
-      <p:sp>
-        <p:nvSpPr>
-          <p:cNvPr id="54" name="모서리가 둥근 직사각형 53"/>
+      <p:sp>
+        <p:nvSpPr>
+          <p:cNvPr id="25" name="이등변 삼각형 24"/>
           <p:cNvSpPr/>
           <p:nvPr/>
         </p:nvSpPr>
         <p:spPr>
-          <a:xfrm>
-            <a:off x="7662577" y="1978254"/>
-            <a:ext cx="591046" cy="1541322"/>
-          </a:xfrm>
-          <a:prstGeom prst="roundRect">
+          <a:xfrm rot="10800000">
+            <a:off x="6413771" y="4033405"/>
+            <a:ext cx="3002604" cy="350196"/>
+          </a:xfrm>
+          <a:prstGeom prst="triangle">
             <a:avLst/>
           </a:prstGeom>
           <a:solidFill>
-            <a:schemeClr val="bg1">
-              <a:lumMod val="85000"/>
+            <a:schemeClr val="bg2">
+              <a:lumMod val="90000"/>
             </a:schemeClr>
           </a:solidFill>
+          <a:ln>
+            <a:noFill/>
+          </a:ln>
         </p:spPr>
         <p:style>
           <a:lnRef idx="2">
@@ -6754,57 +5633,25 @@
           <a:lstStyle/>
           <a:p>
             <a:pPr algn="ctr"/>
-            <a:r>
-              <a:rPr lang="ko-KR" altLang="en-US" sz="1400" b="1" dirty="0" smtClean="0">
-                <a:solidFill>
-                  <a:schemeClr val="tx1"/>
-                </a:solidFill>
-              </a:rPr>
-              <a:t>컨트</a:t>
-            </a:r>
-            <a:endParaRPr lang="en-US" altLang="ko-KR" sz="1400" b="1" dirty="0" smtClean="0">
-              <a:solidFill>
-                <a:schemeClr val="tx1"/>
-              </a:solidFill>
-            </a:endParaRPr>
-          </a:p>
-          <a:p>
-            <a:pPr algn="ctr"/>
-            <a:r>
-              <a:rPr lang="ko-KR" altLang="en-US" sz="1400" b="1" dirty="0" smtClean="0">
-                <a:solidFill>
-                  <a:schemeClr val="tx1"/>
-                </a:solidFill>
-              </a:rPr>
-              <a:t>롤러</a:t>
-            </a:r>
-            <a:endParaRPr lang="ko-KR" altLang="en-US" sz="1400" b="1" dirty="0">
-              <a:solidFill>
-                <a:schemeClr val="tx1"/>
-              </a:solidFill>
-            </a:endParaRPr>
-          </a:p>
-        </p:txBody>
-      </p:sp>
-      <p:sp>
-        <p:nvSpPr>
-          <p:cNvPr id="55" name="모서리가 둥근 직사각형 54"/>
+            <a:endParaRPr lang="ko-KR" altLang="en-US"/>
+          </a:p>
+        </p:txBody>
+      </p:sp>
+      <p:sp>
+        <p:nvSpPr>
+          <p:cNvPr id="27" name="타원 26"/>
           <p:cNvSpPr/>
           <p:nvPr/>
         </p:nvSpPr>
         <p:spPr>
           <a:xfrm>
-            <a:off x="10162445" y="1892639"/>
-            <a:ext cx="704416" cy="1626937"/>
-          </a:xfrm>
-          <a:prstGeom prst="roundRect">
-            <a:avLst/>
-          </a:prstGeom>
-          <a:solidFill>
-            <a:schemeClr val="bg1">
-              <a:lumMod val="85000"/>
-            </a:schemeClr>
-          </a:solidFill>
+            <a:off x="7118137" y="4562105"/>
+            <a:ext cx="1511030" cy="1446181"/>
+          </a:xfrm>
+          <a:prstGeom prst="ellipse">
+            <a:avLst/>
+          </a:prstGeom>
+          <a:noFill/>
         </p:spPr>
         <p:style>
           <a:lnRef idx="2">
@@ -6828,40 +5675,54 @@
           <a:p>
             <a:pPr algn="ctr"/>
             <a:r>
-              <a:rPr lang="ko-KR" altLang="en-US" sz="1400" b="1" dirty="0" smtClean="0">
+              <a:rPr lang="en-US" altLang="ko-KR" sz="1600" dirty="0" smtClean="0">
                 <a:solidFill>
                   <a:schemeClr val="tx1"/>
                 </a:solidFill>
               </a:rPr>
-              <a:t>모델</a:t>
-            </a:r>
-            <a:endParaRPr lang="ko-KR" altLang="en-US" sz="1400" b="1" dirty="0">
+              <a:t>DB</a:t>
+            </a:r>
+          </a:p>
+          <a:p>
+            <a:pPr algn="ctr"/>
+            <a:endParaRPr lang="en-US" altLang="ko-KR" sz="1600" dirty="0">
               <a:solidFill>
                 <a:schemeClr val="tx1"/>
               </a:solidFill>
             </a:endParaRPr>
           </a:p>
-        </p:txBody>
-      </p:sp>
-      <p:sp>
-        <p:nvSpPr>
-          <p:cNvPr id="56" name="모서리가 둥근 직사각형 55"/>
+          <a:p>
+            <a:pPr algn="ctr"/>
+            <a:r>
+              <a:rPr lang="en-US" altLang="ko-KR" sz="1600" dirty="0" smtClean="0">
+                <a:solidFill>
+                  <a:schemeClr val="tx1"/>
+                </a:solidFill>
+              </a:rPr>
+              <a:t>Oracle</a:t>
+            </a:r>
+            <a:endParaRPr lang="en-US" altLang="ko-KR" sz="1600" dirty="0">
+              <a:solidFill>
+                <a:schemeClr val="tx1"/>
+              </a:solidFill>
+            </a:endParaRPr>
+          </a:p>
+        </p:txBody>
+      </p:sp>
+      <p:sp>
+        <p:nvSpPr>
+          <p:cNvPr id="9" name="아래쪽 화살표 8"/>
           <p:cNvSpPr/>
           <p:nvPr/>
         </p:nvSpPr>
         <p:spPr>
-          <a:xfrm>
-            <a:off x="7661545" y="4955630"/>
-            <a:ext cx="1072552" cy="830706"/>
-          </a:xfrm>
-          <a:prstGeom prst="roundRect">
-            <a:avLst/>
-          </a:prstGeom>
-          <a:solidFill>
-            <a:schemeClr val="bg1">
-              <a:lumMod val="85000"/>
-            </a:schemeClr>
-          </a:solidFill>
+          <a:xfrm rot="3323332">
+            <a:off x="4116418" y="3605662"/>
+            <a:ext cx="484632" cy="1504505"/>
+          </a:xfrm>
+          <a:prstGeom prst="downArrow">
+            <a:avLst/>
+          </a:prstGeom>
         </p:spPr>
         <p:style>
           <a:lnRef idx="2">
@@ -6884,34 +5745,22 @@
           <a:lstStyle/>
           <a:p>
             <a:pPr algn="ctr"/>
-            <a:r>
-              <a:rPr lang="ko-KR" altLang="en-US" sz="1400" b="1" dirty="0" err="1" smtClean="0">
-                <a:solidFill>
-                  <a:schemeClr val="tx1"/>
-                </a:solidFill>
-              </a:rPr>
-              <a:t>뷰</a:t>
-            </a:r>
-            <a:endParaRPr lang="ko-KR" altLang="en-US" sz="1400" b="1" dirty="0">
-              <a:solidFill>
-                <a:schemeClr val="tx1"/>
-              </a:solidFill>
-            </a:endParaRPr>
-          </a:p>
-        </p:txBody>
-      </p:sp>
-      <p:sp>
-        <p:nvSpPr>
-          <p:cNvPr id="61" name="타원 60"/>
+            <a:endParaRPr lang="ko-KR" altLang="en-US"/>
+          </a:p>
+        </p:txBody>
+      </p:sp>
+      <p:sp>
+        <p:nvSpPr>
+          <p:cNvPr id="10" name="오른쪽 화살표 9"/>
           <p:cNvSpPr/>
           <p:nvPr/>
         </p:nvSpPr>
         <p:spPr>
           <a:xfrm>
-            <a:off x="9556156" y="2128245"/>
-            <a:ext cx="225725" cy="271225"/>
-          </a:xfrm>
-          <a:prstGeom prst="ellipse">
+            <a:off x="7048434" y="2682466"/>
+            <a:ext cx="189237" cy="484632"/>
+          </a:xfrm>
+          <a:prstGeom prst="rightArrow">
             <a:avLst/>
           </a:prstGeom>
         </p:spPr>
@@ -6936,24 +5785,20 @@
           <a:lstStyle/>
           <a:p>
             <a:pPr algn="ctr"/>
-            <a:r>
-              <a:rPr lang="en-US" altLang="ko-KR" sz="1000" dirty="0" smtClean="0"/>
-              <a:t>1</a:t>
-            </a:r>
-            <a:endParaRPr lang="ko-KR" altLang="en-US" sz="1000" dirty="0"/>
-          </a:p>
-        </p:txBody>
-      </p:sp>
-      <p:sp>
-        <p:nvSpPr>
-          <p:cNvPr id="74" name="오른쪽 화살표 73"/>
+            <a:endParaRPr lang="ko-KR" altLang="en-US"/>
+          </a:p>
+        </p:txBody>
+      </p:sp>
+      <p:sp>
+        <p:nvSpPr>
+          <p:cNvPr id="28" name="오른쪽 화살표 27"/>
           <p:cNvSpPr/>
           <p:nvPr/>
         </p:nvSpPr>
         <p:spPr>
           <a:xfrm>
-            <a:off x="7228951" y="2281384"/>
-            <a:ext cx="393931" cy="271226"/>
+            <a:off x="8850709" y="2681801"/>
+            <a:ext cx="189237" cy="484632"/>
           </a:xfrm>
           <a:prstGeom prst="rightArrow">
             <a:avLst/>
@@ -6984,561 +5829,10 @@
           </a:p>
         </p:txBody>
       </p:sp>
-      <p:sp>
-        <p:nvSpPr>
-          <p:cNvPr id="75" name="TextBox 74"/>
-          <p:cNvSpPr txBox="1"/>
-          <p:nvPr/>
-        </p:nvSpPr>
-        <p:spPr>
-          <a:xfrm>
-            <a:off x="8321403" y="2038729"/>
-            <a:ext cx="1100818" cy="646331"/>
-          </a:xfrm>
-          <a:prstGeom prst="rect">
-            <a:avLst/>
-          </a:prstGeom>
-          <a:noFill/>
-        </p:spPr>
-        <p:txBody>
-          <a:bodyPr wrap="square" rtlCol="0">
-            <a:spAutoFit/>
-          </a:bodyPr>
-          <a:lstStyle/>
-          <a:p>
-            <a:pPr>
-              <a:lnSpc>
-                <a:spcPct val="150000"/>
-              </a:lnSpc>
-            </a:pPr>
-            <a:r>
-              <a:rPr lang="en-US" altLang="ko-KR" sz="1200" dirty="0" err="1" smtClean="0"/>
-              <a:t>request.get~call</a:t>
-            </a:r>
-            <a:r>
-              <a:rPr lang="en-US" altLang="ko-KR" sz="1200" dirty="0" smtClean="0"/>
-              <a:t> </a:t>
-            </a:r>
-            <a:r>
-              <a:rPr lang="ko-KR" altLang="en-US" sz="1200" dirty="0" smtClean="0"/>
-              <a:t>모델</a:t>
-            </a:r>
-            <a:endParaRPr lang="en-US" altLang="ko-KR" sz="1200" dirty="0" smtClean="0"/>
-          </a:p>
-        </p:txBody>
-      </p:sp>
-      <p:sp>
-        <p:nvSpPr>
-          <p:cNvPr id="76" name="TextBox 75"/>
-          <p:cNvSpPr txBox="1"/>
-          <p:nvPr/>
-        </p:nvSpPr>
-        <p:spPr>
-          <a:xfrm>
-            <a:off x="10933440" y="1772387"/>
-            <a:ext cx="1180844" cy="923330"/>
-          </a:xfrm>
-          <a:prstGeom prst="rect">
-            <a:avLst/>
-          </a:prstGeom>
-          <a:noFill/>
-        </p:spPr>
-        <p:txBody>
-          <a:bodyPr wrap="square" rtlCol="0">
-            <a:spAutoFit/>
-          </a:bodyPr>
-          <a:lstStyle/>
-          <a:p>
-            <a:pPr>
-              <a:lnSpc>
-                <a:spcPct val="150000"/>
-              </a:lnSpc>
-            </a:pPr>
-            <a:r>
-              <a:rPr lang="en-US" altLang="ko-KR" sz="1200" dirty="0" smtClean="0"/>
-              <a:t>DB </a:t>
-            </a:r>
-            <a:r>
-              <a:rPr lang="ko-KR" altLang="en-US" sz="1200" dirty="0" smtClean="0"/>
-              <a:t>연결</a:t>
-            </a:r>
-            <a:endParaRPr lang="en-US" altLang="ko-KR" sz="1200" dirty="0" smtClean="0"/>
-          </a:p>
-          <a:p>
-            <a:pPr>
-              <a:lnSpc>
-                <a:spcPct val="150000"/>
-              </a:lnSpc>
-            </a:pPr>
-            <a:r>
-              <a:rPr lang="ko-KR" altLang="en-US" sz="1200" dirty="0" smtClean="0"/>
-              <a:t>데이터추출</a:t>
-            </a:r>
-            <a:endParaRPr lang="en-US" altLang="ko-KR" sz="1200" dirty="0" smtClean="0"/>
-          </a:p>
-          <a:p>
-            <a:pPr>
-              <a:lnSpc>
-                <a:spcPct val="150000"/>
-              </a:lnSpc>
-            </a:pPr>
-            <a:r>
-              <a:rPr lang="en-US" altLang="ko-KR" sz="1200" dirty="0" smtClean="0"/>
-              <a:t>return </a:t>
-            </a:r>
-            <a:r>
-              <a:rPr lang="ko-KR" altLang="en-US" sz="1200" dirty="0" smtClean="0"/>
-              <a:t>데이터</a:t>
-            </a:r>
-            <a:endParaRPr lang="en-US" altLang="ko-KR" sz="1200" dirty="0" smtClean="0"/>
-          </a:p>
-        </p:txBody>
-      </p:sp>
-      <p:cxnSp>
-        <p:nvCxnSpPr>
-          <p:cNvPr id="78" name="직선 화살표 연결선 77"/>
-          <p:cNvCxnSpPr/>
-          <p:nvPr/>
-        </p:nvCxnSpPr>
-        <p:spPr>
-          <a:xfrm>
-            <a:off x="9316300" y="2552610"/>
-            <a:ext cx="733474" cy="0"/>
-          </a:xfrm>
-          <a:prstGeom prst="straightConnector1">
-            <a:avLst/>
-          </a:prstGeom>
-          <a:ln>
-            <a:tailEnd type="triangle"/>
-          </a:ln>
-        </p:spPr>
-        <p:style>
-          <a:lnRef idx="1">
-            <a:schemeClr val="accent1"/>
-          </a:lnRef>
-          <a:fillRef idx="0">
-            <a:schemeClr val="accent1"/>
-          </a:fillRef>
-          <a:effectRef idx="0">
-            <a:schemeClr val="accent1"/>
-          </a:effectRef>
-          <a:fontRef idx="minor">
-            <a:schemeClr val="tx1"/>
-          </a:fontRef>
-        </p:style>
-      </p:cxnSp>
-      <p:cxnSp>
-        <p:nvCxnSpPr>
-          <p:cNvPr id="85" name="직선 화살표 연결선 84"/>
-          <p:cNvCxnSpPr/>
-          <p:nvPr/>
-        </p:nvCxnSpPr>
-        <p:spPr>
-          <a:xfrm flipH="1">
-            <a:off x="8437391" y="2966905"/>
-            <a:ext cx="1604553" cy="0"/>
-          </a:xfrm>
-          <a:prstGeom prst="straightConnector1">
-            <a:avLst/>
-          </a:prstGeom>
-          <a:ln>
-            <a:tailEnd type="triangle"/>
-          </a:ln>
-        </p:spPr>
-        <p:style>
-          <a:lnRef idx="1">
-            <a:schemeClr val="accent1"/>
-          </a:lnRef>
-          <a:fillRef idx="0">
-            <a:schemeClr val="accent1"/>
-          </a:fillRef>
-          <a:effectRef idx="0">
-            <a:schemeClr val="accent1"/>
-          </a:effectRef>
-          <a:fontRef idx="minor">
-            <a:schemeClr val="tx1"/>
-          </a:fontRef>
-        </p:style>
-      </p:cxnSp>
-      <p:sp>
-        <p:nvSpPr>
-          <p:cNvPr id="86" name="TextBox 85"/>
-          <p:cNvSpPr txBox="1"/>
-          <p:nvPr/>
-        </p:nvSpPr>
-        <p:spPr>
-          <a:xfrm>
-            <a:off x="8926067" y="3012862"/>
-            <a:ext cx="1100818" cy="369332"/>
-          </a:xfrm>
-          <a:prstGeom prst="rect">
-            <a:avLst/>
-          </a:prstGeom>
-          <a:noFill/>
-        </p:spPr>
-        <p:txBody>
-          <a:bodyPr wrap="square" rtlCol="0">
-            <a:spAutoFit/>
-          </a:bodyPr>
-          <a:lstStyle/>
-          <a:p>
-            <a:pPr>
-              <a:lnSpc>
-                <a:spcPct val="150000"/>
-              </a:lnSpc>
-            </a:pPr>
-            <a:r>
-              <a:rPr lang="ko-KR" altLang="en-US" sz="1200" dirty="0" smtClean="0"/>
-              <a:t>데이터 전송</a:t>
-            </a:r>
-            <a:endParaRPr lang="en-US" altLang="ko-KR" sz="1200" dirty="0" smtClean="0"/>
-          </a:p>
-        </p:txBody>
-      </p:sp>
-      <p:sp>
-        <p:nvSpPr>
-          <p:cNvPr id="87" name="타원 86"/>
-          <p:cNvSpPr/>
-          <p:nvPr/>
-        </p:nvSpPr>
-        <p:spPr>
-          <a:xfrm>
-            <a:off x="8677125" y="3054084"/>
-            <a:ext cx="225725" cy="271225"/>
-          </a:xfrm>
-          <a:prstGeom prst="ellipse">
-            <a:avLst/>
-          </a:prstGeom>
-        </p:spPr>
-        <p:style>
-          <a:lnRef idx="2">
-            <a:schemeClr val="accent1">
-              <a:shade val="50000"/>
-            </a:schemeClr>
-          </a:lnRef>
-          <a:fillRef idx="1">
-            <a:schemeClr val="accent1"/>
-          </a:fillRef>
-          <a:effectRef idx="0">
-            <a:schemeClr val="accent1"/>
-          </a:effectRef>
-          <a:fontRef idx="minor">
-            <a:schemeClr val="lt1"/>
-          </a:fontRef>
-        </p:style>
-        <p:txBody>
-          <a:bodyPr rtlCol="0" anchor="ctr"/>
-          <a:lstStyle/>
-          <a:p>
-            <a:pPr algn="ctr"/>
-            <a:r>
-              <a:rPr lang="en-US" altLang="ko-KR" sz="1000" dirty="0" smtClean="0"/>
-              <a:t>2</a:t>
-            </a:r>
-            <a:endParaRPr lang="ko-KR" altLang="en-US" sz="1000" dirty="0"/>
-          </a:p>
-        </p:txBody>
-      </p:sp>
-      <p:cxnSp>
-        <p:nvCxnSpPr>
-          <p:cNvPr id="88" name="직선 화살표 연결선 87"/>
-          <p:cNvCxnSpPr>
-            <a:stCxn id="54" idx="2"/>
-            <a:endCxn id="56" idx="0"/>
-          </p:cNvCxnSpPr>
-          <p:nvPr/>
-        </p:nvCxnSpPr>
-        <p:spPr>
-          <a:xfrm>
-            <a:off x="7958100" y="3519576"/>
-            <a:ext cx="239721" cy="1436054"/>
-          </a:xfrm>
-          <a:prstGeom prst="straightConnector1">
-            <a:avLst/>
-          </a:prstGeom>
-          <a:ln>
-            <a:tailEnd type="triangle"/>
-          </a:ln>
-        </p:spPr>
-        <p:style>
-          <a:lnRef idx="1">
-            <a:schemeClr val="accent1"/>
-          </a:lnRef>
-          <a:fillRef idx="0">
-            <a:schemeClr val="accent1"/>
-          </a:fillRef>
-          <a:effectRef idx="0">
-            <a:schemeClr val="accent1"/>
-          </a:effectRef>
-          <a:fontRef idx="minor">
-            <a:schemeClr val="tx1"/>
-          </a:fontRef>
-        </p:style>
-      </p:cxnSp>
-      <p:sp>
-        <p:nvSpPr>
-          <p:cNvPr id="90" name="타원 89"/>
-          <p:cNvSpPr/>
-          <p:nvPr/>
-        </p:nvSpPr>
-        <p:spPr>
-          <a:xfrm>
-            <a:off x="8101217" y="3784201"/>
-            <a:ext cx="225725" cy="271225"/>
-          </a:xfrm>
-          <a:prstGeom prst="ellipse">
-            <a:avLst/>
-          </a:prstGeom>
-        </p:spPr>
-        <p:style>
-          <a:lnRef idx="2">
-            <a:schemeClr val="accent1">
-              <a:shade val="50000"/>
-            </a:schemeClr>
-          </a:lnRef>
-          <a:fillRef idx="1">
-            <a:schemeClr val="accent1"/>
-          </a:fillRef>
-          <a:effectRef idx="0">
-            <a:schemeClr val="accent1"/>
-          </a:effectRef>
-          <a:fontRef idx="minor">
-            <a:schemeClr val="lt1"/>
-          </a:fontRef>
-        </p:style>
-        <p:txBody>
-          <a:bodyPr rtlCol="0" anchor="ctr"/>
-          <a:lstStyle/>
-          <a:p>
-            <a:pPr algn="ctr"/>
-            <a:r>
-              <a:rPr lang="en-US" altLang="ko-KR" sz="1000" dirty="0" smtClean="0"/>
-              <a:t>3</a:t>
-            </a:r>
-            <a:endParaRPr lang="ko-KR" altLang="en-US" sz="1000" dirty="0"/>
-          </a:p>
-        </p:txBody>
-      </p:sp>
-      <p:sp>
-        <p:nvSpPr>
-          <p:cNvPr id="91" name="TextBox 90"/>
-          <p:cNvSpPr txBox="1"/>
-          <p:nvPr/>
-        </p:nvSpPr>
-        <p:spPr>
-          <a:xfrm>
-            <a:off x="7886982" y="4123029"/>
-            <a:ext cx="1100818" cy="646331"/>
-          </a:xfrm>
-          <a:prstGeom prst="rect">
-            <a:avLst/>
-          </a:prstGeom>
-          <a:noFill/>
-        </p:spPr>
-        <p:txBody>
-          <a:bodyPr wrap="square" rtlCol="0">
-            <a:spAutoFit/>
-          </a:bodyPr>
-          <a:lstStyle/>
-          <a:p>
-            <a:pPr>
-              <a:lnSpc>
-                <a:spcPct val="150000"/>
-              </a:lnSpc>
-            </a:pPr>
-            <a:r>
-              <a:rPr lang="en-US" altLang="ko-KR" sz="1200" dirty="0" smtClean="0"/>
-              <a:t>call </a:t>
-            </a:r>
-            <a:r>
-              <a:rPr lang="ko-KR" altLang="en-US" sz="1200" dirty="0" err="1" smtClean="0"/>
-              <a:t>뷰</a:t>
-            </a:r>
-            <a:endParaRPr lang="en-US" altLang="ko-KR" sz="1200" dirty="0" smtClean="0"/>
-          </a:p>
-          <a:p>
-            <a:pPr>
-              <a:lnSpc>
-                <a:spcPct val="150000"/>
-              </a:lnSpc>
-            </a:pPr>
-            <a:r>
-              <a:rPr lang="ko-KR" altLang="en-US" sz="1200" dirty="0" smtClean="0"/>
-              <a:t>데이터 전송</a:t>
-            </a:r>
-            <a:endParaRPr lang="en-US" altLang="ko-KR" sz="1200" dirty="0" smtClean="0"/>
-          </a:p>
-        </p:txBody>
-      </p:sp>
-      <p:sp>
-        <p:nvSpPr>
-          <p:cNvPr id="92" name="TextBox 91"/>
-          <p:cNvSpPr txBox="1"/>
-          <p:nvPr/>
-        </p:nvSpPr>
-        <p:spPr>
-          <a:xfrm>
-            <a:off x="8713595" y="3764035"/>
-            <a:ext cx="1910846" cy="369332"/>
-          </a:xfrm>
-          <a:prstGeom prst="rect">
-            <a:avLst/>
-          </a:prstGeom>
-          <a:noFill/>
-        </p:spPr>
-        <p:txBody>
-          <a:bodyPr wrap="square" rtlCol="0">
-            <a:spAutoFit/>
-          </a:bodyPr>
-          <a:lstStyle/>
-          <a:p>
-            <a:pPr>
-              <a:lnSpc>
-                <a:spcPct val="150000"/>
-              </a:lnSpc>
-            </a:pPr>
-            <a:r>
-              <a:rPr lang="en-US" altLang="ko-KR" sz="1200" dirty="0" smtClean="0">
-                <a:solidFill>
-                  <a:srgbClr val="FF0000"/>
-                </a:solidFill>
-              </a:rPr>
-              <a:t>request</a:t>
-            </a:r>
-            <a:r>
-              <a:rPr lang="en-US" altLang="ko-KR" sz="1200" dirty="0" smtClean="0"/>
-              <a:t>. </a:t>
-            </a:r>
-            <a:r>
-              <a:rPr lang="en-US" altLang="ko-KR" sz="1200" dirty="0"/>
-              <a:t>f</a:t>
-            </a:r>
-            <a:r>
-              <a:rPr lang="en-US" altLang="ko-KR" sz="1200" dirty="0" smtClean="0"/>
-              <a:t>orward</a:t>
-            </a:r>
-          </a:p>
-        </p:txBody>
-      </p:sp>
-      <p:sp>
-        <p:nvSpPr>
-          <p:cNvPr id="7" name="순서도: 자기 디스크 6"/>
-          <p:cNvSpPr/>
-          <p:nvPr/>
-        </p:nvSpPr>
-        <p:spPr>
-          <a:xfrm>
-            <a:off x="10636818" y="3921971"/>
-            <a:ext cx="1242891" cy="968182"/>
-          </a:xfrm>
-          <a:prstGeom prst="flowChartMagneticDisk">
-            <a:avLst/>
-          </a:prstGeom>
-        </p:spPr>
-        <p:style>
-          <a:lnRef idx="2">
-            <a:schemeClr val="accent1">
-              <a:shade val="50000"/>
-            </a:schemeClr>
-          </a:lnRef>
-          <a:fillRef idx="1">
-            <a:schemeClr val="accent1"/>
-          </a:fillRef>
-          <a:effectRef idx="0">
-            <a:schemeClr val="accent1"/>
-          </a:effectRef>
-          <a:fontRef idx="minor">
-            <a:schemeClr val="lt1"/>
-          </a:fontRef>
-        </p:style>
-        <p:txBody>
-          <a:bodyPr rtlCol="0" anchor="ctr"/>
-          <a:lstStyle/>
-          <a:p>
-            <a:pPr algn="ctr"/>
-            <a:r>
-              <a:rPr lang="en-US" altLang="ko-KR" dirty="0" smtClean="0"/>
-              <a:t>DB</a:t>
-            </a:r>
-            <a:endParaRPr lang="ko-KR" altLang="en-US" dirty="0"/>
-          </a:p>
-        </p:txBody>
-      </p:sp>
-      <p:cxnSp>
-        <p:nvCxnSpPr>
-          <p:cNvPr id="10" name="직선 화살표 연결선 9"/>
-          <p:cNvCxnSpPr>
-            <a:stCxn id="55" idx="2"/>
-            <a:endCxn id="7" idx="1"/>
-          </p:cNvCxnSpPr>
-          <p:nvPr/>
-        </p:nvCxnSpPr>
-        <p:spPr>
-          <a:xfrm>
-            <a:off x="10514653" y="3519576"/>
-            <a:ext cx="743611" cy="402395"/>
-          </a:xfrm>
-          <a:prstGeom prst="straightConnector1">
-            <a:avLst/>
-          </a:prstGeom>
-          <a:ln>
-            <a:tailEnd type="triangle"/>
-          </a:ln>
-        </p:spPr>
-        <p:style>
-          <a:lnRef idx="1">
-            <a:schemeClr val="accent1"/>
-          </a:lnRef>
-          <a:fillRef idx="0">
-            <a:schemeClr val="accent1"/>
-          </a:fillRef>
-          <a:effectRef idx="0">
-            <a:schemeClr val="accent1"/>
-          </a:effectRef>
-          <a:fontRef idx="minor">
-            <a:schemeClr val="tx1"/>
-          </a:fontRef>
-        </p:style>
-      </p:cxnSp>
-      <p:cxnSp>
-        <p:nvCxnSpPr>
-          <p:cNvPr id="15" name="직선 연결선 14"/>
-          <p:cNvCxnSpPr/>
-          <p:nvPr/>
-        </p:nvCxnSpPr>
-        <p:spPr>
-          <a:xfrm>
-            <a:off x="7196829" y="864697"/>
-            <a:ext cx="3330720" cy="5622367"/>
-          </a:xfrm>
-          <a:prstGeom prst="line">
-            <a:avLst/>
-          </a:prstGeom>
-          <a:ln>
-            <a:solidFill>
-              <a:srgbClr val="FF0000"/>
-            </a:solidFill>
-          </a:ln>
-        </p:spPr>
-        <p:style>
-          <a:lnRef idx="1">
-            <a:schemeClr val="accent1"/>
-          </a:lnRef>
-          <a:fillRef idx="0">
-            <a:schemeClr val="accent1"/>
-          </a:fillRef>
-          <a:effectRef idx="0">
-            <a:schemeClr val="accent1"/>
-          </a:effectRef>
-          <a:fontRef idx="minor">
-            <a:schemeClr val="tx1"/>
-          </a:fontRef>
-        </p:style>
-      </p:cxnSp>
     </p:spTree>
     <p:extLst>
       <p:ext uri="{BB962C8B-B14F-4D97-AF65-F5344CB8AC3E}">
-        <p14:creationId xmlns:p14="http://schemas.microsoft.com/office/powerpoint/2010/main" val="3671003411"/>
+        <p14:creationId xmlns:p14="http://schemas.microsoft.com/office/powerpoint/2010/main" val="2214152032"/>
       </p:ext>
     </p:extLst>
   </p:cSld>
@@ -7674,14 +5968,185 @@
       </p:sp>
       <p:sp>
         <p:nvSpPr>
-          <p:cNvPr id="2" name="TextBox 1"/>
+          <p:cNvPr id="3" name="모서리가 둥근 직사각형 2"/>
+          <p:cNvSpPr/>
+          <p:nvPr/>
+        </p:nvSpPr>
+        <p:spPr>
+          <a:xfrm>
+            <a:off x="4159385" y="1958196"/>
+            <a:ext cx="1861868" cy="943155"/>
+          </a:xfrm>
+          <a:prstGeom prst="roundRect">
+            <a:avLst/>
+          </a:prstGeom>
+          <a:solidFill>
+            <a:schemeClr val="bg1">
+              <a:lumMod val="85000"/>
+            </a:schemeClr>
+          </a:solidFill>
+        </p:spPr>
+        <p:style>
+          <a:lnRef idx="2">
+            <a:schemeClr val="accent1">
+              <a:shade val="50000"/>
+            </a:schemeClr>
+          </a:lnRef>
+          <a:fillRef idx="1">
+            <a:schemeClr val="accent1"/>
+          </a:fillRef>
+          <a:effectRef idx="0">
+            <a:schemeClr val="accent1"/>
+          </a:effectRef>
+          <a:fontRef idx="minor">
+            <a:schemeClr val="lt1"/>
+          </a:fontRef>
+        </p:style>
+        <p:txBody>
+          <a:bodyPr rtlCol="0" anchor="ctr"/>
+          <a:lstStyle/>
+          <a:p>
+            <a:pPr algn="ctr"/>
+            <a:r>
+              <a:rPr lang="en-US" altLang="ko-KR" dirty="0" smtClean="0">
+                <a:solidFill>
+                  <a:schemeClr val="tx1"/>
+                </a:solidFill>
+              </a:rPr>
+              <a:t>list.jsp</a:t>
+            </a:r>
+            <a:endParaRPr lang="ko-KR" altLang="en-US" dirty="0">
+              <a:solidFill>
+                <a:schemeClr val="tx1"/>
+              </a:solidFill>
+            </a:endParaRPr>
+          </a:p>
+        </p:txBody>
+      </p:sp>
+      <p:sp>
+        <p:nvSpPr>
+          <p:cNvPr id="23" name="모서리가 둥근 직사각형 22"/>
+          <p:cNvSpPr/>
+          <p:nvPr/>
+        </p:nvSpPr>
+        <p:spPr>
+          <a:xfrm>
+            <a:off x="4159385" y="3197528"/>
+            <a:ext cx="1861868" cy="943155"/>
+          </a:xfrm>
+          <a:prstGeom prst="roundRect">
+            <a:avLst/>
+          </a:prstGeom>
+          <a:solidFill>
+            <a:schemeClr val="bg1">
+              <a:lumMod val="85000"/>
+            </a:schemeClr>
+          </a:solidFill>
+        </p:spPr>
+        <p:style>
+          <a:lnRef idx="2">
+            <a:schemeClr val="accent1">
+              <a:shade val="50000"/>
+            </a:schemeClr>
+          </a:lnRef>
+          <a:fillRef idx="1">
+            <a:schemeClr val="accent1"/>
+          </a:fillRef>
+          <a:effectRef idx="0">
+            <a:schemeClr val="accent1"/>
+          </a:effectRef>
+          <a:fontRef idx="minor">
+            <a:schemeClr val="lt1"/>
+          </a:fontRef>
+        </p:style>
+        <p:txBody>
+          <a:bodyPr rtlCol="0" anchor="ctr"/>
+          <a:lstStyle/>
+          <a:p>
+            <a:pPr algn="ctr"/>
+            <a:r>
+              <a:rPr lang="en-US" altLang="ko-KR" dirty="0" smtClean="0">
+                <a:solidFill>
+                  <a:schemeClr val="tx1"/>
+                </a:solidFill>
+              </a:rPr>
+              <a:t>retist_proc.jsp</a:t>
+            </a:r>
+            <a:endParaRPr lang="ko-KR" altLang="en-US" dirty="0">
+              <a:solidFill>
+                <a:schemeClr val="tx1"/>
+              </a:solidFill>
+            </a:endParaRPr>
+          </a:p>
+        </p:txBody>
+      </p:sp>
+      <p:sp>
+        <p:nvSpPr>
+          <p:cNvPr id="25" name="모서리가 둥근 직사각형 24"/>
+          <p:cNvSpPr/>
+          <p:nvPr/>
+        </p:nvSpPr>
+        <p:spPr>
+          <a:xfrm>
+            <a:off x="4168012" y="4505864"/>
+            <a:ext cx="1861868" cy="943155"/>
+          </a:xfrm>
+          <a:prstGeom prst="roundRect">
+            <a:avLst/>
+          </a:prstGeom>
+          <a:solidFill>
+            <a:schemeClr val="bg1">
+              <a:lumMod val="85000"/>
+            </a:schemeClr>
+          </a:solidFill>
+        </p:spPr>
+        <p:style>
+          <a:lnRef idx="2">
+            <a:schemeClr val="accent1">
+              <a:shade val="50000"/>
+            </a:schemeClr>
+          </a:lnRef>
+          <a:fillRef idx="1">
+            <a:schemeClr val="accent1"/>
+          </a:fillRef>
+          <a:effectRef idx="0">
+            <a:schemeClr val="accent1"/>
+          </a:effectRef>
+          <a:fontRef idx="minor">
+            <a:schemeClr val="lt1"/>
+          </a:fontRef>
+        </p:style>
+        <p:txBody>
+          <a:bodyPr rtlCol="0" anchor="ctr"/>
+          <a:lstStyle/>
+          <a:p>
+            <a:pPr algn="ctr"/>
+            <a:r>
+              <a:rPr lang="en-US" altLang="ko-KR" dirty="0" smtClean="0">
+                <a:solidFill>
+                  <a:schemeClr val="tx1"/>
+                </a:solidFill>
+              </a:rPr>
+              <a:t>delete.jsp</a:t>
+            </a:r>
+            <a:endParaRPr lang="ko-KR" altLang="en-US" dirty="0">
+              <a:solidFill>
+                <a:schemeClr val="tx1"/>
+              </a:solidFill>
+            </a:endParaRPr>
+          </a:p>
+        </p:txBody>
+      </p:sp>
+      <p:sp>
+        <p:nvSpPr>
+          <p:cNvPr id="8" name="TextBox 7"/>
           <p:cNvSpPr txBox="1"/>
           <p:nvPr/>
         </p:nvSpPr>
         <p:spPr>
           <a:xfrm>
-            <a:off x="2073721" y="1966823"/>
-            <a:ext cx="7310976" cy="646331"/>
+            <a:off x="4609068" y="991311"/>
+            <a:ext cx="979755" cy="369332"/>
           </a:xfrm>
           <a:prstGeom prst="rect">
             <a:avLst/>
@@ -7695,35 +6160,23 @@
           <a:lstStyle/>
           <a:p>
             <a:r>
-              <a:rPr lang="en-US" altLang="ko-KR" sz="3600" b="1" dirty="0" smtClean="0"/>
-              <a:t>Controller </a:t>
-            </a:r>
-            <a:r>
-              <a:rPr lang="ko-KR" altLang="en-US" sz="3600" b="1" dirty="0" smtClean="0"/>
-              <a:t>에서 </a:t>
-            </a:r>
-            <a:r>
-              <a:rPr lang="en-US" altLang="ko-KR" sz="3600" b="1" dirty="0" smtClean="0"/>
-              <a:t>View </a:t>
-            </a:r>
-            <a:r>
-              <a:rPr lang="ko-KR" altLang="en-US" sz="3600" b="1" dirty="0" smtClean="0"/>
-              <a:t>를 분리하다</a:t>
-            </a:r>
-            <a:endParaRPr lang="ko-KR" altLang="en-US" sz="3600" b="1" dirty="0"/>
-          </a:p>
-        </p:txBody>
-      </p:sp>
-      <p:sp>
-        <p:nvSpPr>
-          <p:cNvPr id="49" name="TextBox 48"/>
+              <a:rPr lang="en-US" altLang="ko-KR" dirty="0" smtClean="0"/>
+              <a:t>Model1</a:t>
+            </a:r>
+            <a:endParaRPr lang="ko-KR" altLang="en-US" dirty="0"/>
+          </a:p>
+        </p:txBody>
+      </p:sp>
+      <p:sp>
+        <p:nvSpPr>
+          <p:cNvPr id="28" name="TextBox 27"/>
           <p:cNvSpPr txBox="1"/>
           <p:nvPr/>
         </p:nvSpPr>
         <p:spPr>
           <a:xfrm>
-            <a:off x="1950075" y="3718546"/>
-            <a:ext cx="7654018" cy="646331"/>
+            <a:off x="8789988" y="975587"/>
+            <a:ext cx="1559658" cy="369332"/>
           </a:xfrm>
           <a:prstGeom prst="rect">
             <a:avLst/>
@@ -7737,22 +6190,4011 @@
           <a:lstStyle/>
           <a:p>
             <a:r>
-              <a:rPr lang="en-US" altLang="ko-KR" sz="3600" b="1" dirty="0" smtClean="0"/>
-              <a:t>Controller </a:t>
-            </a:r>
-            <a:r>
-              <a:rPr lang="ko-KR" altLang="en-US" sz="3600" b="1" dirty="0" smtClean="0"/>
-              <a:t>에서 </a:t>
-            </a:r>
-            <a:r>
-              <a:rPr lang="en-US" altLang="ko-KR" sz="3600" b="1" dirty="0" smtClean="0"/>
-              <a:t>Model </a:t>
-            </a:r>
-            <a:r>
-              <a:rPr lang="ko-KR" altLang="en-US" sz="3600" b="1" dirty="0" smtClean="0"/>
-              <a:t>을 분리하다</a:t>
-            </a:r>
-            <a:endParaRPr lang="ko-KR" altLang="en-US" sz="3600" b="1" dirty="0"/>
+              <a:rPr lang="en-US" altLang="ko-KR" dirty="0" smtClean="0"/>
+              <a:t>Model2 MVC</a:t>
+            </a:r>
+            <a:endParaRPr lang="ko-KR" altLang="en-US" dirty="0"/>
+          </a:p>
+        </p:txBody>
+      </p:sp>
+      <p:cxnSp>
+        <p:nvCxnSpPr>
+          <p:cNvPr id="29" name="직선 연결선 28"/>
+          <p:cNvCxnSpPr/>
+          <p:nvPr/>
+        </p:nvCxnSpPr>
+        <p:spPr>
+          <a:xfrm>
+            <a:off x="848691" y="1559827"/>
+            <a:ext cx="1374843" cy="0"/>
+          </a:xfrm>
+          <a:prstGeom prst="line">
+            <a:avLst/>
+          </a:prstGeom>
+          <a:ln>
+            <a:solidFill>
+              <a:schemeClr val="tx1"/>
+            </a:solidFill>
+          </a:ln>
+        </p:spPr>
+        <p:style>
+          <a:lnRef idx="1">
+            <a:schemeClr val="accent1"/>
+          </a:lnRef>
+          <a:fillRef idx="0">
+            <a:schemeClr val="accent1"/>
+          </a:fillRef>
+          <a:effectRef idx="0">
+            <a:schemeClr val="accent1"/>
+          </a:effectRef>
+          <a:fontRef idx="minor">
+            <a:schemeClr val="tx1"/>
+          </a:fontRef>
+        </p:style>
+      </p:cxnSp>
+      <p:sp>
+        <p:nvSpPr>
+          <p:cNvPr id="30" name="TextBox 29"/>
+          <p:cNvSpPr txBox="1"/>
+          <p:nvPr/>
+        </p:nvSpPr>
+        <p:spPr>
+          <a:xfrm>
+            <a:off x="1088056" y="1128726"/>
+            <a:ext cx="779381" cy="369332"/>
+          </a:xfrm>
+          <a:prstGeom prst="rect">
+            <a:avLst/>
+          </a:prstGeom>
+          <a:noFill/>
+        </p:spPr>
+        <p:txBody>
+          <a:bodyPr wrap="none" rtlCol="0">
+            <a:spAutoFit/>
+          </a:bodyPr>
+          <a:lstStyle/>
+          <a:p>
+            <a:r>
+              <a:rPr lang="en-US" altLang="ko-KR" dirty="0" smtClean="0"/>
+              <a:t>Client</a:t>
+            </a:r>
+            <a:endParaRPr lang="ko-KR" altLang="en-US" dirty="0"/>
+          </a:p>
+        </p:txBody>
+      </p:sp>
+      <p:sp>
+        <p:nvSpPr>
+          <p:cNvPr id="34" name="타원 33"/>
+          <p:cNvSpPr/>
+          <p:nvPr/>
+        </p:nvSpPr>
+        <p:spPr>
+          <a:xfrm>
+            <a:off x="508272" y="1892640"/>
+            <a:ext cx="1926076" cy="1074265"/>
+          </a:xfrm>
+          <a:prstGeom prst="ellipse">
+            <a:avLst/>
+          </a:prstGeom>
+          <a:noFill/>
+        </p:spPr>
+        <p:style>
+          <a:lnRef idx="2">
+            <a:schemeClr val="accent1">
+              <a:shade val="50000"/>
+            </a:schemeClr>
+          </a:lnRef>
+          <a:fillRef idx="1">
+            <a:schemeClr val="accent1"/>
+          </a:fillRef>
+          <a:effectRef idx="0">
+            <a:schemeClr val="accent1"/>
+          </a:effectRef>
+          <a:fontRef idx="minor">
+            <a:schemeClr val="lt1"/>
+          </a:fontRef>
+        </p:style>
+        <p:txBody>
+          <a:bodyPr rtlCol="0" anchor="ctr"/>
+          <a:lstStyle/>
+          <a:p>
+            <a:pPr algn="ctr"/>
+            <a:r>
+              <a:rPr lang="ko-KR" altLang="en-US" sz="1600" smtClean="0">
+                <a:solidFill>
+                  <a:schemeClr val="tx1"/>
+                </a:solidFill>
+              </a:rPr>
+              <a:t>조회</a:t>
+            </a:r>
+            <a:endParaRPr lang="ko-KR" altLang="en-US" sz="1600" dirty="0">
+              <a:solidFill>
+                <a:schemeClr val="tx1"/>
+              </a:solidFill>
+            </a:endParaRPr>
+          </a:p>
+        </p:txBody>
+      </p:sp>
+      <p:sp>
+        <p:nvSpPr>
+          <p:cNvPr id="35" name="타원 34"/>
+          <p:cNvSpPr/>
+          <p:nvPr/>
+        </p:nvSpPr>
+        <p:spPr>
+          <a:xfrm>
+            <a:off x="508272" y="3135426"/>
+            <a:ext cx="1926076" cy="1074265"/>
+          </a:xfrm>
+          <a:prstGeom prst="ellipse">
+            <a:avLst/>
+          </a:prstGeom>
+          <a:noFill/>
+        </p:spPr>
+        <p:style>
+          <a:lnRef idx="2">
+            <a:schemeClr val="accent1">
+              <a:shade val="50000"/>
+            </a:schemeClr>
+          </a:lnRef>
+          <a:fillRef idx="1">
+            <a:schemeClr val="accent1"/>
+          </a:fillRef>
+          <a:effectRef idx="0">
+            <a:schemeClr val="accent1"/>
+          </a:effectRef>
+          <a:fontRef idx="minor">
+            <a:schemeClr val="lt1"/>
+          </a:fontRef>
+        </p:style>
+        <p:txBody>
+          <a:bodyPr rtlCol="0" anchor="ctr"/>
+          <a:lstStyle/>
+          <a:p>
+            <a:pPr algn="ctr"/>
+            <a:r>
+              <a:rPr lang="ko-KR" altLang="en-US" sz="1600" dirty="0" smtClean="0">
+                <a:solidFill>
+                  <a:schemeClr val="tx1"/>
+                </a:solidFill>
+              </a:rPr>
+              <a:t>등록</a:t>
+            </a:r>
+            <a:endParaRPr lang="en-US" altLang="ko-KR" sz="1600" dirty="0" smtClean="0">
+              <a:solidFill>
+                <a:schemeClr val="tx1"/>
+              </a:solidFill>
+            </a:endParaRPr>
+          </a:p>
+          <a:p>
+            <a:pPr algn="ctr"/>
+            <a:r>
+              <a:rPr lang="en-US" altLang="ko-KR" sz="1600" dirty="0" smtClean="0">
+                <a:solidFill>
+                  <a:schemeClr val="tx1"/>
+                </a:solidFill>
+              </a:rPr>
+              <a:t>regist.html</a:t>
+            </a:r>
+            <a:endParaRPr lang="ko-KR" altLang="en-US" sz="1600" dirty="0">
+              <a:solidFill>
+                <a:schemeClr val="tx1"/>
+              </a:solidFill>
+            </a:endParaRPr>
+          </a:p>
+        </p:txBody>
+      </p:sp>
+      <p:sp>
+        <p:nvSpPr>
+          <p:cNvPr id="36" name="타원 35"/>
+          <p:cNvSpPr/>
+          <p:nvPr/>
+        </p:nvSpPr>
+        <p:spPr>
+          <a:xfrm>
+            <a:off x="573074" y="4448934"/>
+            <a:ext cx="1926076" cy="1074265"/>
+          </a:xfrm>
+          <a:prstGeom prst="ellipse">
+            <a:avLst/>
+          </a:prstGeom>
+          <a:noFill/>
+        </p:spPr>
+        <p:style>
+          <a:lnRef idx="2">
+            <a:schemeClr val="accent1">
+              <a:shade val="50000"/>
+            </a:schemeClr>
+          </a:lnRef>
+          <a:fillRef idx="1">
+            <a:schemeClr val="accent1"/>
+          </a:fillRef>
+          <a:effectRef idx="0">
+            <a:schemeClr val="accent1"/>
+          </a:effectRef>
+          <a:fontRef idx="minor">
+            <a:schemeClr val="lt1"/>
+          </a:fontRef>
+        </p:style>
+        <p:txBody>
+          <a:bodyPr rtlCol="0" anchor="ctr"/>
+          <a:lstStyle/>
+          <a:p>
+            <a:pPr algn="ctr"/>
+            <a:r>
+              <a:rPr lang="ko-KR" altLang="en-US" sz="1600" dirty="0" smtClean="0">
+                <a:solidFill>
+                  <a:schemeClr val="tx1"/>
+                </a:solidFill>
+              </a:rPr>
+              <a:t>삭제</a:t>
+            </a:r>
+            <a:endParaRPr lang="ko-KR" altLang="en-US" sz="1600" dirty="0">
+              <a:solidFill>
+                <a:schemeClr val="tx1"/>
+              </a:solidFill>
+            </a:endParaRPr>
+          </a:p>
+        </p:txBody>
+      </p:sp>
+      <p:cxnSp>
+        <p:nvCxnSpPr>
+          <p:cNvPr id="37" name="직선 연결선 36"/>
+          <p:cNvCxnSpPr/>
+          <p:nvPr/>
+        </p:nvCxnSpPr>
+        <p:spPr>
+          <a:xfrm>
+            <a:off x="4379786" y="1559827"/>
+            <a:ext cx="1374843" cy="0"/>
+          </a:xfrm>
+          <a:prstGeom prst="line">
+            <a:avLst/>
+          </a:prstGeom>
+          <a:ln>
+            <a:solidFill>
+              <a:schemeClr val="tx1"/>
+            </a:solidFill>
+          </a:ln>
+        </p:spPr>
+        <p:style>
+          <a:lnRef idx="1">
+            <a:schemeClr val="accent1"/>
+          </a:lnRef>
+          <a:fillRef idx="0">
+            <a:schemeClr val="accent1"/>
+          </a:fillRef>
+          <a:effectRef idx="0">
+            <a:schemeClr val="accent1"/>
+          </a:effectRef>
+          <a:fontRef idx="minor">
+            <a:schemeClr val="tx1"/>
+          </a:fontRef>
+        </p:style>
+      </p:cxnSp>
+      <p:cxnSp>
+        <p:nvCxnSpPr>
+          <p:cNvPr id="38" name="직선 연결선 37"/>
+          <p:cNvCxnSpPr/>
+          <p:nvPr/>
+        </p:nvCxnSpPr>
+        <p:spPr>
+          <a:xfrm>
+            <a:off x="8882395" y="1498058"/>
+            <a:ext cx="1374843" cy="0"/>
+          </a:xfrm>
+          <a:prstGeom prst="line">
+            <a:avLst/>
+          </a:prstGeom>
+          <a:ln>
+            <a:solidFill>
+              <a:schemeClr val="tx1"/>
+            </a:solidFill>
+          </a:ln>
+        </p:spPr>
+        <p:style>
+          <a:lnRef idx="1">
+            <a:schemeClr val="accent1"/>
+          </a:lnRef>
+          <a:fillRef idx="0">
+            <a:schemeClr val="accent1"/>
+          </a:fillRef>
+          <a:effectRef idx="0">
+            <a:schemeClr val="accent1"/>
+          </a:effectRef>
+          <a:fontRef idx="minor">
+            <a:schemeClr val="tx1"/>
+          </a:fontRef>
+        </p:style>
+      </p:cxnSp>
+      <p:cxnSp>
+        <p:nvCxnSpPr>
+          <p:cNvPr id="14" name="직선 화살표 연결선 13"/>
+          <p:cNvCxnSpPr>
+            <a:stCxn id="34" idx="6"/>
+            <a:endCxn id="3" idx="1"/>
+          </p:cNvCxnSpPr>
+          <p:nvPr/>
+        </p:nvCxnSpPr>
+        <p:spPr>
+          <a:xfrm>
+            <a:off x="2434348" y="2429773"/>
+            <a:ext cx="1725037" cy="1"/>
+          </a:xfrm>
+          <a:prstGeom prst="straightConnector1">
+            <a:avLst/>
+          </a:prstGeom>
+          <a:ln>
+            <a:tailEnd type="triangle"/>
+          </a:ln>
+        </p:spPr>
+        <p:style>
+          <a:lnRef idx="1">
+            <a:schemeClr val="accent1"/>
+          </a:lnRef>
+          <a:fillRef idx="0">
+            <a:schemeClr val="accent1"/>
+          </a:fillRef>
+          <a:effectRef idx="0">
+            <a:schemeClr val="accent1"/>
+          </a:effectRef>
+          <a:fontRef idx="minor">
+            <a:schemeClr val="tx1"/>
+          </a:fontRef>
+        </p:style>
+      </p:cxnSp>
+      <p:sp>
+        <p:nvSpPr>
+          <p:cNvPr id="16" name="TextBox 15"/>
+          <p:cNvSpPr txBox="1"/>
+          <p:nvPr/>
+        </p:nvSpPr>
+        <p:spPr>
+          <a:xfrm>
+            <a:off x="2803327" y="2024968"/>
+            <a:ext cx="1017651" cy="369332"/>
+          </a:xfrm>
+          <a:prstGeom prst="rect">
+            <a:avLst/>
+          </a:prstGeom>
+          <a:noFill/>
+        </p:spPr>
+        <p:txBody>
+          <a:bodyPr wrap="none" rtlCol="0">
+            <a:spAutoFit/>
+          </a:bodyPr>
+          <a:lstStyle/>
+          <a:p>
+            <a:r>
+              <a:rPr lang="en-US" altLang="ko-KR" dirty="0" smtClean="0"/>
+              <a:t>Request</a:t>
+            </a:r>
+            <a:endParaRPr lang="ko-KR" altLang="en-US" dirty="0"/>
+          </a:p>
+        </p:txBody>
+      </p:sp>
+      <p:cxnSp>
+        <p:nvCxnSpPr>
+          <p:cNvPr id="40" name="직선 화살표 연결선 39"/>
+          <p:cNvCxnSpPr>
+            <a:stCxn id="35" idx="6"/>
+            <a:endCxn id="23" idx="1"/>
+          </p:cNvCxnSpPr>
+          <p:nvPr/>
+        </p:nvCxnSpPr>
+        <p:spPr>
+          <a:xfrm flipV="1">
+            <a:off x="2434348" y="3669106"/>
+            <a:ext cx="1725037" cy="3453"/>
+          </a:xfrm>
+          <a:prstGeom prst="straightConnector1">
+            <a:avLst/>
+          </a:prstGeom>
+          <a:ln>
+            <a:tailEnd type="triangle"/>
+          </a:ln>
+        </p:spPr>
+        <p:style>
+          <a:lnRef idx="1">
+            <a:schemeClr val="accent1"/>
+          </a:lnRef>
+          <a:fillRef idx="0">
+            <a:schemeClr val="accent1"/>
+          </a:fillRef>
+          <a:effectRef idx="0">
+            <a:schemeClr val="accent1"/>
+          </a:effectRef>
+          <a:fontRef idx="minor">
+            <a:schemeClr val="tx1"/>
+          </a:fontRef>
+        </p:style>
+      </p:cxnSp>
+      <p:sp>
+        <p:nvSpPr>
+          <p:cNvPr id="41" name="TextBox 40"/>
+          <p:cNvSpPr txBox="1"/>
+          <p:nvPr/>
+        </p:nvSpPr>
+        <p:spPr>
+          <a:xfrm>
+            <a:off x="2803329" y="3252172"/>
+            <a:ext cx="1017651" cy="369332"/>
+          </a:xfrm>
+          <a:prstGeom prst="rect">
+            <a:avLst/>
+          </a:prstGeom>
+          <a:noFill/>
+        </p:spPr>
+        <p:txBody>
+          <a:bodyPr wrap="none" rtlCol="0">
+            <a:spAutoFit/>
+          </a:bodyPr>
+          <a:lstStyle/>
+          <a:p>
+            <a:r>
+              <a:rPr lang="en-US" altLang="ko-KR" dirty="0" smtClean="0"/>
+              <a:t>Request</a:t>
+            </a:r>
+            <a:endParaRPr lang="ko-KR" altLang="en-US" dirty="0"/>
+          </a:p>
+        </p:txBody>
+      </p:sp>
+      <p:cxnSp>
+        <p:nvCxnSpPr>
+          <p:cNvPr id="42" name="직선 화살표 연결선 41"/>
+          <p:cNvCxnSpPr>
+            <a:stCxn id="36" idx="6"/>
+            <a:endCxn id="25" idx="1"/>
+          </p:cNvCxnSpPr>
+          <p:nvPr/>
+        </p:nvCxnSpPr>
+        <p:spPr>
+          <a:xfrm flipV="1">
+            <a:off x="2499150" y="4977442"/>
+            <a:ext cx="1668862" cy="8625"/>
+          </a:xfrm>
+          <a:prstGeom prst="straightConnector1">
+            <a:avLst/>
+          </a:prstGeom>
+          <a:ln>
+            <a:tailEnd type="triangle"/>
+          </a:ln>
+        </p:spPr>
+        <p:style>
+          <a:lnRef idx="1">
+            <a:schemeClr val="accent1"/>
+          </a:lnRef>
+          <a:fillRef idx="0">
+            <a:schemeClr val="accent1"/>
+          </a:fillRef>
+          <a:effectRef idx="0">
+            <a:schemeClr val="accent1"/>
+          </a:effectRef>
+          <a:fontRef idx="minor">
+            <a:schemeClr val="tx1"/>
+          </a:fontRef>
+        </p:style>
+      </p:cxnSp>
+      <p:sp>
+        <p:nvSpPr>
+          <p:cNvPr id="45" name="TextBox 44"/>
+          <p:cNvSpPr txBox="1"/>
+          <p:nvPr/>
+        </p:nvSpPr>
+        <p:spPr>
+          <a:xfrm>
+            <a:off x="2803328" y="4497238"/>
+            <a:ext cx="1017651" cy="369332"/>
+          </a:xfrm>
+          <a:prstGeom prst="rect">
+            <a:avLst/>
+          </a:prstGeom>
+          <a:noFill/>
+        </p:spPr>
+        <p:txBody>
+          <a:bodyPr wrap="none" rtlCol="0">
+            <a:spAutoFit/>
+          </a:bodyPr>
+          <a:lstStyle/>
+          <a:p>
+            <a:r>
+              <a:rPr lang="en-US" altLang="ko-KR" dirty="0" smtClean="0"/>
+              <a:t>Request</a:t>
+            </a:r>
+            <a:endParaRPr lang="ko-KR" altLang="en-US" dirty="0"/>
+          </a:p>
+        </p:txBody>
+      </p:sp>
+      <p:sp>
+        <p:nvSpPr>
+          <p:cNvPr id="46" name="TextBox 45"/>
+          <p:cNvSpPr txBox="1"/>
+          <p:nvPr/>
+        </p:nvSpPr>
+        <p:spPr>
+          <a:xfrm>
+            <a:off x="2734953" y="3687328"/>
+            <a:ext cx="1137148" cy="253916"/>
+          </a:xfrm>
+          <a:prstGeom prst="rect">
+            <a:avLst/>
+          </a:prstGeom>
+          <a:noFill/>
+        </p:spPr>
+        <p:txBody>
+          <a:bodyPr wrap="square" rtlCol="0">
+            <a:spAutoFit/>
+          </a:bodyPr>
+          <a:lstStyle/>
+          <a:p>
+            <a:pPr algn="ctr"/>
+            <a:r>
+              <a:rPr lang="en-US" altLang="ko-KR" sz="1050" dirty="0" smtClean="0"/>
+              <a:t>ID , </a:t>
+            </a:r>
+            <a:r>
+              <a:rPr lang="ko-KR" altLang="en-US" sz="1050" dirty="0" smtClean="0"/>
+              <a:t>이름</a:t>
+            </a:r>
+            <a:r>
+              <a:rPr lang="en-US" altLang="ko-KR" sz="1050" dirty="0" smtClean="0"/>
+              <a:t>,</a:t>
+            </a:r>
+            <a:r>
+              <a:rPr lang="ko-KR" altLang="en-US" sz="1050" dirty="0" smtClean="0"/>
+              <a:t>나이</a:t>
+            </a:r>
+            <a:endParaRPr lang="ko-KR" altLang="en-US" sz="1050" dirty="0"/>
+          </a:p>
+        </p:txBody>
+      </p:sp>
+      <p:sp>
+        <p:nvSpPr>
+          <p:cNvPr id="47" name="TextBox 46"/>
+          <p:cNvSpPr txBox="1"/>
+          <p:nvPr/>
+        </p:nvSpPr>
+        <p:spPr>
+          <a:xfrm>
+            <a:off x="2833631" y="5033740"/>
+            <a:ext cx="939792" cy="253916"/>
+          </a:xfrm>
+          <a:prstGeom prst="rect">
+            <a:avLst/>
+          </a:prstGeom>
+          <a:noFill/>
+        </p:spPr>
+        <p:txBody>
+          <a:bodyPr wrap="square" rtlCol="0">
+            <a:spAutoFit/>
+          </a:bodyPr>
+          <a:lstStyle/>
+          <a:p>
+            <a:pPr algn="ctr"/>
+            <a:r>
+              <a:rPr lang="en-US" altLang="ko-KR" sz="1050" dirty="0" smtClean="0"/>
+              <a:t>ID</a:t>
+            </a:r>
+            <a:endParaRPr lang="ko-KR" altLang="en-US" sz="1050" dirty="0"/>
+          </a:p>
+        </p:txBody>
+      </p:sp>
+      <p:sp>
+        <p:nvSpPr>
+          <p:cNvPr id="48" name="TextBox 47"/>
+          <p:cNvSpPr txBox="1"/>
+          <p:nvPr/>
+        </p:nvSpPr>
+        <p:spPr>
+          <a:xfrm>
+            <a:off x="6133388" y="1958196"/>
+            <a:ext cx="1035170" cy="923330"/>
+          </a:xfrm>
+          <a:prstGeom prst="rect">
+            <a:avLst/>
+          </a:prstGeom>
+          <a:noFill/>
+        </p:spPr>
+        <p:txBody>
+          <a:bodyPr wrap="square" rtlCol="0">
+            <a:spAutoFit/>
+          </a:bodyPr>
+          <a:lstStyle/>
+          <a:p>
+            <a:pPr>
+              <a:lnSpc>
+                <a:spcPct val="150000"/>
+              </a:lnSpc>
+            </a:pPr>
+            <a:r>
+              <a:rPr lang="en-US" altLang="ko-KR" sz="1200" dirty="0" err="1" smtClean="0"/>
+              <a:t>db</a:t>
+            </a:r>
+            <a:r>
+              <a:rPr lang="en-US" altLang="ko-KR" sz="1200" dirty="0" smtClean="0"/>
+              <a:t> </a:t>
+            </a:r>
+            <a:r>
+              <a:rPr lang="ko-KR" altLang="en-US" sz="1200" dirty="0" smtClean="0"/>
+              <a:t>연결</a:t>
+            </a:r>
+            <a:endParaRPr lang="en-US" altLang="ko-KR" sz="1200" dirty="0" smtClean="0"/>
+          </a:p>
+          <a:p>
+            <a:pPr>
+              <a:lnSpc>
+                <a:spcPct val="150000"/>
+              </a:lnSpc>
+            </a:pPr>
+            <a:r>
+              <a:rPr lang="ko-KR" altLang="en-US" sz="1200" dirty="0" smtClean="0"/>
+              <a:t>데이터 추출</a:t>
+            </a:r>
+            <a:endParaRPr lang="en-US" altLang="ko-KR" sz="1200" dirty="0" smtClean="0"/>
+          </a:p>
+          <a:p>
+            <a:pPr>
+              <a:lnSpc>
+                <a:spcPct val="150000"/>
+              </a:lnSpc>
+            </a:pPr>
+            <a:r>
+              <a:rPr lang="en-US" altLang="ko-KR" sz="1200" dirty="0" smtClean="0"/>
+              <a:t>html </a:t>
+            </a:r>
+            <a:r>
+              <a:rPr lang="ko-KR" altLang="en-US" sz="1200" dirty="0" smtClean="0"/>
+              <a:t>작성</a:t>
+            </a:r>
+            <a:endParaRPr lang="ko-KR" altLang="en-US" sz="1200" dirty="0"/>
+          </a:p>
+        </p:txBody>
+      </p:sp>
+      <p:sp>
+        <p:nvSpPr>
+          <p:cNvPr id="50" name="TextBox 49"/>
+          <p:cNvSpPr txBox="1"/>
+          <p:nvPr/>
+        </p:nvSpPr>
+        <p:spPr>
+          <a:xfrm>
+            <a:off x="6133388" y="3096589"/>
+            <a:ext cx="1207698" cy="1200329"/>
+          </a:xfrm>
+          <a:prstGeom prst="rect">
+            <a:avLst/>
+          </a:prstGeom>
+          <a:noFill/>
+        </p:spPr>
+        <p:txBody>
+          <a:bodyPr wrap="square" rtlCol="0">
+            <a:spAutoFit/>
+          </a:bodyPr>
+          <a:lstStyle/>
+          <a:p>
+            <a:pPr>
+              <a:lnSpc>
+                <a:spcPct val="150000"/>
+              </a:lnSpc>
+            </a:pPr>
+            <a:r>
+              <a:rPr lang="en-US" altLang="ko-KR" sz="1200" dirty="0" smtClean="0"/>
+              <a:t>request.get~</a:t>
+            </a:r>
+          </a:p>
+          <a:p>
+            <a:pPr>
+              <a:lnSpc>
+                <a:spcPct val="150000"/>
+              </a:lnSpc>
+            </a:pPr>
+            <a:r>
+              <a:rPr lang="en-US" altLang="ko-KR" sz="1200" dirty="0" err="1" smtClean="0"/>
+              <a:t>db</a:t>
+            </a:r>
+            <a:r>
+              <a:rPr lang="en-US" altLang="ko-KR" sz="1200" dirty="0" smtClean="0"/>
+              <a:t> </a:t>
+            </a:r>
+            <a:r>
+              <a:rPr lang="ko-KR" altLang="en-US" sz="1200" dirty="0" smtClean="0"/>
+              <a:t>연결</a:t>
+            </a:r>
+            <a:endParaRPr lang="en-US" altLang="ko-KR" sz="1200" dirty="0" smtClean="0"/>
+          </a:p>
+          <a:p>
+            <a:pPr>
+              <a:lnSpc>
+                <a:spcPct val="150000"/>
+              </a:lnSpc>
+            </a:pPr>
+            <a:r>
+              <a:rPr lang="ko-KR" altLang="en-US" sz="1200" dirty="0" smtClean="0"/>
+              <a:t>데이터 입력</a:t>
+            </a:r>
+            <a:endParaRPr lang="en-US" altLang="ko-KR" sz="1200" dirty="0" smtClean="0"/>
+          </a:p>
+          <a:p>
+            <a:pPr>
+              <a:lnSpc>
+                <a:spcPct val="150000"/>
+              </a:lnSpc>
+            </a:pPr>
+            <a:r>
+              <a:rPr lang="en-US" altLang="ko-KR" sz="1200" dirty="0" smtClean="0"/>
+              <a:t>Home </a:t>
+            </a:r>
+            <a:r>
+              <a:rPr lang="ko-KR" altLang="en-US" sz="1200" dirty="0" smtClean="0"/>
+              <a:t>이동</a:t>
+            </a:r>
+            <a:endParaRPr lang="ko-KR" altLang="en-US" sz="1200" dirty="0"/>
+          </a:p>
+        </p:txBody>
+      </p:sp>
+      <p:sp>
+        <p:nvSpPr>
+          <p:cNvPr id="51" name="TextBox 50"/>
+          <p:cNvSpPr txBox="1"/>
+          <p:nvPr/>
+        </p:nvSpPr>
+        <p:spPr>
+          <a:xfrm>
+            <a:off x="6242656" y="4385901"/>
+            <a:ext cx="1207698" cy="1200329"/>
+          </a:xfrm>
+          <a:prstGeom prst="rect">
+            <a:avLst/>
+          </a:prstGeom>
+          <a:noFill/>
+        </p:spPr>
+        <p:txBody>
+          <a:bodyPr wrap="square" rtlCol="0">
+            <a:spAutoFit/>
+          </a:bodyPr>
+          <a:lstStyle/>
+          <a:p>
+            <a:pPr>
+              <a:lnSpc>
+                <a:spcPct val="150000"/>
+              </a:lnSpc>
+            </a:pPr>
+            <a:r>
+              <a:rPr lang="en-US" altLang="ko-KR" sz="1200" dirty="0" smtClean="0"/>
+              <a:t>request.get~</a:t>
+            </a:r>
+          </a:p>
+          <a:p>
+            <a:pPr>
+              <a:lnSpc>
+                <a:spcPct val="150000"/>
+              </a:lnSpc>
+            </a:pPr>
+            <a:r>
+              <a:rPr lang="en-US" altLang="ko-KR" sz="1200" dirty="0" err="1" smtClean="0"/>
+              <a:t>db</a:t>
+            </a:r>
+            <a:r>
+              <a:rPr lang="en-US" altLang="ko-KR" sz="1200" dirty="0" smtClean="0"/>
+              <a:t> </a:t>
+            </a:r>
+            <a:r>
+              <a:rPr lang="ko-KR" altLang="en-US" sz="1200" dirty="0" smtClean="0"/>
+              <a:t>연결</a:t>
+            </a:r>
+            <a:endParaRPr lang="en-US" altLang="ko-KR" sz="1200" dirty="0" smtClean="0"/>
+          </a:p>
+          <a:p>
+            <a:pPr>
+              <a:lnSpc>
+                <a:spcPct val="150000"/>
+              </a:lnSpc>
+            </a:pPr>
+            <a:r>
+              <a:rPr lang="ko-KR" altLang="en-US" sz="1200" dirty="0" smtClean="0"/>
+              <a:t>데이터 삭제</a:t>
+            </a:r>
+            <a:endParaRPr lang="en-US" altLang="ko-KR" sz="1200" dirty="0" smtClean="0"/>
+          </a:p>
+          <a:p>
+            <a:pPr>
+              <a:lnSpc>
+                <a:spcPct val="150000"/>
+              </a:lnSpc>
+            </a:pPr>
+            <a:r>
+              <a:rPr lang="en-US" altLang="ko-KR" sz="1200" dirty="0" smtClean="0"/>
+              <a:t>Home </a:t>
+            </a:r>
+            <a:r>
+              <a:rPr lang="ko-KR" altLang="en-US" sz="1200" dirty="0" smtClean="0"/>
+              <a:t>이동</a:t>
+            </a:r>
+            <a:endParaRPr lang="ko-KR" altLang="en-US" sz="1200" dirty="0"/>
+          </a:p>
+        </p:txBody>
+      </p:sp>
+      <p:cxnSp>
+        <p:nvCxnSpPr>
+          <p:cNvPr id="53" name="직선 연결선 52"/>
+          <p:cNvCxnSpPr/>
+          <p:nvPr/>
+        </p:nvCxnSpPr>
+        <p:spPr>
+          <a:xfrm>
+            <a:off x="7450354" y="1892640"/>
+            <a:ext cx="0" cy="4042334"/>
+          </a:xfrm>
+          <a:prstGeom prst="line">
+            <a:avLst/>
+          </a:prstGeom>
+          <a:ln>
+            <a:solidFill>
+              <a:schemeClr val="bg2">
+                <a:lumMod val="90000"/>
+              </a:schemeClr>
+            </a:solidFill>
+          </a:ln>
+        </p:spPr>
+        <p:style>
+          <a:lnRef idx="1">
+            <a:schemeClr val="accent1"/>
+          </a:lnRef>
+          <a:fillRef idx="0">
+            <a:schemeClr val="accent1"/>
+          </a:fillRef>
+          <a:effectRef idx="0">
+            <a:schemeClr val="accent1"/>
+          </a:effectRef>
+          <a:fontRef idx="minor">
+            <a:schemeClr val="tx1"/>
+          </a:fontRef>
+        </p:style>
+      </p:cxnSp>
+      <p:sp>
+        <p:nvSpPr>
+          <p:cNvPr id="54" name="모서리가 둥근 직사각형 53"/>
+          <p:cNvSpPr/>
+          <p:nvPr/>
+        </p:nvSpPr>
+        <p:spPr>
+          <a:xfrm>
+            <a:off x="7662577" y="1978254"/>
+            <a:ext cx="591046" cy="1541322"/>
+          </a:xfrm>
+          <a:prstGeom prst="roundRect">
+            <a:avLst/>
+          </a:prstGeom>
+          <a:solidFill>
+            <a:schemeClr val="bg1">
+              <a:lumMod val="85000"/>
+            </a:schemeClr>
+          </a:solidFill>
+        </p:spPr>
+        <p:style>
+          <a:lnRef idx="2">
+            <a:schemeClr val="accent1">
+              <a:shade val="50000"/>
+            </a:schemeClr>
+          </a:lnRef>
+          <a:fillRef idx="1">
+            <a:schemeClr val="accent1"/>
+          </a:fillRef>
+          <a:effectRef idx="0">
+            <a:schemeClr val="accent1"/>
+          </a:effectRef>
+          <a:fontRef idx="minor">
+            <a:schemeClr val="lt1"/>
+          </a:fontRef>
+        </p:style>
+        <p:txBody>
+          <a:bodyPr rtlCol="0" anchor="ctr"/>
+          <a:lstStyle/>
+          <a:p>
+            <a:pPr algn="ctr"/>
+            <a:r>
+              <a:rPr lang="ko-KR" altLang="en-US" sz="1400" b="1" dirty="0" smtClean="0">
+                <a:solidFill>
+                  <a:schemeClr val="tx1"/>
+                </a:solidFill>
+              </a:rPr>
+              <a:t>컨트</a:t>
+            </a:r>
+            <a:endParaRPr lang="en-US" altLang="ko-KR" sz="1400" b="1" dirty="0" smtClean="0">
+              <a:solidFill>
+                <a:schemeClr val="tx1"/>
+              </a:solidFill>
+            </a:endParaRPr>
+          </a:p>
+          <a:p>
+            <a:pPr algn="ctr"/>
+            <a:r>
+              <a:rPr lang="ko-KR" altLang="en-US" sz="1400" b="1" dirty="0" smtClean="0">
+                <a:solidFill>
+                  <a:schemeClr val="tx1"/>
+                </a:solidFill>
+              </a:rPr>
+              <a:t>롤러</a:t>
+            </a:r>
+            <a:endParaRPr lang="ko-KR" altLang="en-US" sz="1400" b="1" dirty="0">
+              <a:solidFill>
+                <a:schemeClr val="tx1"/>
+              </a:solidFill>
+            </a:endParaRPr>
+          </a:p>
+        </p:txBody>
+      </p:sp>
+      <p:sp>
+        <p:nvSpPr>
+          <p:cNvPr id="55" name="모서리가 둥근 직사각형 54"/>
+          <p:cNvSpPr/>
+          <p:nvPr/>
+        </p:nvSpPr>
+        <p:spPr>
+          <a:xfrm>
+            <a:off x="10162445" y="1892639"/>
+            <a:ext cx="704416" cy="1626937"/>
+          </a:xfrm>
+          <a:prstGeom prst="roundRect">
+            <a:avLst/>
+          </a:prstGeom>
+          <a:solidFill>
+            <a:schemeClr val="bg1">
+              <a:lumMod val="85000"/>
+            </a:schemeClr>
+          </a:solidFill>
+        </p:spPr>
+        <p:style>
+          <a:lnRef idx="2">
+            <a:schemeClr val="accent1">
+              <a:shade val="50000"/>
+            </a:schemeClr>
+          </a:lnRef>
+          <a:fillRef idx="1">
+            <a:schemeClr val="accent1"/>
+          </a:fillRef>
+          <a:effectRef idx="0">
+            <a:schemeClr val="accent1"/>
+          </a:effectRef>
+          <a:fontRef idx="minor">
+            <a:schemeClr val="lt1"/>
+          </a:fontRef>
+        </p:style>
+        <p:txBody>
+          <a:bodyPr rtlCol="0" anchor="ctr"/>
+          <a:lstStyle/>
+          <a:p>
+            <a:pPr algn="ctr"/>
+            <a:r>
+              <a:rPr lang="ko-KR" altLang="en-US" sz="1400" b="1" dirty="0" smtClean="0">
+                <a:solidFill>
+                  <a:schemeClr val="tx1"/>
+                </a:solidFill>
+              </a:rPr>
+              <a:t>모델</a:t>
+            </a:r>
+            <a:endParaRPr lang="ko-KR" altLang="en-US" sz="1400" b="1" dirty="0">
+              <a:solidFill>
+                <a:schemeClr val="tx1"/>
+              </a:solidFill>
+            </a:endParaRPr>
+          </a:p>
+        </p:txBody>
+      </p:sp>
+      <p:sp>
+        <p:nvSpPr>
+          <p:cNvPr id="56" name="모서리가 둥근 직사각형 55"/>
+          <p:cNvSpPr/>
+          <p:nvPr/>
+        </p:nvSpPr>
+        <p:spPr>
+          <a:xfrm>
+            <a:off x="7661545" y="4955630"/>
+            <a:ext cx="1072552" cy="830706"/>
+          </a:xfrm>
+          <a:prstGeom prst="roundRect">
+            <a:avLst/>
+          </a:prstGeom>
+          <a:solidFill>
+            <a:schemeClr val="bg1">
+              <a:lumMod val="85000"/>
+            </a:schemeClr>
+          </a:solidFill>
+        </p:spPr>
+        <p:style>
+          <a:lnRef idx="2">
+            <a:schemeClr val="accent1">
+              <a:shade val="50000"/>
+            </a:schemeClr>
+          </a:lnRef>
+          <a:fillRef idx="1">
+            <a:schemeClr val="accent1"/>
+          </a:fillRef>
+          <a:effectRef idx="0">
+            <a:schemeClr val="accent1"/>
+          </a:effectRef>
+          <a:fontRef idx="minor">
+            <a:schemeClr val="lt1"/>
+          </a:fontRef>
+        </p:style>
+        <p:txBody>
+          <a:bodyPr rtlCol="0" anchor="ctr"/>
+          <a:lstStyle/>
+          <a:p>
+            <a:pPr algn="ctr"/>
+            <a:r>
+              <a:rPr lang="ko-KR" altLang="en-US" sz="1400" b="1" dirty="0" err="1" smtClean="0">
+                <a:solidFill>
+                  <a:schemeClr val="tx1"/>
+                </a:solidFill>
+              </a:rPr>
+              <a:t>뷰</a:t>
+            </a:r>
+            <a:endParaRPr lang="ko-KR" altLang="en-US" sz="1400" b="1" dirty="0">
+              <a:solidFill>
+                <a:schemeClr val="tx1"/>
+              </a:solidFill>
+            </a:endParaRPr>
+          </a:p>
+        </p:txBody>
+      </p:sp>
+      <p:sp>
+        <p:nvSpPr>
+          <p:cNvPr id="61" name="타원 60"/>
+          <p:cNvSpPr/>
+          <p:nvPr/>
+        </p:nvSpPr>
+        <p:spPr>
+          <a:xfrm>
+            <a:off x="9556156" y="2128245"/>
+            <a:ext cx="225725" cy="271225"/>
+          </a:xfrm>
+          <a:prstGeom prst="ellipse">
+            <a:avLst/>
+          </a:prstGeom>
+        </p:spPr>
+        <p:style>
+          <a:lnRef idx="2">
+            <a:schemeClr val="accent1">
+              <a:shade val="50000"/>
+            </a:schemeClr>
+          </a:lnRef>
+          <a:fillRef idx="1">
+            <a:schemeClr val="accent1"/>
+          </a:fillRef>
+          <a:effectRef idx="0">
+            <a:schemeClr val="accent1"/>
+          </a:effectRef>
+          <a:fontRef idx="minor">
+            <a:schemeClr val="lt1"/>
+          </a:fontRef>
+        </p:style>
+        <p:txBody>
+          <a:bodyPr rtlCol="0" anchor="ctr"/>
+          <a:lstStyle/>
+          <a:p>
+            <a:pPr algn="ctr"/>
+            <a:r>
+              <a:rPr lang="en-US" altLang="ko-KR" sz="1000" dirty="0" smtClean="0"/>
+              <a:t>1</a:t>
+            </a:r>
+            <a:endParaRPr lang="ko-KR" altLang="en-US" sz="1000" dirty="0"/>
+          </a:p>
+        </p:txBody>
+      </p:sp>
+      <p:sp>
+        <p:nvSpPr>
+          <p:cNvPr id="74" name="오른쪽 화살표 73"/>
+          <p:cNvSpPr/>
+          <p:nvPr/>
+        </p:nvSpPr>
+        <p:spPr>
+          <a:xfrm>
+            <a:off x="7228951" y="2281384"/>
+            <a:ext cx="393931" cy="271226"/>
+          </a:xfrm>
+          <a:prstGeom prst="rightArrow">
+            <a:avLst/>
+          </a:prstGeom>
+        </p:spPr>
+        <p:style>
+          <a:lnRef idx="2">
+            <a:schemeClr val="accent1">
+              <a:shade val="50000"/>
+            </a:schemeClr>
+          </a:lnRef>
+          <a:fillRef idx="1">
+            <a:schemeClr val="accent1"/>
+          </a:fillRef>
+          <a:effectRef idx="0">
+            <a:schemeClr val="accent1"/>
+          </a:effectRef>
+          <a:fontRef idx="minor">
+            <a:schemeClr val="lt1"/>
+          </a:fontRef>
+        </p:style>
+        <p:txBody>
+          <a:bodyPr rtlCol="0" anchor="ctr"/>
+          <a:lstStyle/>
+          <a:p>
+            <a:pPr algn="ctr"/>
+            <a:endParaRPr lang="ko-KR" altLang="en-US"/>
+          </a:p>
+        </p:txBody>
+      </p:sp>
+      <p:sp>
+        <p:nvSpPr>
+          <p:cNvPr id="75" name="TextBox 74"/>
+          <p:cNvSpPr txBox="1"/>
+          <p:nvPr/>
+        </p:nvSpPr>
+        <p:spPr>
+          <a:xfrm>
+            <a:off x="8321403" y="2038729"/>
+            <a:ext cx="1100818" cy="646331"/>
+          </a:xfrm>
+          <a:prstGeom prst="rect">
+            <a:avLst/>
+          </a:prstGeom>
+          <a:noFill/>
+        </p:spPr>
+        <p:txBody>
+          <a:bodyPr wrap="square" rtlCol="0">
+            <a:spAutoFit/>
+          </a:bodyPr>
+          <a:lstStyle/>
+          <a:p>
+            <a:pPr>
+              <a:lnSpc>
+                <a:spcPct val="150000"/>
+              </a:lnSpc>
+            </a:pPr>
+            <a:r>
+              <a:rPr lang="en-US" altLang="ko-KR" sz="1200" dirty="0" err="1" smtClean="0"/>
+              <a:t>request.get~call</a:t>
+            </a:r>
+            <a:r>
+              <a:rPr lang="en-US" altLang="ko-KR" sz="1200" dirty="0" smtClean="0"/>
+              <a:t> </a:t>
+            </a:r>
+            <a:r>
+              <a:rPr lang="ko-KR" altLang="en-US" sz="1200" dirty="0" smtClean="0"/>
+              <a:t>모델</a:t>
+            </a:r>
+            <a:endParaRPr lang="en-US" altLang="ko-KR" sz="1200" dirty="0" smtClean="0"/>
+          </a:p>
+        </p:txBody>
+      </p:sp>
+      <p:sp>
+        <p:nvSpPr>
+          <p:cNvPr id="76" name="TextBox 75"/>
+          <p:cNvSpPr txBox="1"/>
+          <p:nvPr/>
+        </p:nvSpPr>
+        <p:spPr>
+          <a:xfrm>
+            <a:off x="10933440" y="1772387"/>
+            <a:ext cx="1180844" cy="923330"/>
+          </a:xfrm>
+          <a:prstGeom prst="rect">
+            <a:avLst/>
+          </a:prstGeom>
+          <a:noFill/>
+        </p:spPr>
+        <p:txBody>
+          <a:bodyPr wrap="square" rtlCol="0">
+            <a:spAutoFit/>
+          </a:bodyPr>
+          <a:lstStyle/>
+          <a:p>
+            <a:pPr>
+              <a:lnSpc>
+                <a:spcPct val="150000"/>
+              </a:lnSpc>
+            </a:pPr>
+            <a:r>
+              <a:rPr lang="en-US" altLang="ko-KR" sz="1200" dirty="0" smtClean="0"/>
+              <a:t>DB </a:t>
+            </a:r>
+            <a:r>
+              <a:rPr lang="ko-KR" altLang="en-US" sz="1200" dirty="0" smtClean="0"/>
+              <a:t>연결</a:t>
+            </a:r>
+            <a:endParaRPr lang="en-US" altLang="ko-KR" sz="1200" dirty="0" smtClean="0"/>
+          </a:p>
+          <a:p>
+            <a:pPr>
+              <a:lnSpc>
+                <a:spcPct val="150000"/>
+              </a:lnSpc>
+            </a:pPr>
+            <a:r>
+              <a:rPr lang="ko-KR" altLang="en-US" sz="1200" dirty="0" smtClean="0"/>
+              <a:t>데이터추출</a:t>
+            </a:r>
+            <a:endParaRPr lang="en-US" altLang="ko-KR" sz="1200" dirty="0" smtClean="0"/>
+          </a:p>
+          <a:p>
+            <a:pPr>
+              <a:lnSpc>
+                <a:spcPct val="150000"/>
+              </a:lnSpc>
+            </a:pPr>
+            <a:r>
+              <a:rPr lang="en-US" altLang="ko-KR" sz="1200" dirty="0" smtClean="0"/>
+              <a:t>return </a:t>
+            </a:r>
+            <a:r>
+              <a:rPr lang="ko-KR" altLang="en-US" sz="1200" dirty="0" smtClean="0"/>
+              <a:t>데이터</a:t>
+            </a:r>
+            <a:endParaRPr lang="en-US" altLang="ko-KR" sz="1200" dirty="0" smtClean="0"/>
+          </a:p>
+        </p:txBody>
+      </p:sp>
+      <p:cxnSp>
+        <p:nvCxnSpPr>
+          <p:cNvPr id="78" name="직선 화살표 연결선 77"/>
+          <p:cNvCxnSpPr/>
+          <p:nvPr/>
+        </p:nvCxnSpPr>
+        <p:spPr>
+          <a:xfrm>
+            <a:off x="9316300" y="2552610"/>
+            <a:ext cx="733474" cy="0"/>
+          </a:xfrm>
+          <a:prstGeom prst="straightConnector1">
+            <a:avLst/>
+          </a:prstGeom>
+          <a:ln>
+            <a:tailEnd type="triangle"/>
+          </a:ln>
+        </p:spPr>
+        <p:style>
+          <a:lnRef idx="1">
+            <a:schemeClr val="accent1"/>
+          </a:lnRef>
+          <a:fillRef idx="0">
+            <a:schemeClr val="accent1"/>
+          </a:fillRef>
+          <a:effectRef idx="0">
+            <a:schemeClr val="accent1"/>
+          </a:effectRef>
+          <a:fontRef idx="minor">
+            <a:schemeClr val="tx1"/>
+          </a:fontRef>
+        </p:style>
+      </p:cxnSp>
+      <p:cxnSp>
+        <p:nvCxnSpPr>
+          <p:cNvPr id="85" name="직선 화살표 연결선 84"/>
+          <p:cNvCxnSpPr/>
+          <p:nvPr/>
+        </p:nvCxnSpPr>
+        <p:spPr>
+          <a:xfrm flipH="1">
+            <a:off x="8437391" y="2966905"/>
+            <a:ext cx="1604553" cy="0"/>
+          </a:xfrm>
+          <a:prstGeom prst="straightConnector1">
+            <a:avLst/>
+          </a:prstGeom>
+          <a:ln>
+            <a:tailEnd type="triangle"/>
+          </a:ln>
+        </p:spPr>
+        <p:style>
+          <a:lnRef idx="1">
+            <a:schemeClr val="accent1"/>
+          </a:lnRef>
+          <a:fillRef idx="0">
+            <a:schemeClr val="accent1"/>
+          </a:fillRef>
+          <a:effectRef idx="0">
+            <a:schemeClr val="accent1"/>
+          </a:effectRef>
+          <a:fontRef idx="minor">
+            <a:schemeClr val="tx1"/>
+          </a:fontRef>
+        </p:style>
+      </p:cxnSp>
+      <p:sp>
+        <p:nvSpPr>
+          <p:cNvPr id="86" name="TextBox 85"/>
+          <p:cNvSpPr txBox="1"/>
+          <p:nvPr/>
+        </p:nvSpPr>
+        <p:spPr>
+          <a:xfrm>
+            <a:off x="8926067" y="3012862"/>
+            <a:ext cx="1100818" cy="369332"/>
+          </a:xfrm>
+          <a:prstGeom prst="rect">
+            <a:avLst/>
+          </a:prstGeom>
+          <a:noFill/>
+        </p:spPr>
+        <p:txBody>
+          <a:bodyPr wrap="square" rtlCol="0">
+            <a:spAutoFit/>
+          </a:bodyPr>
+          <a:lstStyle/>
+          <a:p>
+            <a:pPr>
+              <a:lnSpc>
+                <a:spcPct val="150000"/>
+              </a:lnSpc>
+            </a:pPr>
+            <a:r>
+              <a:rPr lang="ko-KR" altLang="en-US" sz="1200" dirty="0" smtClean="0"/>
+              <a:t>데이터 전송</a:t>
+            </a:r>
+            <a:endParaRPr lang="en-US" altLang="ko-KR" sz="1200" dirty="0" smtClean="0"/>
+          </a:p>
+        </p:txBody>
+      </p:sp>
+      <p:sp>
+        <p:nvSpPr>
+          <p:cNvPr id="87" name="타원 86"/>
+          <p:cNvSpPr/>
+          <p:nvPr/>
+        </p:nvSpPr>
+        <p:spPr>
+          <a:xfrm>
+            <a:off x="8677125" y="3054084"/>
+            <a:ext cx="225725" cy="271225"/>
+          </a:xfrm>
+          <a:prstGeom prst="ellipse">
+            <a:avLst/>
+          </a:prstGeom>
+        </p:spPr>
+        <p:style>
+          <a:lnRef idx="2">
+            <a:schemeClr val="accent1">
+              <a:shade val="50000"/>
+            </a:schemeClr>
+          </a:lnRef>
+          <a:fillRef idx="1">
+            <a:schemeClr val="accent1"/>
+          </a:fillRef>
+          <a:effectRef idx="0">
+            <a:schemeClr val="accent1"/>
+          </a:effectRef>
+          <a:fontRef idx="minor">
+            <a:schemeClr val="lt1"/>
+          </a:fontRef>
+        </p:style>
+        <p:txBody>
+          <a:bodyPr rtlCol="0" anchor="ctr"/>
+          <a:lstStyle/>
+          <a:p>
+            <a:pPr algn="ctr"/>
+            <a:r>
+              <a:rPr lang="en-US" altLang="ko-KR" sz="1000" dirty="0" smtClean="0"/>
+              <a:t>2</a:t>
+            </a:r>
+            <a:endParaRPr lang="ko-KR" altLang="en-US" sz="1000" dirty="0"/>
+          </a:p>
+        </p:txBody>
+      </p:sp>
+      <p:cxnSp>
+        <p:nvCxnSpPr>
+          <p:cNvPr id="88" name="직선 화살표 연결선 87"/>
+          <p:cNvCxnSpPr>
+            <a:stCxn id="54" idx="2"/>
+            <a:endCxn id="56" idx="0"/>
+          </p:cNvCxnSpPr>
+          <p:nvPr/>
+        </p:nvCxnSpPr>
+        <p:spPr>
+          <a:xfrm>
+            <a:off x="7958100" y="3519576"/>
+            <a:ext cx="239721" cy="1436054"/>
+          </a:xfrm>
+          <a:prstGeom prst="straightConnector1">
+            <a:avLst/>
+          </a:prstGeom>
+          <a:ln>
+            <a:tailEnd type="triangle"/>
+          </a:ln>
+        </p:spPr>
+        <p:style>
+          <a:lnRef idx="1">
+            <a:schemeClr val="accent1"/>
+          </a:lnRef>
+          <a:fillRef idx="0">
+            <a:schemeClr val="accent1"/>
+          </a:fillRef>
+          <a:effectRef idx="0">
+            <a:schemeClr val="accent1"/>
+          </a:effectRef>
+          <a:fontRef idx="minor">
+            <a:schemeClr val="tx1"/>
+          </a:fontRef>
+        </p:style>
+      </p:cxnSp>
+      <p:sp>
+        <p:nvSpPr>
+          <p:cNvPr id="90" name="타원 89"/>
+          <p:cNvSpPr/>
+          <p:nvPr/>
+        </p:nvSpPr>
+        <p:spPr>
+          <a:xfrm>
+            <a:off x="8101217" y="3784201"/>
+            <a:ext cx="225725" cy="271225"/>
+          </a:xfrm>
+          <a:prstGeom prst="ellipse">
+            <a:avLst/>
+          </a:prstGeom>
+        </p:spPr>
+        <p:style>
+          <a:lnRef idx="2">
+            <a:schemeClr val="accent1">
+              <a:shade val="50000"/>
+            </a:schemeClr>
+          </a:lnRef>
+          <a:fillRef idx="1">
+            <a:schemeClr val="accent1"/>
+          </a:fillRef>
+          <a:effectRef idx="0">
+            <a:schemeClr val="accent1"/>
+          </a:effectRef>
+          <a:fontRef idx="minor">
+            <a:schemeClr val="lt1"/>
+          </a:fontRef>
+        </p:style>
+        <p:txBody>
+          <a:bodyPr rtlCol="0" anchor="ctr"/>
+          <a:lstStyle/>
+          <a:p>
+            <a:pPr algn="ctr"/>
+            <a:r>
+              <a:rPr lang="en-US" altLang="ko-KR" sz="1000" dirty="0" smtClean="0"/>
+              <a:t>3</a:t>
+            </a:r>
+            <a:endParaRPr lang="ko-KR" altLang="en-US" sz="1000" dirty="0"/>
+          </a:p>
+        </p:txBody>
+      </p:sp>
+      <p:sp>
+        <p:nvSpPr>
+          <p:cNvPr id="91" name="TextBox 90"/>
+          <p:cNvSpPr txBox="1"/>
+          <p:nvPr/>
+        </p:nvSpPr>
+        <p:spPr>
+          <a:xfrm>
+            <a:off x="7886982" y="4123029"/>
+            <a:ext cx="1100818" cy="646331"/>
+          </a:xfrm>
+          <a:prstGeom prst="rect">
+            <a:avLst/>
+          </a:prstGeom>
+          <a:noFill/>
+        </p:spPr>
+        <p:txBody>
+          <a:bodyPr wrap="square" rtlCol="0">
+            <a:spAutoFit/>
+          </a:bodyPr>
+          <a:lstStyle/>
+          <a:p>
+            <a:pPr>
+              <a:lnSpc>
+                <a:spcPct val="150000"/>
+              </a:lnSpc>
+            </a:pPr>
+            <a:r>
+              <a:rPr lang="en-US" altLang="ko-KR" sz="1200" dirty="0" smtClean="0"/>
+              <a:t>call </a:t>
+            </a:r>
+            <a:r>
+              <a:rPr lang="ko-KR" altLang="en-US" sz="1200" dirty="0" err="1" smtClean="0"/>
+              <a:t>뷰</a:t>
+            </a:r>
+            <a:endParaRPr lang="en-US" altLang="ko-KR" sz="1200" dirty="0" smtClean="0"/>
+          </a:p>
+          <a:p>
+            <a:pPr>
+              <a:lnSpc>
+                <a:spcPct val="150000"/>
+              </a:lnSpc>
+            </a:pPr>
+            <a:r>
+              <a:rPr lang="ko-KR" altLang="en-US" sz="1200" dirty="0" smtClean="0"/>
+              <a:t>데이터 전송</a:t>
+            </a:r>
+            <a:endParaRPr lang="en-US" altLang="ko-KR" sz="1200" dirty="0" smtClean="0"/>
+          </a:p>
+        </p:txBody>
+      </p:sp>
+      <p:sp>
+        <p:nvSpPr>
+          <p:cNvPr id="92" name="TextBox 91"/>
+          <p:cNvSpPr txBox="1"/>
+          <p:nvPr/>
+        </p:nvSpPr>
+        <p:spPr>
+          <a:xfrm>
+            <a:off x="8713595" y="3764035"/>
+            <a:ext cx="1910846" cy="369332"/>
+          </a:xfrm>
+          <a:prstGeom prst="rect">
+            <a:avLst/>
+          </a:prstGeom>
+          <a:noFill/>
+        </p:spPr>
+        <p:txBody>
+          <a:bodyPr wrap="square" rtlCol="0">
+            <a:spAutoFit/>
+          </a:bodyPr>
+          <a:lstStyle/>
+          <a:p>
+            <a:pPr>
+              <a:lnSpc>
+                <a:spcPct val="150000"/>
+              </a:lnSpc>
+            </a:pPr>
+            <a:r>
+              <a:rPr lang="en-US" altLang="ko-KR" sz="1200" dirty="0" smtClean="0">
+                <a:solidFill>
+                  <a:srgbClr val="FF0000"/>
+                </a:solidFill>
+              </a:rPr>
+              <a:t>request</a:t>
+            </a:r>
+            <a:r>
+              <a:rPr lang="en-US" altLang="ko-KR" sz="1200" dirty="0" smtClean="0"/>
+              <a:t>. </a:t>
+            </a:r>
+            <a:r>
+              <a:rPr lang="en-US" altLang="ko-KR" sz="1200" dirty="0"/>
+              <a:t>f</a:t>
+            </a:r>
+            <a:r>
+              <a:rPr lang="en-US" altLang="ko-KR" sz="1200" dirty="0" smtClean="0"/>
+              <a:t>orward</a:t>
+            </a:r>
+          </a:p>
+        </p:txBody>
+      </p:sp>
+      <p:sp>
+        <p:nvSpPr>
+          <p:cNvPr id="7" name="순서도: 자기 디스크 6"/>
+          <p:cNvSpPr/>
+          <p:nvPr/>
+        </p:nvSpPr>
+        <p:spPr>
+          <a:xfrm>
+            <a:off x="10636818" y="3921971"/>
+            <a:ext cx="1242891" cy="968182"/>
+          </a:xfrm>
+          <a:prstGeom prst="flowChartMagneticDisk">
+            <a:avLst/>
+          </a:prstGeom>
+        </p:spPr>
+        <p:style>
+          <a:lnRef idx="2">
+            <a:schemeClr val="accent1">
+              <a:shade val="50000"/>
+            </a:schemeClr>
+          </a:lnRef>
+          <a:fillRef idx="1">
+            <a:schemeClr val="accent1"/>
+          </a:fillRef>
+          <a:effectRef idx="0">
+            <a:schemeClr val="accent1"/>
+          </a:effectRef>
+          <a:fontRef idx="minor">
+            <a:schemeClr val="lt1"/>
+          </a:fontRef>
+        </p:style>
+        <p:txBody>
+          <a:bodyPr rtlCol="0" anchor="ctr"/>
+          <a:lstStyle/>
+          <a:p>
+            <a:pPr algn="ctr"/>
+            <a:r>
+              <a:rPr lang="en-US" altLang="ko-KR" dirty="0" smtClean="0"/>
+              <a:t>DB</a:t>
+            </a:r>
+            <a:endParaRPr lang="ko-KR" altLang="en-US" dirty="0"/>
+          </a:p>
+        </p:txBody>
+      </p:sp>
+      <p:cxnSp>
+        <p:nvCxnSpPr>
+          <p:cNvPr id="10" name="직선 화살표 연결선 9"/>
+          <p:cNvCxnSpPr>
+            <a:stCxn id="55" idx="2"/>
+            <a:endCxn id="7" idx="1"/>
+          </p:cNvCxnSpPr>
+          <p:nvPr/>
+        </p:nvCxnSpPr>
+        <p:spPr>
+          <a:xfrm>
+            <a:off x="10514653" y="3519576"/>
+            <a:ext cx="743611" cy="402395"/>
+          </a:xfrm>
+          <a:prstGeom prst="straightConnector1">
+            <a:avLst/>
+          </a:prstGeom>
+          <a:ln>
+            <a:tailEnd type="triangle"/>
+          </a:ln>
+        </p:spPr>
+        <p:style>
+          <a:lnRef idx="1">
+            <a:schemeClr val="accent1"/>
+          </a:lnRef>
+          <a:fillRef idx="0">
+            <a:schemeClr val="accent1"/>
+          </a:fillRef>
+          <a:effectRef idx="0">
+            <a:schemeClr val="accent1"/>
+          </a:effectRef>
+          <a:fontRef idx="minor">
+            <a:schemeClr val="tx1"/>
+          </a:fontRef>
+        </p:style>
+      </p:cxnSp>
+      <p:cxnSp>
+        <p:nvCxnSpPr>
+          <p:cNvPr id="15" name="직선 연결선 14"/>
+          <p:cNvCxnSpPr/>
+          <p:nvPr/>
+        </p:nvCxnSpPr>
+        <p:spPr>
+          <a:xfrm>
+            <a:off x="7196829" y="864697"/>
+            <a:ext cx="3330720" cy="5622367"/>
+          </a:xfrm>
+          <a:prstGeom prst="line">
+            <a:avLst/>
+          </a:prstGeom>
+          <a:ln>
+            <a:solidFill>
+              <a:srgbClr val="FF0000"/>
+            </a:solidFill>
+          </a:ln>
+        </p:spPr>
+        <p:style>
+          <a:lnRef idx="1">
+            <a:schemeClr val="accent1"/>
+          </a:lnRef>
+          <a:fillRef idx="0">
+            <a:schemeClr val="accent1"/>
+          </a:fillRef>
+          <a:effectRef idx="0">
+            <a:schemeClr val="accent1"/>
+          </a:effectRef>
+          <a:fontRef idx="minor">
+            <a:schemeClr val="tx1"/>
+          </a:fontRef>
+        </p:style>
+      </p:cxnSp>
+    </p:spTree>
+    <p:extLst>
+      <p:ext uri="{BB962C8B-B14F-4D97-AF65-F5344CB8AC3E}">
+        <p14:creationId xmlns:p14="http://schemas.microsoft.com/office/powerpoint/2010/main" val="3671003411"/>
+      </p:ext>
+    </p:extLst>
+  </p:cSld>
+  <p:clrMapOvr>
+    <a:masterClrMapping/>
+  </p:clrMapOvr>
+</p:sld>
+</file>
+
+<file path=ppt/slides/slide7.xml><?xml version="1.0" encoding="utf-8"?>
+<p:sld xmlns:a="http://schemas.openxmlformats.org/drawingml/2006/main" xmlns:r="http://schemas.openxmlformats.org/officeDocument/2006/relationships" xmlns:p="http://schemas.openxmlformats.org/presentationml/2006/main">
+  <p:cSld>
+    <p:spTree>
+      <p:nvGrpSpPr>
+        <p:cNvPr id="1" name=""/>
+        <p:cNvGrpSpPr/>
+        <p:nvPr/>
+      </p:nvGrpSpPr>
+      <p:grpSpPr>
+        <a:xfrm>
+          <a:off x="0" y="0"/>
+          <a:ext cx="0" cy="0"/>
+          <a:chOff x="0" y="0"/>
+          <a:chExt cx="0" cy="0"/>
+        </a:xfrm>
+      </p:grpSpPr>
+      <p:cxnSp>
+        <p:nvCxnSpPr>
+          <p:cNvPr id="4" name="직선 연결선 3"/>
+          <p:cNvCxnSpPr/>
+          <p:nvPr/>
+        </p:nvCxnSpPr>
+        <p:spPr>
+          <a:xfrm>
+            <a:off x="0" y="538264"/>
+            <a:ext cx="12192000" cy="0"/>
+          </a:xfrm>
+          <a:prstGeom prst="line">
+            <a:avLst/>
+          </a:prstGeom>
+          <a:ln>
+            <a:solidFill>
+              <a:schemeClr val="tx1"/>
+            </a:solidFill>
+          </a:ln>
+        </p:spPr>
+        <p:style>
+          <a:lnRef idx="1">
+            <a:schemeClr val="accent1"/>
+          </a:lnRef>
+          <a:fillRef idx="0">
+            <a:schemeClr val="accent1"/>
+          </a:fillRef>
+          <a:effectRef idx="0">
+            <a:schemeClr val="accent1"/>
+          </a:effectRef>
+          <a:fontRef idx="minor">
+            <a:schemeClr val="tx1"/>
+          </a:fontRef>
+        </p:style>
+      </p:cxnSp>
+      <p:sp>
+        <p:nvSpPr>
+          <p:cNvPr id="5" name="TextBox 4"/>
+          <p:cNvSpPr txBox="1"/>
+          <p:nvPr/>
+        </p:nvSpPr>
+        <p:spPr>
+          <a:xfrm>
+            <a:off x="343711" y="90791"/>
+            <a:ext cx="2090637" cy="369332"/>
+          </a:xfrm>
+          <a:prstGeom prst="rect">
+            <a:avLst/>
+          </a:prstGeom>
+          <a:noFill/>
+        </p:spPr>
+        <p:txBody>
+          <a:bodyPr wrap="none" rtlCol="0">
+            <a:spAutoFit/>
+          </a:bodyPr>
+          <a:lstStyle/>
+          <a:p>
+            <a:r>
+              <a:rPr lang="ko-KR" altLang="en-US" b="1" dirty="0" smtClean="0"/>
+              <a:t>모델 </a:t>
+            </a:r>
+            <a:r>
+              <a:rPr lang="en-US" altLang="ko-KR" b="1" dirty="0" smtClean="0"/>
+              <a:t>2 </a:t>
+            </a:r>
+            <a:r>
+              <a:rPr lang="ko-KR" altLang="en-US" b="1" dirty="0" smtClean="0"/>
+              <a:t>학습 방법 </a:t>
+            </a:r>
+            <a:endParaRPr lang="ko-KR" altLang="en-US" b="1" dirty="0"/>
+          </a:p>
+        </p:txBody>
+      </p:sp>
+      <p:sp>
+        <p:nvSpPr>
+          <p:cNvPr id="6" name="TextBox 5"/>
+          <p:cNvSpPr txBox="1"/>
+          <p:nvPr/>
+        </p:nvSpPr>
+        <p:spPr>
+          <a:xfrm>
+            <a:off x="11516040" y="275457"/>
+            <a:ext cx="641522" cy="261610"/>
+          </a:xfrm>
+          <a:prstGeom prst="rect">
+            <a:avLst/>
+          </a:prstGeom>
+          <a:noFill/>
+        </p:spPr>
+        <p:txBody>
+          <a:bodyPr wrap="none" rtlCol="0">
+            <a:spAutoFit/>
+          </a:bodyPr>
+          <a:lstStyle/>
+          <a:p>
+            <a:r>
+              <a:rPr lang="en-US" altLang="ko-KR" sz="1100" b="1" i="1" smtClean="0"/>
+              <a:t>IT </a:t>
+            </a:r>
+            <a:r>
+              <a:rPr lang="ko-KR" altLang="en-US" sz="1100" b="1" i="1" dirty="0" smtClean="0"/>
+              <a:t>늦공</a:t>
+            </a:r>
+            <a:endParaRPr lang="ko-KR" altLang="en-US" sz="1100" b="1" i="1" dirty="0"/>
+          </a:p>
+        </p:txBody>
+      </p:sp>
+      <p:sp>
+        <p:nvSpPr>
+          <p:cNvPr id="3" name="모서리가 둥근 직사각형 2"/>
+          <p:cNvSpPr/>
+          <p:nvPr/>
+        </p:nvSpPr>
+        <p:spPr>
+          <a:xfrm>
+            <a:off x="4159385" y="1958196"/>
+            <a:ext cx="1429438" cy="943155"/>
+          </a:xfrm>
+          <a:prstGeom prst="roundRect">
+            <a:avLst/>
+          </a:prstGeom>
+          <a:solidFill>
+            <a:schemeClr val="bg1">
+              <a:lumMod val="85000"/>
+            </a:schemeClr>
+          </a:solidFill>
+        </p:spPr>
+        <p:style>
+          <a:lnRef idx="2">
+            <a:schemeClr val="accent1">
+              <a:shade val="50000"/>
+            </a:schemeClr>
+          </a:lnRef>
+          <a:fillRef idx="1">
+            <a:schemeClr val="accent1"/>
+          </a:fillRef>
+          <a:effectRef idx="0">
+            <a:schemeClr val="accent1"/>
+          </a:effectRef>
+          <a:fontRef idx="minor">
+            <a:schemeClr val="lt1"/>
+          </a:fontRef>
+        </p:style>
+        <p:txBody>
+          <a:bodyPr rtlCol="0" anchor="ctr"/>
+          <a:lstStyle/>
+          <a:p>
+            <a:pPr algn="ctr"/>
+            <a:r>
+              <a:rPr lang="en-US" altLang="ko-KR" dirty="0" smtClean="0">
+                <a:solidFill>
+                  <a:schemeClr val="tx1"/>
+                </a:solidFill>
+              </a:rPr>
+              <a:t>list.jsp</a:t>
+            </a:r>
+            <a:endParaRPr lang="ko-KR" altLang="en-US" dirty="0">
+              <a:solidFill>
+                <a:schemeClr val="tx1"/>
+              </a:solidFill>
+            </a:endParaRPr>
+          </a:p>
+        </p:txBody>
+      </p:sp>
+      <p:sp>
+        <p:nvSpPr>
+          <p:cNvPr id="23" name="모서리가 둥근 직사각형 22"/>
+          <p:cNvSpPr/>
+          <p:nvPr/>
+        </p:nvSpPr>
+        <p:spPr>
+          <a:xfrm>
+            <a:off x="4159385" y="3197528"/>
+            <a:ext cx="1429438" cy="943155"/>
+          </a:xfrm>
+          <a:prstGeom prst="roundRect">
+            <a:avLst/>
+          </a:prstGeom>
+          <a:solidFill>
+            <a:schemeClr val="bg1">
+              <a:lumMod val="85000"/>
+            </a:schemeClr>
+          </a:solidFill>
+        </p:spPr>
+        <p:style>
+          <a:lnRef idx="2">
+            <a:schemeClr val="accent1">
+              <a:shade val="50000"/>
+            </a:schemeClr>
+          </a:lnRef>
+          <a:fillRef idx="1">
+            <a:schemeClr val="accent1"/>
+          </a:fillRef>
+          <a:effectRef idx="0">
+            <a:schemeClr val="accent1"/>
+          </a:effectRef>
+          <a:fontRef idx="minor">
+            <a:schemeClr val="lt1"/>
+          </a:fontRef>
+        </p:style>
+        <p:txBody>
+          <a:bodyPr rtlCol="0" anchor="ctr"/>
+          <a:lstStyle/>
+          <a:p>
+            <a:pPr algn="ctr"/>
+            <a:r>
+              <a:rPr lang="en-US" altLang="ko-KR" dirty="0" smtClean="0">
+                <a:solidFill>
+                  <a:schemeClr val="tx1"/>
+                </a:solidFill>
+              </a:rPr>
+              <a:t>retist_proc.jsp</a:t>
+            </a:r>
+            <a:endParaRPr lang="ko-KR" altLang="en-US" dirty="0">
+              <a:solidFill>
+                <a:schemeClr val="tx1"/>
+              </a:solidFill>
+            </a:endParaRPr>
+          </a:p>
+        </p:txBody>
+      </p:sp>
+      <p:sp>
+        <p:nvSpPr>
+          <p:cNvPr id="25" name="모서리가 둥근 직사각형 24"/>
+          <p:cNvSpPr/>
+          <p:nvPr/>
+        </p:nvSpPr>
+        <p:spPr>
+          <a:xfrm>
+            <a:off x="4168012" y="4505864"/>
+            <a:ext cx="1429438" cy="943155"/>
+          </a:xfrm>
+          <a:prstGeom prst="roundRect">
+            <a:avLst/>
+          </a:prstGeom>
+          <a:solidFill>
+            <a:schemeClr val="bg1">
+              <a:lumMod val="85000"/>
+            </a:schemeClr>
+          </a:solidFill>
+        </p:spPr>
+        <p:style>
+          <a:lnRef idx="2">
+            <a:schemeClr val="accent1">
+              <a:shade val="50000"/>
+            </a:schemeClr>
+          </a:lnRef>
+          <a:fillRef idx="1">
+            <a:schemeClr val="accent1"/>
+          </a:fillRef>
+          <a:effectRef idx="0">
+            <a:schemeClr val="accent1"/>
+          </a:effectRef>
+          <a:fontRef idx="minor">
+            <a:schemeClr val="lt1"/>
+          </a:fontRef>
+        </p:style>
+        <p:txBody>
+          <a:bodyPr rtlCol="0" anchor="ctr"/>
+          <a:lstStyle/>
+          <a:p>
+            <a:pPr algn="ctr"/>
+            <a:r>
+              <a:rPr lang="en-US" altLang="ko-KR" dirty="0" smtClean="0">
+                <a:solidFill>
+                  <a:schemeClr val="tx1"/>
+                </a:solidFill>
+              </a:rPr>
+              <a:t>delete.jsp</a:t>
+            </a:r>
+            <a:endParaRPr lang="ko-KR" altLang="en-US" dirty="0">
+              <a:solidFill>
+                <a:schemeClr val="tx1"/>
+              </a:solidFill>
+            </a:endParaRPr>
+          </a:p>
+        </p:txBody>
+      </p:sp>
+      <p:sp>
+        <p:nvSpPr>
+          <p:cNvPr id="8" name="TextBox 7"/>
+          <p:cNvSpPr txBox="1"/>
+          <p:nvPr/>
+        </p:nvSpPr>
+        <p:spPr>
+          <a:xfrm>
+            <a:off x="4609068" y="991311"/>
+            <a:ext cx="979755" cy="369332"/>
+          </a:xfrm>
+          <a:prstGeom prst="rect">
+            <a:avLst/>
+          </a:prstGeom>
+          <a:noFill/>
+        </p:spPr>
+        <p:txBody>
+          <a:bodyPr wrap="none" rtlCol="0">
+            <a:spAutoFit/>
+          </a:bodyPr>
+          <a:lstStyle/>
+          <a:p>
+            <a:r>
+              <a:rPr lang="en-US" altLang="ko-KR" dirty="0" smtClean="0"/>
+              <a:t>Model1</a:t>
+            </a:r>
+            <a:endParaRPr lang="ko-KR" altLang="en-US" dirty="0"/>
+          </a:p>
+        </p:txBody>
+      </p:sp>
+      <p:sp>
+        <p:nvSpPr>
+          <p:cNvPr id="28" name="TextBox 27"/>
+          <p:cNvSpPr txBox="1"/>
+          <p:nvPr/>
+        </p:nvSpPr>
+        <p:spPr>
+          <a:xfrm>
+            <a:off x="8660598" y="975587"/>
+            <a:ext cx="1559658" cy="369332"/>
+          </a:xfrm>
+          <a:prstGeom prst="rect">
+            <a:avLst/>
+          </a:prstGeom>
+          <a:noFill/>
+        </p:spPr>
+        <p:txBody>
+          <a:bodyPr wrap="none" rtlCol="0">
+            <a:spAutoFit/>
+          </a:bodyPr>
+          <a:lstStyle/>
+          <a:p>
+            <a:r>
+              <a:rPr lang="en-US" altLang="ko-KR" dirty="0" smtClean="0"/>
+              <a:t>Model2 MVC</a:t>
+            </a:r>
+            <a:endParaRPr lang="ko-KR" altLang="en-US" dirty="0"/>
+          </a:p>
+        </p:txBody>
+      </p:sp>
+      <p:cxnSp>
+        <p:nvCxnSpPr>
+          <p:cNvPr id="29" name="직선 연결선 28"/>
+          <p:cNvCxnSpPr/>
+          <p:nvPr/>
+        </p:nvCxnSpPr>
+        <p:spPr>
+          <a:xfrm>
+            <a:off x="848691" y="1559827"/>
+            <a:ext cx="1374843" cy="0"/>
+          </a:xfrm>
+          <a:prstGeom prst="line">
+            <a:avLst/>
+          </a:prstGeom>
+          <a:ln>
+            <a:solidFill>
+              <a:schemeClr val="tx1"/>
+            </a:solidFill>
+          </a:ln>
+        </p:spPr>
+        <p:style>
+          <a:lnRef idx="1">
+            <a:schemeClr val="accent1"/>
+          </a:lnRef>
+          <a:fillRef idx="0">
+            <a:schemeClr val="accent1"/>
+          </a:fillRef>
+          <a:effectRef idx="0">
+            <a:schemeClr val="accent1"/>
+          </a:effectRef>
+          <a:fontRef idx="minor">
+            <a:schemeClr val="tx1"/>
+          </a:fontRef>
+        </p:style>
+      </p:cxnSp>
+      <p:sp>
+        <p:nvSpPr>
+          <p:cNvPr id="30" name="TextBox 29"/>
+          <p:cNvSpPr txBox="1"/>
+          <p:nvPr/>
+        </p:nvSpPr>
+        <p:spPr>
+          <a:xfrm>
+            <a:off x="1088056" y="1128726"/>
+            <a:ext cx="779381" cy="369332"/>
+          </a:xfrm>
+          <a:prstGeom prst="rect">
+            <a:avLst/>
+          </a:prstGeom>
+          <a:noFill/>
+        </p:spPr>
+        <p:txBody>
+          <a:bodyPr wrap="none" rtlCol="0">
+            <a:spAutoFit/>
+          </a:bodyPr>
+          <a:lstStyle/>
+          <a:p>
+            <a:r>
+              <a:rPr lang="en-US" altLang="ko-KR" dirty="0" smtClean="0"/>
+              <a:t>Client</a:t>
+            </a:r>
+            <a:endParaRPr lang="ko-KR" altLang="en-US" dirty="0"/>
+          </a:p>
+        </p:txBody>
+      </p:sp>
+      <p:sp>
+        <p:nvSpPr>
+          <p:cNvPr id="34" name="타원 33"/>
+          <p:cNvSpPr/>
+          <p:nvPr/>
+        </p:nvSpPr>
+        <p:spPr>
+          <a:xfrm>
+            <a:off x="508272" y="1892640"/>
+            <a:ext cx="1926076" cy="1074265"/>
+          </a:xfrm>
+          <a:prstGeom prst="ellipse">
+            <a:avLst/>
+          </a:prstGeom>
+          <a:noFill/>
+        </p:spPr>
+        <p:style>
+          <a:lnRef idx="2">
+            <a:schemeClr val="accent1">
+              <a:shade val="50000"/>
+            </a:schemeClr>
+          </a:lnRef>
+          <a:fillRef idx="1">
+            <a:schemeClr val="accent1"/>
+          </a:fillRef>
+          <a:effectRef idx="0">
+            <a:schemeClr val="accent1"/>
+          </a:effectRef>
+          <a:fontRef idx="minor">
+            <a:schemeClr val="lt1"/>
+          </a:fontRef>
+        </p:style>
+        <p:txBody>
+          <a:bodyPr rtlCol="0" anchor="ctr"/>
+          <a:lstStyle/>
+          <a:p>
+            <a:pPr algn="ctr"/>
+            <a:r>
+              <a:rPr lang="ko-KR" altLang="en-US" sz="1600" smtClean="0">
+                <a:solidFill>
+                  <a:schemeClr val="tx1"/>
+                </a:solidFill>
+              </a:rPr>
+              <a:t>조회</a:t>
+            </a:r>
+            <a:endParaRPr lang="ko-KR" altLang="en-US" sz="1600" dirty="0">
+              <a:solidFill>
+                <a:schemeClr val="tx1"/>
+              </a:solidFill>
+            </a:endParaRPr>
+          </a:p>
+        </p:txBody>
+      </p:sp>
+      <p:sp>
+        <p:nvSpPr>
+          <p:cNvPr id="35" name="타원 34"/>
+          <p:cNvSpPr/>
+          <p:nvPr/>
+        </p:nvSpPr>
+        <p:spPr>
+          <a:xfrm>
+            <a:off x="508272" y="3135426"/>
+            <a:ext cx="1926076" cy="1074265"/>
+          </a:xfrm>
+          <a:prstGeom prst="ellipse">
+            <a:avLst/>
+          </a:prstGeom>
+          <a:noFill/>
+        </p:spPr>
+        <p:style>
+          <a:lnRef idx="2">
+            <a:schemeClr val="accent1">
+              <a:shade val="50000"/>
+            </a:schemeClr>
+          </a:lnRef>
+          <a:fillRef idx="1">
+            <a:schemeClr val="accent1"/>
+          </a:fillRef>
+          <a:effectRef idx="0">
+            <a:schemeClr val="accent1"/>
+          </a:effectRef>
+          <a:fontRef idx="minor">
+            <a:schemeClr val="lt1"/>
+          </a:fontRef>
+        </p:style>
+        <p:txBody>
+          <a:bodyPr rtlCol="0" anchor="ctr"/>
+          <a:lstStyle/>
+          <a:p>
+            <a:pPr algn="ctr"/>
+            <a:r>
+              <a:rPr lang="ko-KR" altLang="en-US" sz="1600" dirty="0" smtClean="0">
+                <a:solidFill>
+                  <a:schemeClr val="tx1"/>
+                </a:solidFill>
+              </a:rPr>
+              <a:t>등록</a:t>
+            </a:r>
+            <a:endParaRPr lang="en-US" altLang="ko-KR" sz="1600" dirty="0" smtClean="0">
+              <a:solidFill>
+                <a:schemeClr val="tx1"/>
+              </a:solidFill>
+            </a:endParaRPr>
+          </a:p>
+          <a:p>
+            <a:pPr algn="ctr"/>
+            <a:r>
+              <a:rPr lang="en-US" altLang="ko-KR" sz="1600" dirty="0" smtClean="0">
+                <a:solidFill>
+                  <a:schemeClr val="tx1"/>
+                </a:solidFill>
+              </a:rPr>
+              <a:t>regist.html</a:t>
+            </a:r>
+            <a:endParaRPr lang="ko-KR" altLang="en-US" sz="1600" dirty="0">
+              <a:solidFill>
+                <a:schemeClr val="tx1"/>
+              </a:solidFill>
+            </a:endParaRPr>
+          </a:p>
+        </p:txBody>
+      </p:sp>
+      <p:sp>
+        <p:nvSpPr>
+          <p:cNvPr id="36" name="타원 35"/>
+          <p:cNvSpPr/>
+          <p:nvPr/>
+        </p:nvSpPr>
+        <p:spPr>
+          <a:xfrm>
+            <a:off x="573074" y="4448934"/>
+            <a:ext cx="1926076" cy="1074265"/>
+          </a:xfrm>
+          <a:prstGeom prst="ellipse">
+            <a:avLst/>
+          </a:prstGeom>
+          <a:noFill/>
+        </p:spPr>
+        <p:style>
+          <a:lnRef idx="2">
+            <a:schemeClr val="accent1">
+              <a:shade val="50000"/>
+            </a:schemeClr>
+          </a:lnRef>
+          <a:fillRef idx="1">
+            <a:schemeClr val="accent1"/>
+          </a:fillRef>
+          <a:effectRef idx="0">
+            <a:schemeClr val="accent1"/>
+          </a:effectRef>
+          <a:fontRef idx="minor">
+            <a:schemeClr val="lt1"/>
+          </a:fontRef>
+        </p:style>
+        <p:txBody>
+          <a:bodyPr rtlCol="0" anchor="ctr"/>
+          <a:lstStyle/>
+          <a:p>
+            <a:pPr algn="ctr"/>
+            <a:r>
+              <a:rPr lang="ko-KR" altLang="en-US" sz="1600" dirty="0" smtClean="0">
+                <a:solidFill>
+                  <a:schemeClr val="tx1"/>
+                </a:solidFill>
+              </a:rPr>
+              <a:t>삭제</a:t>
+            </a:r>
+            <a:endParaRPr lang="ko-KR" altLang="en-US" sz="1600" dirty="0">
+              <a:solidFill>
+                <a:schemeClr val="tx1"/>
+              </a:solidFill>
+            </a:endParaRPr>
+          </a:p>
+        </p:txBody>
+      </p:sp>
+      <p:cxnSp>
+        <p:nvCxnSpPr>
+          <p:cNvPr id="37" name="직선 연결선 36"/>
+          <p:cNvCxnSpPr/>
+          <p:nvPr/>
+        </p:nvCxnSpPr>
+        <p:spPr>
+          <a:xfrm>
+            <a:off x="4379786" y="1559827"/>
+            <a:ext cx="1374843" cy="0"/>
+          </a:xfrm>
+          <a:prstGeom prst="line">
+            <a:avLst/>
+          </a:prstGeom>
+          <a:ln>
+            <a:solidFill>
+              <a:schemeClr val="tx1"/>
+            </a:solidFill>
+          </a:ln>
+        </p:spPr>
+        <p:style>
+          <a:lnRef idx="1">
+            <a:schemeClr val="accent1"/>
+          </a:lnRef>
+          <a:fillRef idx="0">
+            <a:schemeClr val="accent1"/>
+          </a:fillRef>
+          <a:effectRef idx="0">
+            <a:schemeClr val="accent1"/>
+          </a:effectRef>
+          <a:fontRef idx="minor">
+            <a:schemeClr val="tx1"/>
+          </a:fontRef>
+        </p:style>
+      </p:cxnSp>
+      <p:cxnSp>
+        <p:nvCxnSpPr>
+          <p:cNvPr id="38" name="직선 연결선 37"/>
+          <p:cNvCxnSpPr/>
+          <p:nvPr/>
+        </p:nvCxnSpPr>
+        <p:spPr>
+          <a:xfrm>
+            <a:off x="8753005" y="1498058"/>
+            <a:ext cx="1374843" cy="0"/>
+          </a:xfrm>
+          <a:prstGeom prst="line">
+            <a:avLst/>
+          </a:prstGeom>
+          <a:ln>
+            <a:solidFill>
+              <a:schemeClr val="tx1"/>
+            </a:solidFill>
+          </a:ln>
+        </p:spPr>
+        <p:style>
+          <a:lnRef idx="1">
+            <a:schemeClr val="accent1"/>
+          </a:lnRef>
+          <a:fillRef idx="0">
+            <a:schemeClr val="accent1"/>
+          </a:fillRef>
+          <a:effectRef idx="0">
+            <a:schemeClr val="accent1"/>
+          </a:effectRef>
+          <a:fontRef idx="minor">
+            <a:schemeClr val="tx1"/>
+          </a:fontRef>
+        </p:style>
+      </p:cxnSp>
+      <p:cxnSp>
+        <p:nvCxnSpPr>
+          <p:cNvPr id="14" name="직선 화살표 연결선 13"/>
+          <p:cNvCxnSpPr>
+            <a:stCxn id="34" idx="6"/>
+            <a:endCxn id="3" idx="1"/>
+          </p:cNvCxnSpPr>
+          <p:nvPr/>
+        </p:nvCxnSpPr>
+        <p:spPr>
+          <a:xfrm>
+            <a:off x="2434348" y="2429773"/>
+            <a:ext cx="1725037" cy="1"/>
+          </a:xfrm>
+          <a:prstGeom prst="straightConnector1">
+            <a:avLst/>
+          </a:prstGeom>
+          <a:ln>
+            <a:tailEnd type="triangle"/>
+          </a:ln>
+        </p:spPr>
+        <p:style>
+          <a:lnRef idx="1">
+            <a:schemeClr val="accent1"/>
+          </a:lnRef>
+          <a:fillRef idx="0">
+            <a:schemeClr val="accent1"/>
+          </a:fillRef>
+          <a:effectRef idx="0">
+            <a:schemeClr val="accent1"/>
+          </a:effectRef>
+          <a:fontRef idx="minor">
+            <a:schemeClr val="tx1"/>
+          </a:fontRef>
+        </p:style>
+      </p:cxnSp>
+      <p:sp>
+        <p:nvSpPr>
+          <p:cNvPr id="16" name="TextBox 15"/>
+          <p:cNvSpPr txBox="1"/>
+          <p:nvPr/>
+        </p:nvSpPr>
+        <p:spPr>
+          <a:xfrm>
+            <a:off x="2803327" y="2024968"/>
+            <a:ext cx="1017651" cy="369332"/>
+          </a:xfrm>
+          <a:prstGeom prst="rect">
+            <a:avLst/>
+          </a:prstGeom>
+          <a:noFill/>
+        </p:spPr>
+        <p:txBody>
+          <a:bodyPr wrap="none" rtlCol="0">
+            <a:spAutoFit/>
+          </a:bodyPr>
+          <a:lstStyle/>
+          <a:p>
+            <a:r>
+              <a:rPr lang="en-US" altLang="ko-KR" dirty="0" smtClean="0"/>
+              <a:t>Request</a:t>
+            </a:r>
+            <a:endParaRPr lang="ko-KR" altLang="en-US" dirty="0"/>
+          </a:p>
+        </p:txBody>
+      </p:sp>
+      <p:cxnSp>
+        <p:nvCxnSpPr>
+          <p:cNvPr id="40" name="직선 화살표 연결선 39"/>
+          <p:cNvCxnSpPr>
+            <a:stCxn id="35" idx="6"/>
+            <a:endCxn id="23" idx="1"/>
+          </p:cNvCxnSpPr>
+          <p:nvPr/>
+        </p:nvCxnSpPr>
+        <p:spPr>
+          <a:xfrm flipV="1">
+            <a:off x="2434348" y="3669106"/>
+            <a:ext cx="1725037" cy="3453"/>
+          </a:xfrm>
+          <a:prstGeom prst="straightConnector1">
+            <a:avLst/>
+          </a:prstGeom>
+          <a:ln>
+            <a:tailEnd type="triangle"/>
+          </a:ln>
+        </p:spPr>
+        <p:style>
+          <a:lnRef idx="1">
+            <a:schemeClr val="accent1"/>
+          </a:lnRef>
+          <a:fillRef idx="0">
+            <a:schemeClr val="accent1"/>
+          </a:fillRef>
+          <a:effectRef idx="0">
+            <a:schemeClr val="accent1"/>
+          </a:effectRef>
+          <a:fontRef idx="minor">
+            <a:schemeClr val="tx1"/>
+          </a:fontRef>
+        </p:style>
+      </p:cxnSp>
+      <p:sp>
+        <p:nvSpPr>
+          <p:cNvPr id="41" name="TextBox 40"/>
+          <p:cNvSpPr txBox="1"/>
+          <p:nvPr/>
+        </p:nvSpPr>
+        <p:spPr>
+          <a:xfrm>
+            <a:off x="2803329" y="3252172"/>
+            <a:ext cx="1017651" cy="369332"/>
+          </a:xfrm>
+          <a:prstGeom prst="rect">
+            <a:avLst/>
+          </a:prstGeom>
+          <a:noFill/>
+        </p:spPr>
+        <p:txBody>
+          <a:bodyPr wrap="none" rtlCol="0">
+            <a:spAutoFit/>
+          </a:bodyPr>
+          <a:lstStyle/>
+          <a:p>
+            <a:r>
+              <a:rPr lang="en-US" altLang="ko-KR" dirty="0" smtClean="0"/>
+              <a:t>Request</a:t>
+            </a:r>
+            <a:endParaRPr lang="ko-KR" altLang="en-US" dirty="0"/>
+          </a:p>
+        </p:txBody>
+      </p:sp>
+      <p:cxnSp>
+        <p:nvCxnSpPr>
+          <p:cNvPr id="42" name="직선 화살표 연결선 41"/>
+          <p:cNvCxnSpPr>
+            <a:stCxn id="36" idx="6"/>
+            <a:endCxn id="25" idx="1"/>
+          </p:cNvCxnSpPr>
+          <p:nvPr/>
+        </p:nvCxnSpPr>
+        <p:spPr>
+          <a:xfrm flipV="1">
+            <a:off x="2499150" y="4977442"/>
+            <a:ext cx="1668862" cy="8625"/>
+          </a:xfrm>
+          <a:prstGeom prst="straightConnector1">
+            <a:avLst/>
+          </a:prstGeom>
+          <a:ln>
+            <a:tailEnd type="triangle"/>
+          </a:ln>
+        </p:spPr>
+        <p:style>
+          <a:lnRef idx="1">
+            <a:schemeClr val="accent1"/>
+          </a:lnRef>
+          <a:fillRef idx="0">
+            <a:schemeClr val="accent1"/>
+          </a:fillRef>
+          <a:effectRef idx="0">
+            <a:schemeClr val="accent1"/>
+          </a:effectRef>
+          <a:fontRef idx="minor">
+            <a:schemeClr val="tx1"/>
+          </a:fontRef>
+        </p:style>
+      </p:cxnSp>
+      <p:sp>
+        <p:nvSpPr>
+          <p:cNvPr id="45" name="TextBox 44"/>
+          <p:cNvSpPr txBox="1"/>
+          <p:nvPr/>
+        </p:nvSpPr>
+        <p:spPr>
+          <a:xfrm>
+            <a:off x="2803328" y="4497238"/>
+            <a:ext cx="1017651" cy="369332"/>
+          </a:xfrm>
+          <a:prstGeom prst="rect">
+            <a:avLst/>
+          </a:prstGeom>
+          <a:noFill/>
+        </p:spPr>
+        <p:txBody>
+          <a:bodyPr wrap="none" rtlCol="0">
+            <a:spAutoFit/>
+          </a:bodyPr>
+          <a:lstStyle/>
+          <a:p>
+            <a:r>
+              <a:rPr lang="en-US" altLang="ko-KR" dirty="0" smtClean="0"/>
+              <a:t>Request</a:t>
+            </a:r>
+            <a:endParaRPr lang="ko-KR" altLang="en-US" dirty="0"/>
+          </a:p>
+        </p:txBody>
+      </p:sp>
+      <p:sp>
+        <p:nvSpPr>
+          <p:cNvPr id="46" name="TextBox 45"/>
+          <p:cNvSpPr txBox="1"/>
+          <p:nvPr/>
+        </p:nvSpPr>
+        <p:spPr>
+          <a:xfrm>
+            <a:off x="2734953" y="3687328"/>
+            <a:ext cx="1137148" cy="253916"/>
+          </a:xfrm>
+          <a:prstGeom prst="rect">
+            <a:avLst/>
+          </a:prstGeom>
+          <a:noFill/>
+        </p:spPr>
+        <p:txBody>
+          <a:bodyPr wrap="square" rtlCol="0">
+            <a:spAutoFit/>
+          </a:bodyPr>
+          <a:lstStyle/>
+          <a:p>
+            <a:pPr algn="ctr"/>
+            <a:r>
+              <a:rPr lang="en-US" altLang="ko-KR" sz="1050" dirty="0" smtClean="0"/>
+              <a:t>ID , </a:t>
+            </a:r>
+            <a:r>
+              <a:rPr lang="ko-KR" altLang="en-US" sz="1050" dirty="0" smtClean="0"/>
+              <a:t>이름</a:t>
+            </a:r>
+            <a:r>
+              <a:rPr lang="en-US" altLang="ko-KR" sz="1050" dirty="0" smtClean="0"/>
+              <a:t>,</a:t>
+            </a:r>
+            <a:r>
+              <a:rPr lang="ko-KR" altLang="en-US" sz="1050" dirty="0" smtClean="0"/>
+              <a:t>나이</a:t>
+            </a:r>
+            <a:endParaRPr lang="ko-KR" altLang="en-US" sz="1050" dirty="0"/>
+          </a:p>
+        </p:txBody>
+      </p:sp>
+      <p:sp>
+        <p:nvSpPr>
+          <p:cNvPr id="47" name="TextBox 46"/>
+          <p:cNvSpPr txBox="1"/>
+          <p:nvPr/>
+        </p:nvSpPr>
+        <p:spPr>
+          <a:xfrm>
+            <a:off x="2833631" y="5033740"/>
+            <a:ext cx="939792" cy="253916"/>
+          </a:xfrm>
+          <a:prstGeom prst="rect">
+            <a:avLst/>
+          </a:prstGeom>
+          <a:noFill/>
+        </p:spPr>
+        <p:txBody>
+          <a:bodyPr wrap="square" rtlCol="0">
+            <a:spAutoFit/>
+          </a:bodyPr>
+          <a:lstStyle/>
+          <a:p>
+            <a:pPr algn="ctr"/>
+            <a:r>
+              <a:rPr lang="en-US" altLang="ko-KR" sz="1050" dirty="0" smtClean="0"/>
+              <a:t>ID</a:t>
+            </a:r>
+            <a:endParaRPr lang="ko-KR" altLang="en-US" sz="1050" dirty="0"/>
+          </a:p>
+        </p:txBody>
+      </p:sp>
+      <p:sp>
+        <p:nvSpPr>
+          <p:cNvPr id="48" name="TextBox 47"/>
+          <p:cNvSpPr txBox="1"/>
+          <p:nvPr/>
+        </p:nvSpPr>
+        <p:spPr>
+          <a:xfrm>
+            <a:off x="5641684" y="1958196"/>
+            <a:ext cx="1035170" cy="923330"/>
+          </a:xfrm>
+          <a:prstGeom prst="rect">
+            <a:avLst/>
+          </a:prstGeom>
+          <a:noFill/>
+        </p:spPr>
+        <p:txBody>
+          <a:bodyPr wrap="square" rtlCol="0">
+            <a:spAutoFit/>
+          </a:bodyPr>
+          <a:lstStyle/>
+          <a:p>
+            <a:pPr>
+              <a:lnSpc>
+                <a:spcPct val="150000"/>
+              </a:lnSpc>
+            </a:pPr>
+            <a:r>
+              <a:rPr lang="en-US" altLang="ko-KR" sz="1200" dirty="0" err="1" smtClean="0"/>
+              <a:t>db</a:t>
+            </a:r>
+            <a:r>
+              <a:rPr lang="en-US" altLang="ko-KR" sz="1200" dirty="0" smtClean="0"/>
+              <a:t> </a:t>
+            </a:r>
+            <a:r>
+              <a:rPr lang="ko-KR" altLang="en-US" sz="1200" dirty="0" smtClean="0"/>
+              <a:t>연결</a:t>
+            </a:r>
+            <a:endParaRPr lang="en-US" altLang="ko-KR" sz="1200" dirty="0" smtClean="0"/>
+          </a:p>
+          <a:p>
+            <a:pPr>
+              <a:lnSpc>
+                <a:spcPct val="150000"/>
+              </a:lnSpc>
+            </a:pPr>
+            <a:r>
+              <a:rPr lang="ko-KR" altLang="en-US" sz="1200" dirty="0" smtClean="0"/>
+              <a:t>데이터 추출</a:t>
+            </a:r>
+            <a:endParaRPr lang="en-US" altLang="ko-KR" sz="1200" dirty="0" smtClean="0"/>
+          </a:p>
+          <a:p>
+            <a:pPr>
+              <a:lnSpc>
+                <a:spcPct val="150000"/>
+              </a:lnSpc>
+            </a:pPr>
+            <a:r>
+              <a:rPr lang="en-US" altLang="ko-KR" sz="1200" dirty="0" smtClean="0"/>
+              <a:t>html </a:t>
+            </a:r>
+            <a:r>
+              <a:rPr lang="ko-KR" altLang="en-US" sz="1200" dirty="0" smtClean="0"/>
+              <a:t>작성</a:t>
+            </a:r>
+            <a:endParaRPr lang="ko-KR" altLang="en-US" sz="1200" dirty="0"/>
+          </a:p>
+        </p:txBody>
+      </p:sp>
+      <p:sp>
+        <p:nvSpPr>
+          <p:cNvPr id="50" name="TextBox 49"/>
+          <p:cNvSpPr txBox="1"/>
+          <p:nvPr/>
+        </p:nvSpPr>
+        <p:spPr>
+          <a:xfrm>
+            <a:off x="5641684" y="3096589"/>
+            <a:ext cx="1207698" cy="1200329"/>
+          </a:xfrm>
+          <a:prstGeom prst="rect">
+            <a:avLst/>
+          </a:prstGeom>
+          <a:noFill/>
+        </p:spPr>
+        <p:txBody>
+          <a:bodyPr wrap="square" rtlCol="0">
+            <a:spAutoFit/>
+          </a:bodyPr>
+          <a:lstStyle/>
+          <a:p>
+            <a:pPr>
+              <a:lnSpc>
+                <a:spcPct val="150000"/>
+              </a:lnSpc>
+            </a:pPr>
+            <a:r>
+              <a:rPr lang="en-US" altLang="ko-KR" sz="1200" dirty="0" smtClean="0"/>
+              <a:t>request.get~</a:t>
+            </a:r>
+          </a:p>
+          <a:p>
+            <a:pPr>
+              <a:lnSpc>
+                <a:spcPct val="150000"/>
+              </a:lnSpc>
+            </a:pPr>
+            <a:r>
+              <a:rPr lang="en-US" altLang="ko-KR" sz="1200" dirty="0" err="1" smtClean="0"/>
+              <a:t>db</a:t>
+            </a:r>
+            <a:r>
+              <a:rPr lang="en-US" altLang="ko-KR" sz="1200" dirty="0" smtClean="0"/>
+              <a:t> </a:t>
+            </a:r>
+            <a:r>
+              <a:rPr lang="ko-KR" altLang="en-US" sz="1200" dirty="0" smtClean="0"/>
+              <a:t>연결</a:t>
+            </a:r>
+            <a:endParaRPr lang="en-US" altLang="ko-KR" sz="1200" dirty="0" smtClean="0"/>
+          </a:p>
+          <a:p>
+            <a:pPr>
+              <a:lnSpc>
+                <a:spcPct val="150000"/>
+              </a:lnSpc>
+            </a:pPr>
+            <a:r>
+              <a:rPr lang="ko-KR" altLang="en-US" sz="1200" dirty="0" smtClean="0"/>
+              <a:t>데이터 입력</a:t>
+            </a:r>
+            <a:endParaRPr lang="en-US" altLang="ko-KR" sz="1200" dirty="0" smtClean="0"/>
+          </a:p>
+          <a:p>
+            <a:pPr>
+              <a:lnSpc>
+                <a:spcPct val="150000"/>
+              </a:lnSpc>
+            </a:pPr>
+            <a:r>
+              <a:rPr lang="en-US" altLang="ko-KR" sz="1200" dirty="0" smtClean="0"/>
+              <a:t>Home </a:t>
+            </a:r>
+            <a:r>
+              <a:rPr lang="ko-KR" altLang="en-US" sz="1200" dirty="0" smtClean="0"/>
+              <a:t>이동</a:t>
+            </a:r>
+            <a:endParaRPr lang="ko-KR" altLang="en-US" sz="1200" dirty="0"/>
+          </a:p>
+        </p:txBody>
+      </p:sp>
+      <p:sp>
+        <p:nvSpPr>
+          <p:cNvPr id="51" name="TextBox 50"/>
+          <p:cNvSpPr txBox="1"/>
+          <p:nvPr/>
+        </p:nvSpPr>
+        <p:spPr>
+          <a:xfrm>
+            <a:off x="5673318" y="4385901"/>
+            <a:ext cx="1207698" cy="1200329"/>
+          </a:xfrm>
+          <a:prstGeom prst="rect">
+            <a:avLst/>
+          </a:prstGeom>
+          <a:noFill/>
+        </p:spPr>
+        <p:txBody>
+          <a:bodyPr wrap="square" rtlCol="0">
+            <a:spAutoFit/>
+          </a:bodyPr>
+          <a:lstStyle/>
+          <a:p>
+            <a:pPr>
+              <a:lnSpc>
+                <a:spcPct val="150000"/>
+              </a:lnSpc>
+            </a:pPr>
+            <a:r>
+              <a:rPr lang="en-US" altLang="ko-KR" sz="1200" dirty="0" smtClean="0"/>
+              <a:t>request.get~</a:t>
+            </a:r>
+          </a:p>
+          <a:p>
+            <a:pPr>
+              <a:lnSpc>
+                <a:spcPct val="150000"/>
+              </a:lnSpc>
+            </a:pPr>
+            <a:r>
+              <a:rPr lang="en-US" altLang="ko-KR" sz="1200" dirty="0" err="1" smtClean="0"/>
+              <a:t>db</a:t>
+            </a:r>
+            <a:r>
+              <a:rPr lang="en-US" altLang="ko-KR" sz="1200" dirty="0" smtClean="0"/>
+              <a:t> </a:t>
+            </a:r>
+            <a:r>
+              <a:rPr lang="ko-KR" altLang="en-US" sz="1200" dirty="0" smtClean="0"/>
+              <a:t>연결</a:t>
+            </a:r>
+            <a:endParaRPr lang="en-US" altLang="ko-KR" sz="1200" dirty="0" smtClean="0"/>
+          </a:p>
+          <a:p>
+            <a:pPr>
+              <a:lnSpc>
+                <a:spcPct val="150000"/>
+              </a:lnSpc>
+            </a:pPr>
+            <a:r>
+              <a:rPr lang="ko-KR" altLang="en-US" sz="1200" dirty="0" smtClean="0"/>
+              <a:t>데이터 삭제</a:t>
+            </a:r>
+            <a:endParaRPr lang="en-US" altLang="ko-KR" sz="1200" dirty="0" smtClean="0"/>
+          </a:p>
+          <a:p>
+            <a:pPr>
+              <a:lnSpc>
+                <a:spcPct val="150000"/>
+              </a:lnSpc>
+            </a:pPr>
+            <a:r>
+              <a:rPr lang="en-US" altLang="ko-KR" sz="1200" dirty="0" smtClean="0"/>
+              <a:t>Home </a:t>
+            </a:r>
+            <a:r>
+              <a:rPr lang="ko-KR" altLang="en-US" sz="1200" dirty="0" smtClean="0"/>
+              <a:t>이동</a:t>
+            </a:r>
+            <a:endParaRPr lang="ko-KR" altLang="en-US" sz="1200" dirty="0"/>
+          </a:p>
+        </p:txBody>
+      </p:sp>
+      <p:cxnSp>
+        <p:nvCxnSpPr>
+          <p:cNvPr id="53" name="직선 연결선 52"/>
+          <p:cNvCxnSpPr/>
+          <p:nvPr/>
+        </p:nvCxnSpPr>
+        <p:spPr>
+          <a:xfrm>
+            <a:off x="6860896" y="1958196"/>
+            <a:ext cx="0" cy="4042334"/>
+          </a:xfrm>
+          <a:prstGeom prst="line">
+            <a:avLst/>
+          </a:prstGeom>
+          <a:ln>
+            <a:solidFill>
+              <a:schemeClr val="bg2">
+                <a:lumMod val="90000"/>
+              </a:schemeClr>
+            </a:solidFill>
+          </a:ln>
+        </p:spPr>
+        <p:style>
+          <a:lnRef idx="1">
+            <a:schemeClr val="accent1"/>
+          </a:lnRef>
+          <a:fillRef idx="0">
+            <a:schemeClr val="accent1"/>
+          </a:fillRef>
+          <a:effectRef idx="0">
+            <a:schemeClr val="accent1"/>
+          </a:effectRef>
+          <a:fontRef idx="minor">
+            <a:schemeClr val="tx1"/>
+          </a:fontRef>
+        </p:style>
+      </p:cxnSp>
+      <p:sp>
+        <p:nvSpPr>
+          <p:cNvPr id="54" name="모서리가 둥근 직사각형 53"/>
+          <p:cNvSpPr/>
+          <p:nvPr/>
+        </p:nvSpPr>
+        <p:spPr>
+          <a:xfrm>
+            <a:off x="7533187" y="1978254"/>
+            <a:ext cx="591046" cy="1541322"/>
+          </a:xfrm>
+          <a:prstGeom prst="roundRect">
+            <a:avLst/>
+          </a:prstGeom>
+          <a:solidFill>
+            <a:schemeClr val="bg1">
+              <a:lumMod val="85000"/>
+            </a:schemeClr>
+          </a:solidFill>
+        </p:spPr>
+        <p:style>
+          <a:lnRef idx="2">
+            <a:schemeClr val="accent1">
+              <a:shade val="50000"/>
+            </a:schemeClr>
+          </a:lnRef>
+          <a:fillRef idx="1">
+            <a:schemeClr val="accent1"/>
+          </a:fillRef>
+          <a:effectRef idx="0">
+            <a:schemeClr val="accent1"/>
+          </a:effectRef>
+          <a:fontRef idx="minor">
+            <a:schemeClr val="lt1"/>
+          </a:fontRef>
+        </p:style>
+        <p:txBody>
+          <a:bodyPr rtlCol="0" anchor="ctr"/>
+          <a:lstStyle/>
+          <a:p>
+            <a:pPr algn="ctr"/>
+            <a:r>
+              <a:rPr lang="ko-KR" altLang="en-US" sz="1400" b="1" dirty="0" smtClean="0">
+                <a:solidFill>
+                  <a:schemeClr val="tx1"/>
+                </a:solidFill>
+              </a:rPr>
+              <a:t>컨트</a:t>
+            </a:r>
+            <a:endParaRPr lang="en-US" altLang="ko-KR" sz="1400" b="1" dirty="0" smtClean="0">
+              <a:solidFill>
+                <a:schemeClr val="tx1"/>
+              </a:solidFill>
+            </a:endParaRPr>
+          </a:p>
+          <a:p>
+            <a:pPr algn="ctr"/>
+            <a:r>
+              <a:rPr lang="ko-KR" altLang="en-US" sz="1400" b="1" dirty="0" smtClean="0">
+                <a:solidFill>
+                  <a:schemeClr val="tx1"/>
+                </a:solidFill>
+              </a:rPr>
+              <a:t>롤러</a:t>
+            </a:r>
+            <a:endParaRPr lang="ko-KR" altLang="en-US" sz="1400" b="1" dirty="0">
+              <a:solidFill>
+                <a:schemeClr val="tx1"/>
+              </a:solidFill>
+            </a:endParaRPr>
+          </a:p>
+        </p:txBody>
+      </p:sp>
+      <p:sp>
+        <p:nvSpPr>
+          <p:cNvPr id="55" name="모서리가 둥근 직사각형 54"/>
+          <p:cNvSpPr/>
+          <p:nvPr/>
+        </p:nvSpPr>
+        <p:spPr>
+          <a:xfrm>
+            <a:off x="10033055" y="1892639"/>
+            <a:ext cx="704416" cy="1626937"/>
+          </a:xfrm>
+          <a:prstGeom prst="roundRect">
+            <a:avLst/>
+          </a:prstGeom>
+          <a:solidFill>
+            <a:schemeClr val="bg1">
+              <a:lumMod val="85000"/>
+            </a:schemeClr>
+          </a:solidFill>
+        </p:spPr>
+        <p:style>
+          <a:lnRef idx="2">
+            <a:schemeClr val="accent1">
+              <a:shade val="50000"/>
+            </a:schemeClr>
+          </a:lnRef>
+          <a:fillRef idx="1">
+            <a:schemeClr val="accent1"/>
+          </a:fillRef>
+          <a:effectRef idx="0">
+            <a:schemeClr val="accent1"/>
+          </a:effectRef>
+          <a:fontRef idx="minor">
+            <a:schemeClr val="lt1"/>
+          </a:fontRef>
+        </p:style>
+        <p:txBody>
+          <a:bodyPr rtlCol="0" anchor="ctr"/>
+          <a:lstStyle/>
+          <a:p>
+            <a:pPr algn="ctr"/>
+            <a:r>
+              <a:rPr lang="ko-KR" altLang="en-US" sz="1400" b="1" dirty="0" smtClean="0">
+                <a:solidFill>
+                  <a:schemeClr val="tx1"/>
+                </a:solidFill>
+              </a:rPr>
+              <a:t>모델</a:t>
+            </a:r>
+            <a:endParaRPr lang="ko-KR" altLang="en-US" sz="1400" b="1" dirty="0">
+              <a:solidFill>
+                <a:schemeClr val="tx1"/>
+              </a:solidFill>
+            </a:endParaRPr>
+          </a:p>
+        </p:txBody>
+      </p:sp>
+      <p:sp>
+        <p:nvSpPr>
+          <p:cNvPr id="56" name="모서리가 둥근 직사각형 55"/>
+          <p:cNvSpPr/>
+          <p:nvPr/>
+        </p:nvSpPr>
+        <p:spPr>
+          <a:xfrm>
+            <a:off x="7532155" y="4955630"/>
+            <a:ext cx="1072552" cy="830706"/>
+          </a:xfrm>
+          <a:prstGeom prst="roundRect">
+            <a:avLst/>
+          </a:prstGeom>
+          <a:solidFill>
+            <a:schemeClr val="bg1">
+              <a:lumMod val="85000"/>
+            </a:schemeClr>
+          </a:solidFill>
+        </p:spPr>
+        <p:style>
+          <a:lnRef idx="2">
+            <a:schemeClr val="accent1">
+              <a:shade val="50000"/>
+            </a:schemeClr>
+          </a:lnRef>
+          <a:fillRef idx="1">
+            <a:schemeClr val="accent1"/>
+          </a:fillRef>
+          <a:effectRef idx="0">
+            <a:schemeClr val="accent1"/>
+          </a:effectRef>
+          <a:fontRef idx="minor">
+            <a:schemeClr val="lt1"/>
+          </a:fontRef>
+        </p:style>
+        <p:txBody>
+          <a:bodyPr rtlCol="0" anchor="ctr"/>
+          <a:lstStyle/>
+          <a:p>
+            <a:pPr algn="ctr"/>
+            <a:r>
+              <a:rPr lang="ko-KR" altLang="en-US" sz="1400" b="1" dirty="0" err="1" smtClean="0">
+                <a:solidFill>
+                  <a:schemeClr val="tx1"/>
+                </a:solidFill>
+              </a:rPr>
+              <a:t>뷰</a:t>
+            </a:r>
+            <a:endParaRPr lang="ko-KR" altLang="en-US" sz="1400" b="1" dirty="0">
+              <a:solidFill>
+                <a:schemeClr val="tx1"/>
+              </a:solidFill>
+            </a:endParaRPr>
+          </a:p>
+        </p:txBody>
+      </p:sp>
+      <p:sp>
+        <p:nvSpPr>
+          <p:cNvPr id="61" name="타원 60"/>
+          <p:cNvSpPr/>
+          <p:nvPr/>
+        </p:nvSpPr>
+        <p:spPr>
+          <a:xfrm>
+            <a:off x="9426766" y="2128245"/>
+            <a:ext cx="225725" cy="271225"/>
+          </a:xfrm>
+          <a:prstGeom prst="ellipse">
+            <a:avLst/>
+          </a:prstGeom>
+        </p:spPr>
+        <p:style>
+          <a:lnRef idx="2">
+            <a:schemeClr val="accent1">
+              <a:shade val="50000"/>
+            </a:schemeClr>
+          </a:lnRef>
+          <a:fillRef idx="1">
+            <a:schemeClr val="accent1"/>
+          </a:fillRef>
+          <a:effectRef idx="0">
+            <a:schemeClr val="accent1"/>
+          </a:effectRef>
+          <a:fontRef idx="minor">
+            <a:schemeClr val="lt1"/>
+          </a:fontRef>
+        </p:style>
+        <p:txBody>
+          <a:bodyPr rtlCol="0" anchor="ctr"/>
+          <a:lstStyle/>
+          <a:p>
+            <a:pPr algn="ctr"/>
+            <a:r>
+              <a:rPr lang="en-US" altLang="ko-KR" sz="1000" dirty="0" smtClean="0"/>
+              <a:t>1</a:t>
+            </a:r>
+            <a:endParaRPr lang="ko-KR" altLang="en-US" sz="1000" dirty="0"/>
+          </a:p>
+        </p:txBody>
+      </p:sp>
+      <p:sp>
+        <p:nvSpPr>
+          <p:cNvPr id="74" name="오른쪽 화살표 73"/>
+          <p:cNvSpPr/>
+          <p:nvPr/>
+        </p:nvSpPr>
+        <p:spPr>
+          <a:xfrm>
+            <a:off x="6583453" y="4723154"/>
+            <a:ext cx="542241" cy="513513"/>
+          </a:xfrm>
+          <a:prstGeom prst="rightArrow">
+            <a:avLst/>
+          </a:prstGeom>
+        </p:spPr>
+        <p:style>
+          <a:lnRef idx="2">
+            <a:schemeClr val="accent1">
+              <a:shade val="50000"/>
+            </a:schemeClr>
+          </a:lnRef>
+          <a:fillRef idx="1">
+            <a:schemeClr val="accent1"/>
+          </a:fillRef>
+          <a:effectRef idx="0">
+            <a:schemeClr val="accent1"/>
+          </a:effectRef>
+          <a:fontRef idx="minor">
+            <a:schemeClr val="lt1"/>
+          </a:fontRef>
+        </p:style>
+        <p:txBody>
+          <a:bodyPr rtlCol="0" anchor="ctr"/>
+          <a:lstStyle/>
+          <a:p>
+            <a:pPr algn="ctr"/>
+            <a:endParaRPr lang="ko-KR" altLang="en-US"/>
+          </a:p>
+        </p:txBody>
+      </p:sp>
+      <p:sp>
+        <p:nvSpPr>
+          <p:cNvPr id="75" name="TextBox 74"/>
+          <p:cNvSpPr txBox="1"/>
+          <p:nvPr/>
+        </p:nvSpPr>
+        <p:spPr>
+          <a:xfrm>
+            <a:off x="8192013" y="2038729"/>
+            <a:ext cx="1100818" cy="646331"/>
+          </a:xfrm>
+          <a:prstGeom prst="rect">
+            <a:avLst/>
+          </a:prstGeom>
+          <a:noFill/>
+        </p:spPr>
+        <p:txBody>
+          <a:bodyPr wrap="square" rtlCol="0">
+            <a:spAutoFit/>
+          </a:bodyPr>
+          <a:lstStyle/>
+          <a:p>
+            <a:pPr>
+              <a:lnSpc>
+                <a:spcPct val="150000"/>
+              </a:lnSpc>
+            </a:pPr>
+            <a:r>
+              <a:rPr lang="en-US" altLang="ko-KR" sz="1200" dirty="0" err="1" smtClean="0"/>
+              <a:t>request.get~call</a:t>
+            </a:r>
+            <a:r>
+              <a:rPr lang="en-US" altLang="ko-KR" sz="1200" dirty="0" smtClean="0"/>
+              <a:t> </a:t>
+            </a:r>
+            <a:r>
+              <a:rPr lang="ko-KR" altLang="en-US" sz="1200" dirty="0" smtClean="0"/>
+              <a:t>모델</a:t>
+            </a:r>
+            <a:endParaRPr lang="en-US" altLang="ko-KR" sz="1200" dirty="0" smtClean="0"/>
+          </a:p>
+        </p:txBody>
+      </p:sp>
+      <p:sp>
+        <p:nvSpPr>
+          <p:cNvPr id="76" name="TextBox 75"/>
+          <p:cNvSpPr txBox="1"/>
+          <p:nvPr/>
+        </p:nvSpPr>
+        <p:spPr>
+          <a:xfrm>
+            <a:off x="10804050" y="1772387"/>
+            <a:ext cx="1180844" cy="923330"/>
+          </a:xfrm>
+          <a:prstGeom prst="rect">
+            <a:avLst/>
+          </a:prstGeom>
+          <a:noFill/>
+        </p:spPr>
+        <p:txBody>
+          <a:bodyPr wrap="square" rtlCol="0">
+            <a:spAutoFit/>
+          </a:bodyPr>
+          <a:lstStyle/>
+          <a:p>
+            <a:pPr>
+              <a:lnSpc>
+                <a:spcPct val="150000"/>
+              </a:lnSpc>
+            </a:pPr>
+            <a:r>
+              <a:rPr lang="en-US" altLang="ko-KR" sz="1200" dirty="0" smtClean="0"/>
+              <a:t>DB </a:t>
+            </a:r>
+            <a:r>
+              <a:rPr lang="ko-KR" altLang="en-US" sz="1200" dirty="0" smtClean="0"/>
+              <a:t>연결</a:t>
+            </a:r>
+            <a:endParaRPr lang="en-US" altLang="ko-KR" sz="1200" dirty="0" smtClean="0"/>
+          </a:p>
+          <a:p>
+            <a:pPr>
+              <a:lnSpc>
+                <a:spcPct val="150000"/>
+              </a:lnSpc>
+            </a:pPr>
+            <a:r>
+              <a:rPr lang="ko-KR" altLang="en-US" sz="1200" dirty="0" smtClean="0"/>
+              <a:t>데이터추출</a:t>
+            </a:r>
+            <a:endParaRPr lang="en-US" altLang="ko-KR" sz="1200" dirty="0" smtClean="0"/>
+          </a:p>
+          <a:p>
+            <a:pPr>
+              <a:lnSpc>
+                <a:spcPct val="150000"/>
+              </a:lnSpc>
+            </a:pPr>
+            <a:r>
+              <a:rPr lang="en-US" altLang="ko-KR" sz="1200" dirty="0" smtClean="0"/>
+              <a:t>return </a:t>
+            </a:r>
+            <a:r>
+              <a:rPr lang="ko-KR" altLang="en-US" sz="1200" dirty="0" smtClean="0"/>
+              <a:t>데이터</a:t>
+            </a:r>
+            <a:endParaRPr lang="en-US" altLang="ko-KR" sz="1200" dirty="0" smtClean="0"/>
+          </a:p>
+        </p:txBody>
+      </p:sp>
+      <p:cxnSp>
+        <p:nvCxnSpPr>
+          <p:cNvPr id="78" name="직선 화살표 연결선 77"/>
+          <p:cNvCxnSpPr/>
+          <p:nvPr/>
+        </p:nvCxnSpPr>
+        <p:spPr>
+          <a:xfrm>
+            <a:off x="9186910" y="2552610"/>
+            <a:ext cx="733474" cy="0"/>
+          </a:xfrm>
+          <a:prstGeom prst="straightConnector1">
+            <a:avLst/>
+          </a:prstGeom>
+          <a:ln>
+            <a:tailEnd type="triangle"/>
+          </a:ln>
+        </p:spPr>
+        <p:style>
+          <a:lnRef idx="1">
+            <a:schemeClr val="accent1"/>
+          </a:lnRef>
+          <a:fillRef idx="0">
+            <a:schemeClr val="accent1"/>
+          </a:fillRef>
+          <a:effectRef idx="0">
+            <a:schemeClr val="accent1"/>
+          </a:effectRef>
+          <a:fontRef idx="minor">
+            <a:schemeClr val="tx1"/>
+          </a:fontRef>
+        </p:style>
+      </p:cxnSp>
+      <p:cxnSp>
+        <p:nvCxnSpPr>
+          <p:cNvPr id="85" name="직선 화살표 연결선 84"/>
+          <p:cNvCxnSpPr/>
+          <p:nvPr/>
+        </p:nvCxnSpPr>
+        <p:spPr>
+          <a:xfrm flipH="1">
+            <a:off x="8308001" y="2966905"/>
+            <a:ext cx="1604553" cy="0"/>
+          </a:xfrm>
+          <a:prstGeom prst="straightConnector1">
+            <a:avLst/>
+          </a:prstGeom>
+          <a:ln>
+            <a:tailEnd type="triangle"/>
+          </a:ln>
+        </p:spPr>
+        <p:style>
+          <a:lnRef idx="1">
+            <a:schemeClr val="accent1"/>
+          </a:lnRef>
+          <a:fillRef idx="0">
+            <a:schemeClr val="accent1"/>
+          </a:fillRef>
+          <a:effectRef idx="0">
+            <a:schemeClr val="accent1"/>
+          </a:effectRef>
+          <a:fontRef idx="minor">
+            <a:schemeClr val="tx1"/>
+          </a:fontRef>
+        </p:style>
+      </p:cxnSp>
+      <p:sp>
+        <p:nvSpPr>
+          <p:cNvPr id="86" name="TextBox 85"/>
+          <p:cNvSpPr txBox="1"/>
+          <p:nvPr/>
+        </p:nvSpPr>
+        <p:spPr>
+          <a:xfrm>
+            <a:off x="8796677" y="3012862"/>
+            <a:ext cx="1100818" cy="369332"/>
+          </a:xfrm>
+          <a:prstGeom prst="rect">
+            <a:avLst/>
+          </a:prstGeom>
+          <a:noFill/>
+        </p:spPr>
+        <p:txBody>
+          <a:bodyPr wrap="square" rtlCol="0">
+            <a:spAutoFit/>
+          </a:bodyPr>
+          <a:lstStyle/>
+          <a:p>
+            <a:pPr>
+              <a:lnSpc>
+                <a:spcPct val="150000"/>
+              </a:lnSpc>
+            </a:pPr>
+            <a:r>
+              <a:rPr lang="ko-KR" altLang="en-US" sz="1200" dirty="0" smtClean="0"/>
+              <a:t>데이터 전송</a:t>
+            </a:r>
+            <a:endParaRPr lang="en-US" altLang="ko-KR" sz="1200" dirty="0" smtClean="0"/>
+          </a:p>
+        </p:txBody>
+      </p:sp>
+      <p:sp>
+        <p:nvSpPr>
+          <p:cNvPr id="87" name="타원 86"/>
+          <p:cNvSpPr/>
+          <p:nvPr/>
+        </p:nvSpPr>
+        <p:spPr>
+          <a:xfrm>
+            <a:off x="8547735" y="3054084"/>
+            <a:ext cx="225725" cy="271225"/>
+          </a:xfrm>
+          <a:prstGeom prst="ellipse">
+            <a:avLst/>
+          </a:prstGeom>
+        </p:spPr>
+        <p:style>
+          <a:lnRef idx="2">
+            <a:schemeClr val="accent1">
+              <a:shade val="50000"/>
+            </a:schemeClr>
+          </a:lnRef>
+          <a:fillRef idx="1">
+            <a:schemeClr val="accent1"/>
+          </a:fillRef>
+          <a:effectRef idx="0">
+            <a:schemeClr val="accent1"/>
+          </a:effectRef>
+          <a:fontRef idx="minor">
+            <a:schemeClr val="lt1"/>
+          </a:fontRef>
+        </p:style>
+        <p:txBody>
+          <a:bodyPr rtlCol="0" anchor="ctr"/>
+          <a:lstStyle/>
+          <a:p>
+            <a:pPr algn="ctr"/>
+            <a:r>
+              <a:rPr lang="en-US" altLang="ko-KR" sz="1000" dirty="0" smtClean="0"/>
+              <a:t>2</a:t>
+            </a:r>
+            <a:endParaRPr lang="ko-KR" altLang="en-US" sz="1000" dirty="0"/>
+          </a:p>
+        </p:txBody>
+      </p:sp>
+      <p:cxnSp>
+        <p:nvCxnSpPr>
+          <p:cNvPr id="88" name="직선 화살표 연결선 87"/>
+          <p:cNvCxnSpPr>
+            <a:stCxn id="54" idx="2"/>
+            <a:endCxn id="56" idx="0"/>
+          </p:cNvCxnSpPr>
+          <p:nvPr/>
+        </p:nvCxnSpPr>
+        <p:spPr>
+          <a:xfrm>
+            <a:off x="7828710" y="3519576"/>
+            <a:ext cx="239721" cy="1436054"/>
+          </a:xfrm>
+          <a:prstGeom prst="straightConnector1">
+            <a:avLst/>
+          </a:prstGeom>
+          <a:ln>
+            <a:tailEnd type="triangle"/>
+          </a:ln>
+        </p:spPr>
+        <p:style>
+          <a:lnRef idx="1">
+            <a:schemeClr val="accent1"/>
+          </a:lnRef>
+          <a:fillRef idx="0">
+            <a:schemeClr val="accent1"/>
+          </a:fillRef>
+          <a:effectRef idx="0">
+            <a:schemeClr val="accent1"/>
+          </a:effectRef>
+          <a:fontRef idx="minor">
+            <a:schemeClr val="tx1"/>
+          </a:fontRef>
+        </p:style>
+      </p:cxnSp>
+      <p:sp>
+        <p:nvSpPr>
+          <p:cNvPr id="90" name="타원 89"/>
+          <p:cNvSpPr/>
+          <p:nvPr/>
+        </p:nvSpPr>
+        <p:spPr>
+          <a:xfrm>
+            <a:off x="7971827" y="3784201"/>
+            <a:ext cx="225725" cy="271225"/>
+          </a:xfrm>
+          <a:prstGeom prst="ellipse">
+            <a:avLst/>
+          </a:prstGeom>
+        </p:spPr>
+        <p:style>
+          <a:lnRef idx="2">
+            <a:schemeClr val="accent1">
+              <a:shade val="50000"/>
+            </a:schemeClr>
+          </a:lnRef>
+          <a:fillRef idx="1">
+            <a:schemeClr val="accent1"/>
+          </a:fillRef>
+          <a:effectRef idx="0">
+            <a:schemeClr val="accent1"/>
+          </a:effectRef>
+          <a:fontRef idx="minor">
+            <a:schemeClr val="lt1"/>
+          </a:fontRef>
+        </p:style>
+        <p:txBody>
+          <a:bodyPr rtlCol="0" anchor="ctr"/>
+          <a:lstStyle/>
+          <a:p>
+            <a:pPr algn="ctr"/>
+            <a:r>
+              <a:rPr lang="en-US" altLang="ko-KR" sz="1000" dirty="0" smtClean="0"/>
+              <a:t>3</a:t>
+            </a:r>
+            <a:endParaRPr lang="ko-KR" altLang="en-US" sz="1000" dirty="0"/>
+          </a:p>
+        </p:txBody>
+      </p:sp>
+      <p:sp>
+        <p:nvSpPr>
+          <p:cNvPr id="91" name="TextBox 90"/>
+          <p:cNvSpPr txBox="1"/>
+          <p:nvPr/>
+        </p:nvSpPr>
+        <p:spPr>
+          <a:xfrm>
+            <a:off x="7757592" y="4123029"/>
+            <a:ext cx="1100818" cy="646331"/>
+          </a:xfrm>
+          <a:prstGeom prst="rect">
+            <a:avLst/>
+          </a:prstGeom>
+          <a:noFill/>
+        </p:spPr>
+        <p:txBody>
+          <a:bodyPr wrap="square" rtlCol="0">
+            <a:spAutoFit/>
+          </a:bodyPr>
+          <a:lstStyle/>
+          <a:p>
+            <a:pPr>
+              <a:lnSpc>
+                <a:spcPct val="150000"/>
+              </a:lnSpc>
+            </a:pPr>
+            <a:r>
+              <a:rPr lang="en-US" altLang="ko-KR" sz="1200" dirty="0" smtClean="0"/>
+              <a:t>call </a:t>
+            </a:r>
+            <a:r>
+              <a:rPr lang="ko-KR" altLang="en-US" sz="1200" dirty="0" err="1" smtClean="0"/>
+              <a:t>뷰</a:t>
+            </a:r>
+            <a:endParaRPr lang="en-US" altLang="ko-KR" sz="1200" dirty="0" smtClean="0"/>
+          </a:p>
+          <a:p>
+            <a:pPr>
+              <a:lnSpc>
+                <a:spcPct val="150000"/>
+              </a:lnSpc>
+            </a:pPr>
+            <a:r>
+              <a:rPr lang="ko-KR" altLang="en-US" sz="1200" dirty="0" smtClean="0"/>
+              <a:t>데이터 전송</a:t>
+            </a:r>
+            <a:endParaRPr lang="en-US" altLang="ko-KR" sz="1200" dirty="0" smtClean="0"/>
+          </a:p>
+        </p:txBody>
+      </p:sp>
+      <p:sp>
+        <p:nvSpPr>
+          <p:cNvPr id="92" name="TextBox 91"/>
+          <p:cNvSpPr txBox="1"/>
+          <p:nvPr/>
+        </p:nvSpPr>
+        <p:spPr>
+          <a:xfrm>
+            <a:off x="8584205" y="3764035"/>
+            <a:ext cx="1910846" cy="369332"/>
+          </a:xfrm>
+          <a:prstGeom prst="rect">
+            <a:avLst/>
+          </a:prstGeom>
+          <a:noFill/>
+        </p:spPr>
+        <p:txBody>
+          <a:bodyPr wrap="square" rtlCol="0">
+            <a:spAutoFit/>
+          </a:bodyPr>
+          <a:lstStyle/>
+          <a:p>
+            <a:pPr>
+              <a:lnSpc>
+                <a:spcPct val="150000"/>
+              </a:lnSpc>
+            </a:pPr>
+            <a:r>
+              <a:rPr lang="en-US" altLang="ko-KR" sz="1200" dirty="0" smtClean="0">
+                <a:solidFill>
+                  <a:srgbClr val="FF0000"/>
+                </a:solidFill>
+              </a:rPr>
+              <a:t>request</a:t>
+            </a:r>
+            <a:r>
+              <a:rPr lang="en-US" altLang="ko-KR" sz="1200" dirty="0" smtClean="0"/>
+              <a:t>. </a:t>
+            </a:r>
+            <a:r>
+              <a:rPr lang="en-US" altLang="ko-KR" sz="1200" dirty="0"/>
+              <a:t>f</a:t>
+            </a:r>
+            <a:r>
+              <a:rPr lang="en-US" altLang="ko-KR" sz="1200" dirty="0" smtClean="0"/>
+              <a:t>orward</a:t>
+            </a:r>
+          </a:p>
+        </p:txBody>
+      </p:sp>
+      <p:sp>
+        <p:nvSpPr>
+          <p:cNvPr id="7" name="순서도: 자기 디스크 6"/>
+          <p:cNvSpPr/>
+          <p:nvPr/>
+        </p:nvSpPr>
+        <p:spPr>
+          <a:xfrm>
+            <a:off x="10507428" y="3921971"/>
+            <a:ext cx="1242891" cy="968182"/>
+          </a:xfrm>
+          <a:prstGeom prst="flowChartMagneticDisk">
+            <a:avLst/>
+          </a:prstGeom>
+        </p:spPr>
+        <p:style>
+          <a:lnRef idx="2">
+            <a:schemeClr val="accent1">
+              <a:shade val="50000"/>
+            </a:schemeClr>
+          </a:lnRef>
+          <a:fillRef idx="1">
+            <a:schemeClr val="accent1"/>
+          </a:fillRef>
+          <a:effectRef idx="0">
+            <a:schemeClr val="accent1"/>
+          </a:effectRef>
+          <a:fontRef idx="minor">
+            <a:schemeClr val="lt1"/>
+          </a:fontRef>
+        </p:style>
+        <p:txBody>
+          <a:bodyPr rtlCol="0" anchor="ctr"/>
+          <a:lstStyle/>
+          <a:p>
+            <a:pPr algn="ctr"/>
+            <a:r>
+              <a:rPr lang="en-US" altLang="ko-KR" dirty="0" smtClean="0"/>
+              <a:t>DB</a:t>
+            </a:r>
+            <a:endParaRPr lang="ko-KR" altLang="en-US" dirty="0"/>
+          </a:p>
+        </p:txBody>
+      </p:sp>
+      <p:cxnSp>
+        <p:nvCxnSpPr>
+          <p:cNvPr id="10" name="직선 화살표 연결선 9"/>
+          <p:cNvCxnSpPr>
+            <a:stCxn id="55" idx="2"/>
+            <a:endCxn id="7" idx="1"/>
+          </p:cNvCxnSpPr>
+          <p:nvPr/>
+        </p:nvCxnSpPr>
+        <p:spPr>
+          <a:xfrm>
+            <a:off x="10385263" y="3519576"/>
+            <a:ext cx="743611" cy="402395"/>
+          </a:xfrm>
+          <a:prstGeom prst="straightConnector1">
+            <a:avLst/>
+          </a:prstGeom>
+          <a:ln>
+            <a:tailEnd type="triangle"/>
+          </a:ln>
+        </p:spPr>
+        <p:style>
+          <a:lnRef idx="1">
+            <a:schemeClr val="accent1"/>
+          </a:lnRef>
+          <a:fillRef idx="0">
+            <a:schemeClr val="accent1"/>
+          </a:fillRef>
+          <a:effectRef idx="0">
+            <a:schemeClr val="accent1"/>
+          </a:effectRef>
+          <a:fontRef idx="minor">
+            <a:schemeClr val="tx1"/>
+          </a:fontRef>
+        </p:style>
+      </p:cxnSp>
+      <p:cxnSp>
+        <p:nvCxnSpPr>
+          <p:cNvPr id="15" name="직선 연결선 14"/>
+          <p:cNvCxnSpPr/>
+          <p:nvPr/>
+        </p:nvCxnSpPr>
+        <p:spPr>
+          <a:xfrm>
+            <a:off x="7067439" y="864697"/>
+            <a:ext cx="3330720" cy="5622367"/>
+          </a:xfrm>
+          <a:prstGeom prst="line">
+            <a:avLst/>
+          </a:prstGeom>
+          <a:ln>
+            <a:solidFill>
+              <a:srgbClr val="FF0000"/>
+            </a:solidFill>
+          </a:ln>
+        </p:spPr>
+        <p:style>
+          <a:lnRef idx="1">
+            <a:schemeClr val="accent1"/>
+          </a:lnRef>
+          <a:fillRef idx="0">
+            <a:schemeClr val="accent1"/>
+          </a:fillRef>
+          <a:effectRef idx="0">
+            <a:schemeClr val="accent1"/>
+          </a:effectRef>
+          <a:fontRef idx="minor">
+            <a:schemeClr val="tx1"/>
+          </a:fontRef>
+        </p:style>
+      </p:cxnSp>
+      <p:sp>
+        <p:nvSpPr>
+          <p:cNvPr id="12" name="직사각형 11"/>
+          <p:cNvSpPr/>
+          <p:nvPr/>
+        </p:nvSpPr>
+        <p:spPr>
+          <a:xfrm>
+            <a:off x="163257" y="4226043"/>
+            <a:ext cx="7029586" cy="1418996"/>
+          </a:xfrm>
+          <a:prstGeom prst="rect">
+            <a:avLst/>
+          </a:prstGeom>
+          <a:noFill/>
+          <a:ln w="38100">
+            <a:solidFill>
+              <a:srgbClr val="002060"/>
+            </a:solidFill>
+          </a:ln>
+        </p:spPr>
+        <p:style>
+          <a:lnRef idx="2">
+            <a:schemeClr val="accent1">
+              <a:shade val="50000"/>
+            </a:schemeClr>
+          </a:lnRef>
+          <a:fillRef idx="1">
+            <a:schemeClr val="accent1"/>
+          </a:fillRef>
+          <a:effectRef idx="0">
+            <a:schemeClr val="accent1"/>
+          </a:effectRef>
+          <a:fontRef idx="minor">
+            <a:schemeClr val="lt1"/>
+          </a:fontRef>
+        </p:style>
+        <p:txBody>
+          <a:bodyPr rtlCol="0" anchor="ctr"/>
+          <a:lstStyle/>
+          <a:p>
+            <a:pPr algn="ctr"/>
+            <a:endParaRPr lang="ko-KR" altLang="en-US"/>
+          </a:p>
+        </p:txBody>
+      </p:sp>
+      <p:sp>
+        <p:nvSpPr>
+          <p:cNvPr id="17" name="직사각형 16"/>
+          <p:cNvSpPr/>
+          <p:nvPr/>
+        </p:nvSpPr>
+        <p:spPr>
+          <a:xfrm>
+            <a:off x="7254815" y="1498058"/>
+            <a:ext cx="4730079" cy="4989006"/>
+          </a:xfrm>
+          <a:prstGeom prst="rect">
+            <a:avLst/>
+          </a:prstGeom>
+          <a:noFill/>
+          <a:ln w="38100"/>
+        </p:spPr>
+        <p:style>
+          <a:lnRef idx="2">
+            <a:schemeClr val="accent1">
+              <a:shade val="50000"/>
+            </a:schemeClr>
+          </a:lnRef>
+          <a:fillRef idx="1">
+            <a:schemeClr val="accent1"/>
+          </a:fillRef>
+          <a:effectRef idx="0">
+            <a:schemeClr val="accent1"/>
+          </a:effectRef>
+          <a:fontRef idx="minor">
+            <a:schemeClr val="lt1"/>
+          </a:fontRef>
+        </p:style>
+        <p:txBody>
+          <a:bodyPr rtlCol="0" anchor="ctr"/>
+          <a:lstStyle/>
+          <a:p>
+            <a:pPr algn="ctr"/>
+            <a:endParaRPr lang="ko-KR" altLang="en-US"/>
+          </a:p>
+        </p:txBody>
+      </p:sp>
+    </p:spTree>
+    <p:extLst>
+      <p:ext uri="{BB962C8B-B14F-4D97-AF65-F5344CB8AC3E}">
+        <p14:creationId xmlns:p14="http://schemas.microsoft.com/office/powerpoint/2010/main" val="2100228875"/>
+      </p:ext>
+    </p:extLst>
+  </p:cSld>
+  <p:clrMapOvr>
+    <a:masterClrMapping/>
+  </p:clrMapOvr>
+</p:sld>
+</file>
+
+<file path=ppt/slides/slide8.xml><?xml version="1.0" encoding="utf-8"?>
+<p:sld xmlns:a="http://schemas.openxmlformats.org/drawingml/2006/main" xmlns:r="http://schemas.openxmlformats.org/officeDocument/2006/relationships" xmlns:p="http://schemas.openxmlformats.org/presentationml/2006/main">
+  <p:cSld>
+    <p:spTree>
+      <p:nvGrpSpPr>
+        <p:cNvPr id="1" name=""/>
+        <p:cNvGrpSpPr/>
+        <p:nvPr/>
+      </p:nvGrpSpPr>
+      <p:grpSpPr>
+        <a:xfrm>
+          <a:off x="0" y="0"/>
+          <a:ext cx="0" cy="0"/>
+          <a:chOff x="0" y="0"/>
+          <a:chExt cx="0" cy="0"/>
+        </a:xfrm>
+      </p:grpSpPr>
+      <p:cxnSp>
+        <p:nvCxnSpPr>
+          <p:cNvPr id="4" name="직선 연결선 3"/>
+          <p:cNvCxnSpPr/>
+          <p:nvPr/>
+        </p:nvCxnSpPr>
+        <p:spPr>
+          <a:xfrm>
+            <a:off x="0" y="538264"/>
+            <a:ext cx="12192000" cy="0"/>
+          </a:xfrm>
+          <a:prstGeom prst="line">
+            <a:avLst/>
+          </a:prstGeom>
+          <a:ln>
+            <a:solidFill>
+              <a:schemeClr val="tx1"/>
+            </a:solidFill>
+          </a:ln>
+        </p:spPr>
+        <p:style>
+          <a:lnRef idx="1">
+            <a:schemeClr val="accent1"/>
+          </a:lnRef>
+          <a:fillRef idx="0">
+            <a:schemeClr val="accent1"/>
+          </a:fillRef>
+          <a:effectRef idx="0">
+            <a:schemeClr val="accent1"/>
+          </a:effectRef>
+          <a:fontRef idx="minor">
+            <a:schemeClr val="tx1"/>
+          </a:fontRef>
+        </p:style>
+      </p:cxnSp>
+      <p:sp>
+        <p:nvSpPr>
+          <p:cNvPr id="5" name="TextBox 4"/>
+          <p:cNvSpPr txBox="1"/>
+          <p:nvPr/>
+        </p:nvSpPr>
+        <p:spPr>
+          <a:xfrm>
+            <a:off x="343711" y="90791"/>
+            <a:ext cx="2090637" cy="369332"/>
+          </a:xfrm>
+          <a:prstGeom prst="rect">
+            <a:avLst/>
+          </a:prstGeom>
+          <a:noFill/>
+        </p:spPr>
+        <p:txBody>
+          <a:bodyPr wrap="none" rtlCol="0">
+            <a:spAutoFit/>
+          </a:bodyPr>
+          <a:lstStyle/>
+          <a:p>
+            <a:r>
+              <a:rPr lang="ko-KR" altLang="en-US" b="1" dirty="0" smtClean="0"/>
+              <a:t>모델 </a:t>
+            </a:r>
+            <a:r>
+              <a:rPr lang="en-US" altLang="ko-KR" b="1" dirty="0" smtClean="0"/>
+              <a:t>2 </a:t>
+            </a:r>
+            <a:r>
+              <a:rPr lang="ko-KR" altLang="en-US" b="1" dirty="0" smtClean="0"/>
+              <a:t>학습 방법 </a:t>
+            </a:r>
+            <a:endParaRPr lang="ko-KR" altLang="en-US" b="1" dirty="0"/>
+          </a:p>
+        </p:txBody>
+      </p:sp>
+      <p:sp>
+        <p:nvSpPr>
+          <p:cNvPr id="6" name="TextBox 5"/>
+          <p:cNvSpPr txBox="1"/>
+          <p:nvPr/>
+        </p:nvSpPr>
+        <p:spPr>
+          <a:xfrm>
+            <a:off x="11516040" y="275457"/>
+            <a:ext cx="641522" cy="261610"/>
+          </a:xfrm>
+          <a:prstGeom prst="rect">
+            <a:avLst/>
+          </a:prstGeom>
+          <a:noFill/>
+        </p:spPr>
+        <p:txBody>
+          <a:bodyPr wrap="none" rtlCol="0">
+            <a:spAutoFit/>
+          </a:bodyPr>
+          <a:lstStyle/>
+          <a:p>
+            <a:r>
+              <a:rPr lang="en-US" altLang="ko-KR" sz="1100" b="1" i="1" smtClean="0"/>
+              <a:t>IT </a:t>
+            </a:r>
+            <a:r>
+              <a:rPr lang="ko-KR" altLang="en-US" sz="1100" b="1" i="1" dirty="0" smtClean="0"/>
+              <a:t>늦공</a:t>
+            </a:r>
+            <a:endParaRPr lang="ko-KR" altLang="en-US" sz="1100" b="1" i="1" dirty="0"/>
+          </a:p>
+        </p:txBody>
+      </p:sp>
+      <p:sp>
+        <p:nvSpPr>
+          <p:cNvPr id="49" name="TextBox 48"/>
+          <p:cNvSpPr txBox="1"/>
+          <p:nvPr/>
+        </p:nvSpPr>
+        <p:spPr>
+          <a:xfrm>
+            <a:off x="1582817" y="3242082"/>
+            <a:ext cx="9131026" cy="923330"/>
+          </a:xfrm>
+          <a:prstGeom prst="rect">
+            <a:avLst/>
+          </a:prstGeom>
+          <a:solidFill>
+            <a:schemeClr val="tx1"/>
+          </a:solidFill>
+        </p:spPr>
+        <p:txBody>
+          <a:bodyPr wrap="none" rtlCol="0">
+            <a:spAutoFit/>
+          </a:bodyPr>
+          <a:lstStyle/>
+          <a:p>
+            <a:r>
+              <a:rPr lang="en-US" altLang="ko-KR" sz="5400" b="1" dirty="0" smtClean="0">
+                <a:solidFill>
+                  <a:srgbClr val="FFFF00"/>
+                </a:solidFill>
+              </a:rPr>
+              <a:t>Model1 – </a:t>
+            </a:r>
+            <a:r>
+              <a:rPr lang="en-US" altLang="ko-KR" sz="5400" b="1" dirty="0" smtClean="0">
+                <a:solidFill>
+                  <a:srgbClr val="FFFF00"/>
+                </a:solidFill>
+              </a:rPr>
+              <a:t>DB </a:t>
+            </a:r>
+            <a:r>
+              <a:rPr lang="ko-KR" altLang="en-US" sz="5400" b="1" dirty="0" smtClean="0">
+                <a:solidFill>
+                  <a:srgbClr val="FFFF00"/>
+                </a:solidFill>
+              </a:rPr>
+              <a:t>연결 분리작업</a:t>
+            </a:r>
+            <a:endParaRPr lang="ko-KR" altLang="en-US" sz="5400" b="1" dirty="0">
+              <a:solidFill>
+                <a:srgbClr val="FFFF00"/>
+              </a:solidFill>
+            </a:endParaRPr>
           </a:p>
         </p:txBody>
       </p:sp>

--- a/workspace/Model2_MVC.pptx
+++ b/workspace/Model2_MVC.pptx
@@ -13,6 +13,7 @@
     <p:sldId id="260" r:id="rId7"/>
     <p:sldId id="262" r:id="rId8"/>
     <p:sldId id="261" r:id="rId9"/>
+    <p:sldId id="264" r:id="rId10"/>
   </p:sldIdLst>
   <p:sldSz cx="12192000" cy="6858000"/>
   <p:notesSz cx="6858000" cy="9144000"/>
@@ -250,7 +251,7 @@
           <a:p>
             <a:fld id="{3DCF8E7F-ECA4-4F79-8BD4-9D90B257F24F}" type="datetimeFigureOut">
               <a:rPr lang="ko-KR" altLang="en-US" smtClean="0"/>
-              <a:t>2021-08-01</a:t>
+              <a:t>2021-08-05</a:t>
             </a:fld>
             <a:endParaRPr lang="ko-KR" altLang="en-US"/>
           </a:p>
@@ -420,7 +421,7 @@
           <a:p>
             <a:fld id="{3DCF8E7F-ECA4-4F79-8BD4-9D90B257F24F}" type="datetimeFigureOut">
               <a:rPr lang="ko-KR" altLang="en-US" smtClean="0"/>
-              <a:t>2021-08-01</a:t>
+              <a:t>2021-08-05</a:t>
             </a:fld>
             <a:endParaRPr lang="ko-KR" altLang="en-US"/>
           </a:p>
@@ -600,7 +601,7 @@
           <a:p>
             <a:fld id="{3DCF8E7F-ECA4-4F79-8BD4-9D90B257F24F}" type="datetimeFigureOut">
               <a:rPr lang="ko-KR" altLang="en-US" smtClean="0"/>
-              <a:t>2021-08-01</a:t>
+              <a:t>2021-08-05</a:t>
             </a:fld>
             <a:endParaRPr lang="ko-KR" altLang="en-US"/>
           </a:p>
@@ -770,7 +771,7 @@
           <a:p>
             <a:fld id="{3DCF8E7F-ECA4-4F79-8BD4-9D90B257F24F}" type="datetimeFigureOut">
               <a:rPr lang="ko-KR" altLang="en-US" smtClean="0"/>
-              <a:t>2021-08-01</a:t>
+              <a:t>2021-08-05</a:t>
             </a:fld>
             <a:endParaRPr lang="ko-KR" altLang="en-US"/>
           </a:p>
@@ -1016,7 +1017,7 @@
           <a:p>
             <a:fld id="{3DCF8E7F-ECA4-4F79-8BD4-9D90B257F24F}" type="datetimeFigureOut">
               <a:rPr lang="ko-KR" altLang="en-US" smtClean="0"/>
-              <a:t>2021-08-01</a:t>
+              <a:t>2021-08-05</a:t>
             </a:fld>
             <a:endParaRPr lang="ko-KR" altLang="en-US"/>
           </a:p>
@@ -1248,7 +1249,7 @@
           <a:p>
             <a:fld id="{3DCF8E7F-ECA4-4F79-8BD4-9D90B257F24F}" type="datetimeFigureOut">
               <a:rPr lang="ko-KR" altLang="en-US" smtClean="0"/>
-              <a:t>2021-08-01</a:t>
+              <a:t>2021-08-05</a:t>
             </a:fld>
             <a:endParaRPr lang="ko-KR" altLang="en-US"/>
           </a:p>
@@ -1615,7 +1616,7 @@
           <a:p>
             <a:fld id="{3DCF8E7F-ECA4-4F79-8BD4-9D90B257F24F}" type="datetimeFigureOut">
               <a:rPr lang="ko-KR" altLang="en-US" smtClean="0"/>
-              <a:t>2021-08-01</a:t>
+              <a:t>2021-08-05</a:t>
             </a:fld>
             <a:endParaRPr lang="ko-KR" altLang="en-US"/>
           </a:p>
@@ -1733,7 +1734,7 @@
           <a:p>
             <a:fld id="{3DCF8E7F-ECA4-4F79-8BD4-9D90B257F24F}" type="datetimeFigureOut">
               <a:rPr lang="ko-KR" altLang="en-US" smtClean="0"/>
-              <a:t>2021-08-01</a:t>
+              <a:t>2021-08-05</a:t>
             </a:fld>
             <a:endParaRPr lang="ko-KR" altLang="en-US"/>
           </a:p>
@@ -1828,7 +1829,7 @@
           <a:p>
             <a:fld id="{3DCF8E7F-ECA4-4F79-8BD4-9D90B257F24F}" type="datetimeFigureOut">
               <a:rPr lang="ko-KR" altLang="en-US" smtClean="0"/>
-              <a:t>2021-08-01</a:t>
+              <a:t>2021-08-05</a:t>
             </a:fld>
             <a:endParaRPr lang="ko-KR" altLang="en-US"/>
           </a:p>
@@ -2105,7 +2106,7 @@
           <a:p>
             <a:fld id="{3DCF8E7F-ECA4-4F79-8BD4-9D90B257F24F}" type="datetimeFigureOut">
               <a:rPr lang="ko-KR" altLang="en-US" smtClean="0"/>
-              <a:t>2021-08-01</a:t>
+              <a:t>2021-08-05</a:t>
             </a:fld>
             <a:endParaRPr lang="ko-KR" altLang="en-US"/>
           </a:p>
@@ -2358,7 +2359,7 @@
           <a:p>
             <a:fld id="{3DCF8E7F-ECA4-4F79-8BD4-9D90B257F24F}" type="datetimeFigureOut">
               <a:rPr lang="ko-KR" altLang="en-US" smtClean="0"/>
-              <a:t>2021-08-01</a:t>
+              <a:t>2021-08-05</a:t>
             </a:fld>
             <a:endParaRPr lang="ko-KR" altLang="en-US"/>
           </a:p>
@@ -2571,7 +2572,7 @@
           <a:p>
             <a:fld id="{3DCF8E7F-ECA4-4F79-8BD4-9D90B257F24F}" type="datetimeFigureOut">
               <a:rPr lang="ko-KR" altLang="en-US" smtClean="0"/>
-              <a:t>2021-08-01</a:t>
+              <a:t>2021-08-05</a:t>
             </a:fld>
             <a:endParaRPr lang="ko-KR" altLang="en-US"/>
           </a:p>
@@ -10172,15 +10173,7 @@
                   <a:srgbClr val="FFFF00"/>
                 </a:solidFill>
               </a:rPr>
-              <a:t>Model1 – </a:t>
-            </a:r>
-            <a:r>
-              <a:rPr lang="en-US" altLang="ko-KR" sz="5400" b="1" dirty="0" smtClean="0">
-                <a:solidFill>
-                  <a:srgbClr val="FFFF00"/>
-                </a:solidFill>
-              </a:rPr>
-              <a:t>DB </a:t>
+              <a:t>Model1 – DB </a:t>
             </a:r>
             <a:r>
               <a:rPr lang="ko-KR" altLang="en-US" sz="5400" b="1" dirty="0" smtClean="0">
@@ -10202,6 +10195,191 @@
     <p:extLst>
       <p:ext uri="{BB962C8B-B14F-4D97-AF65-F5344CB8AC3E}">
         <p14:creationId xmlns:p14="http://schemas.microsoft.com/office/powerpoint/2010/main" val="2064361058"/>
+      </p:ext>
+    </p:extLst>
+  </p:cSld>
+  <p:clrMapOvr>
+    <a:masterClrMapping/>
+  </p:clrMapOvr>
+</p:sld>
+</file>
+
+<file path=ppt/slides/slide9.xml><?xml version="1.0" encoding="utf-8"?>
+<p:sld xmlns:a="http://schemas.openxmlformats.org/drawingml/2006/main" xmlns:r="http://schemas.openxmlformats.org/officeDocument/2006/relationships" xmlns:p="http://schemas.openxmlformats.org/presentationml/2006/main">
+  <p:cSld>
+    <p:spTree>
+      <p:nvGrpSpPr>
+        <p:cNvPr id="1" name=""/>
+        <p:cNvGrpSpPr/>
+        <p:nvPr/>
+      </p:nvGrpSpPr>
+      <p:grpSpPr>
+        <a:xfrm>
+          <a:off x="0" y="0"/>
+          <a:ext cx="0" cy="0"/>
+          <a:chOff x="0" y="0"/>
+          <a:chExt cx="0" cy="0"/>
+        </a:xfrm>
+      </p:grpSpPr>
+      <p:cxnSp>
+        <p:nvCxnSpPr>
+          <p:cNvPr id="4" name="직선 연결선 3"/>
+          <p:cNvCxnSpPr/>
+          <p:nvPr/>
+        </p:nvCxnSpPr>
+        <p:spPr>
+          <a:xfrm>
+            <a:off x="0" y="538264"/>
+            <a:ext cx="12192000" cy="0"/>
+          </a:xfrm>
+          <a:prstGeom prst="line">
+            <a:avLst/>
+          </a:prstGeom>
+          <a:ln>
+            <a:solidFill>
+              <a:schemeClr val="tx1"/>
+            </a:solidFill>
+          </a:ln>
+        </p:spPr>
+        <p:style>
+          <a:lnRef idx="1">
+            <a:schemeClr val="accent1"/>
+          </a:lnRef>
+          <a:fillRef idx="0">
+            <a:schemeClr val="accent1"/>
+          </a:fillRef>
+          <a:effectRef idx="0">
+            <a:schemeClr val="accent1"/>
+          </a:effectRef>
+          <a:fontRef idx="minor">
+            <a:schemeClr val="tx1"/>
+          </a:fontRef>
+        </p:style>
+      </p:cxnSp>
+      <p:sp>
+        <p:nvSpPr>
+          <p:cNvPr id="5" name="TextBox 4"/>
+          <p:cNvSpPr txBox="1"/>
+          <p:nvPr/>
+        </p:nvSpPr>
+        <p:spPr>
+          <a:xfrm>
+            <a:off x="343711" y="90791"/>
+            <a:ext cx="2090637" cy="369332"/>
+          </a:xfrm>
+          <a:prstGeom prst="rect">
+            <a:avLst/>
+          </a:prstGeom>
+          <a:noFill/>
+        </p:spPr>
+        <p:txBody>
+          <a:bodyPr wrap="none" rtlCol="0">
+            <a:spAutoFit/>
+          </a:bodyPr>
+          <a:lstStyle/>
+          <a:p>
+            <a:r>
+              <a:rPr lang="ko-KR" altLang="en-US" b="1" dirty="0" smtClean="0"/>
+              <a:t>모델 </a:t>
+            </a:r>
+            <a:r>
+              <a:rPr lang="en-US" altLang="ko-KR" b="1" dirty="0" smtClean="0"/>
+              <a:t>2 </a:t>
+            </a:r>
+            <a:r>
+              <a:rPr lang="ko-KR" altLang="en-US" b="1" dirty="0" smtClean="0"/>
+              <a:t>학습 방법 </a:t>
+            </a:r>
+            <a:endParaRPr lang="ko-KR" altLang="en-US" b="1" dirty="0"/>
+          </a:p>
+        </p:txBody>
+      </p:sp>
+      <p:sp>
+        <p:nvSpPr>
+          <p:cNvPr id="6" name="TextBox 5"/>
+          <p:cNvSpPr txBox="1"/>
+          <p:nvPr/>
+        </p:nvSpPr>
+        <p:spPr>
+          <a:xfrm>
+            <a:off x="11516040" y="275457"/>
+            <a:ext cx="641522" cy="261610"/>
+          </a:xfrm>
+          <a:prstGeom prst="rect">
+            <a:avLst/>
+          </a:prstGeom>
+          <a:noFill/>
+        </p:spPr>
+        <p:txBody>
+          <a:bodyPr wrap="none" rtlCol="0">
+            <a:spAutoFit/>
+          </a:bodyPr>
+          <a:lstStyle/>
+          <a:p>
+            <a:r>
+              <a:rPr lang="en-US" altLang="ko-KR" sz="1100" b="1" i="1" smtClean="0"/>
+              <a:t>IT </a:t>
+            </a:r>
+            <a:r>
+              <a:rPr lang="ko-KR" altLang="en-US" sz="1100" b="1" i="1" dirty="0" smtClean="0"/>
+              <a:t>늦공</a:t>
+            </a:r>
+            <a:endParaRPr lang="ko-KR" altLang="en-US" sz="1100" b="1" i="1" dirty="0"/>
+          </a:p>
+        </p:txBody>
+      </p:sp>
+      <p:sp>
+        <p:nvSpPr>
+          <p:cNvPr id="49" name="TextBox 48"/>
+          <p:cNvSpPr txBox="1"/>
+          <p:nvPr/>
+        </p:nvSpPr>
+        <p:spPr>
+          <a:xfrm>
+            <a:off x="1255032" y="3231282"/>
+            <a:ext cx="9681935" cy="830997"/>
+          </a:xfrm>
+          <a:prstGeom prst="rect">
+            <a:avLst/>
+          </a:prstGeom>
+          <a:noFill/>
+          <a:ln>
+            <a:solidFill>
+              <a:schemeClr val="tx1"/>
+            </a:solidFill>
+          </a:ln>
+        </p:spPr>
+        <p:txBody>
+          <a:bodyPr wrap="square" rtlCol="0" anchor="ctr">
+            <a:spAutoFit/>
+          </a:bodyPr>
+          <a:lstStyle/>
+          <a:p>
+            <a:pPr algn="ctr">
+              <a:lnSpc>
+                <a:spcPct val="150000"/>
+              </a:lnSpc>
+            </a:pPr>
+            <a:r>
+              <a:rPr lang="ko-KR" altLang="en-US" sz="3200" b="1" dirty="0" smtClean="0"/>
+              <a:t>프로젝트 </a:t>
+            </a:r>
+            <a:r>
+              <a:rPr lang="en-US" altLang="ko-KR" sz="3200" b="1" dirty="0" smtClean="0"/>
+              <a:t>Model2 – Was(tomcat) </a:t>
+            </a:r>
+            <a:r>
+              <a:rPr lang="ko-KR" altLang="en-US" sz="3200" b="1" dirty="0" smtClean="0"/>
+              <a:t>배포하기</a:t>
+            </a:r>
+            <a:endParaRPr lang="ko-KR" altLang="en-US" sz="3200" b="1" dirty="0"/>
+          </a:p>
+        </p:txBody>
+      </p:sp>
+    </p:spTree>
+    <p:extLst>
+      <p:ext uri="{BB962C8B-B14F-4D97-AF65-F5344CB8AC3E}">
+        <p14:creationId xmlns:p14="http://schemas.microsoft.com/office/powerpoint/2010/main" val="13338258"/>
       </p:ext>
     </p:extLst>
   </p:cSld>
